--- a/08-random-variables/figs/binary-rv1.pptx
+++ b/08-random-variables/figs/binary-rv1.pptx
@@ -10,6 +10,10 @@
     <p:sldId id="257" r:id="rId4"/>
     <p:sldId id="260" r:id="rId5"/>
     <p:sldId id="261" r:id="rId6"/>
+    <p:sldId id="262" r:id="rId7"/>
+    <p:sldId id="264" r:id="rId8"/>
+    <p:sldId id="265" r:id="rId9"/>
+    <p:sldId id="263" r:id="rId10"/>
   </p:sldIdLst>
   <p:sldSz cx="12192000" cy="6858000"/>
   <p:notesSz cx="6858000" cy="9144000"/>
@@ -263,7 +267,7 @@
           <a:p>
             <a:fld id="{5DB9E5EC-6C4F-C74F-9BD2-B56174265E93}" type="datetimeFigureOut">
               <a:rPr lang="en-US" smtClean="0"/>
-              <a:t>2/23/22</a:t>
+              <a:t>2/28/22</a:t>
             </a:fld>
             <a:endParaRPr lang="en-US"/>
           </a:p>
@@ -461,7 +465,7 @@
           <a:p>
             <a:fld id="{5DB9E5EC-6C4F-C74F-9BD2-B56174265E93}" type="datetimeFigureOut">
               <a:rPr lang="en-US" smtClean="0"/>
-              <a:t>2/23/22</a:t>
+              <a:t>2/28/22</a:t>
             </a:fld>
             <a:endParaRPr lang="en-US"/>
           </a:p>
@@ -669,7 +673,7 @@
           <a:p>
             <a:fld id="{5DB9E5EC-6C4F-C74F-9BD2-B56174265E93}" type="datetimeFigureOut">
               <a:rPr lang="en-US" smtClean="0"/>
-              <a:t>2/23/22</a:t>
+              <a:t>2/28/22</a:t>
             </a:fld>
             <a:endParaRPr lang="en-US"/>
           </a:p>
@@ -867,7 +871,7 @@
           <a:p>
             <a:fld id="{5DB9E5EC-6C4F-C74F-9BD2-B56174265E93}" type="datetimeFigureOut">
               <a:rPr lang="en-US" smtClean="0"/>
-              <a:t>2/23/22</a:t>
+              <a:t>2/28/22</a:t>
             </a:fld>
             <a:endParaRPr lang="en-US"/>
           </a:p>
@@ -1142,7 +1146,7 @@
           <a:p>
             <a:fld id="{5DB9E5EC-6C4F-C74F-9BD2-B56174265E93}" type="datetimeFigureOut">
               <a:rPr lang="en-US" smtClean="0"/>
-              <a:t>2/23/22</a:t>
+              <a:t>2/28/22</a:t>
             </a:fld>
             <a:endParaRPr lang="en-US"/>
           </a:p>
@@ -1407,7 +1411,7 @@
           <a:p>
             <a:fld id="{5DB9E5EC-6C4F-C74F-9BD2-B56174265E93}" type="datetimeFigureOut">
               <a:rPr lang="en-US" smtClean="0"/>
-              <a:t>2/23/22</a:t>
+              <a:t>2/28/22</a:t>
             </a:fld>
             <a:endParaRPr lang="en-US"/>
           </a:p>
@@ -1819,7 +1823,7 @@
           <a:p>
             <a:fld id="{5DB9E5EC-6C4F-C74F-9BD2-B56174265E93}" type="datetimeFigureOut">
               <a:rPr lang="en-US" smtClean="0"/>
-              <a:t>2/23/22</a:t>
+              <a:t>2/28/22</a:t>
             </a:fld>
             <a:endParaRPr lang="en-US"/>
           </a:p>
@@ -1960,7 +1964,7 @@
           <a:p>
             <a:fld id="{5DB9E5EC-6C4F-C74F-9BD2-B56174265E93}" type="datetimeFigureOut">
               <a:rPr lang="en-US" smtClean="0"/>
-              <a:t>2/23/22</a:t>
+              <a:t>2/28/22</a:t>
             </a:fld>
             <a:endParaRPr lang="en-US"/>
           </a:p>
@@ -2073,7 +2077,7 @@
           <a:p>
             <a:fld id="{5DB9E5EC-6C4F-C74F-9BD2-B56174265E93}" type="datetimeFigureOut">
               <a:rPr lang="en-US" smtClean="0"/>
-              <a:t>2/23/22</a:t>
+              <a:t>2/28/22</a:t>
             </a:fld>
             <a:endParaRPr lang="en-US"/>
           </a:p>
@@ -2384,7 +2388,7 @@
           <a:p>
             <a:fld id="{5DB9E5EC-6C4F-C74F-9BD2-B56174265E93}" type="datetimeFigureOut">
               <a:rPr lang="en-US" smtClean="0"/>
-              <a:t>2/23/22</a:t>
+              <a:t>2/28/22</a:t>
             </a:fld>
             <a:endParaRPr lang="en-US"/>
           </a:p>
@@ -2672,7 +2676,7 @@
           <a:p>
             <a:fld id="{5DB9E5EC-6C4F-C74F-9BD2-B56174265E93}" type="datetimeFigureOut">
               <a:rPr lang="en-US" smtClean="0"/>
-              <a:t>2/23/22</a:t>
+              <a:t>2/28/22</a:t>
             </a:fld>
             <a:endParaRPr lang="en-US"/>
           </a:p>
@@ -2913,7 +2917,7 @@
           <a:p>
             <a:fld id="{5DB9E5EC-6C4F-C74F-9BD2-B56174265E93}" type="datetimeFigureOut">
               <a:rPr lang="en-US" smtClean="0"/>
-              <a:t>2/23/22</a:t>
+              <a:t>2/28/22</a:t>
             </a:fld>
             <a:endParaRPr lang="en-US"/>
           </a:p>
@@ -4601,6 +4605,36 @@
           </p:style>
         </p:cxnSp>
       </p:grpSp>
+      <p:pic>
+        <p:nvPicPr>
+          <p:cNvPr id="3" name="Picture 2">
+            <a:extLst>
+              <a:ext uri="{FF2B5EF4-FFF2-40B4-BE49-F238E27FC236}">
+                <a16:creationId xmlns:a16="http://schemas.microsoft.com/office/drawing/2014/main" id="{23464B58-2235-3C4B-9BEB-05051D362D40}"/>
+              </a:ext>
+            </a:extLst>
+          </p:cNvPr>
+          <p:cNvPicPr>
+            <a:picLocks noChangeAspect="1"/>
+          </p:cNvPicPr>
+          <p:nvPr/>
+        </p:nvPicPr>
+        <p:blipFill>
+          <a:blip r:embed="rId2"/>
+          <a:stretch>
+            <a:fillRect/>
+          </a:stretch>
+        </p:blipFill>
+        <p:spPr>
+          <a:xfrm>
+            <a:off x="8702040" y="3067845"/>
+            <a:ext cx="381000" cy="317500"/>
+          </a:xfrm>
+          <a:prstGeom prst="rect">
+            <a:avLst/>
+          </a:prstGeom>
+        </p:spPr>
+      </p:pic>
     </p:spTree>
     <p:extLst>
       <p:ext uri="{BB962C8B-B14F-4D97-AF65-F5344CB8AC3E}">
@@ -5986,6 +6020,36 @@
           </a:prstGeom>
         </p:spPr>
       </p:pic>
+      <p:pic>
+        <p:nvPicPr>
+          <p:cNvPr id="26" name="Picture 25">
+            <a:extLst>
+              <a:ext uri="{FF2B5EF4-FFF2-40B4-BE49-F238E27FC236}">
+                <a16:creationId xmlns:a16="http://schemas.microsoft.com/office/drawing/2014/main" id="{DDE1059E-F52A-9545-983D-B3962595FBB4}"/>
+              </a:ext>
+            </a:extLst>
+          </p:cNvPr>
+          <p:cNvPicPr>
+            <a:picLocks noChangeAspect="1"/>
+          </p:cNvPicPr>
+          <p:nvPr/>
+        </p:nvPicPr>
+        <p:blipFill>
+          <a:blip r:embed="rId3"/>
+          <a:stretch>
+            <a:fillRect/>
+          </a:stretch>
+        </p:blipFill>
+        <p:spPr>
+          <a:xfrm>
+            <a:off x="8702040" y="3067845"/>
+            <a:ext cx="381000" cy="317500"/>
+          </a:xfrm>
+          <a:prstGeom prst="rect">
+            <a:avLst/>
+          </a:prstGeom>
+        </p:spPr>
+      </p:pic>
     </p:spTree>
     <p:extLst>
       <p:ext uri="{BB962C8B-B14F-4D97-AF65-F5344CB8AC3E}">
@@ -7396,6 +7460,36 @@
           <a:xfrm>
             <a:off x="3681976" y="2197234"/>
             <a:ext cx="1930400" cy="381000"/>
+          </a:xfrm>
+          <a:prstGeom prst="rect">
+            <a:avLst/>
+          </a:prstGeom>
+        </p:spPr>
+      </p:pic>
+      <p:pic>
+        <p:nvPicPr>
+          <p:cNvPr id="25" name="Picture 24">
+            <a:extLst>
+              <a:ext uri="{FF2B5EF4-FFF2-40B4-BE49-F238E27FC236}">
+                <a16:creationId xmlns:a16="http://schemas.microsoft.com/office/drawing/2014/main" id="{DABC5FFB-8E35-CD4A-A4D4-5BA3BE281C53}"/>
+              </a:ext>
+            </a:extLst>
+          </p:cNvPr>
+          <p:cNvPicPr>
+            <a:picLocks noChangeAspect="1"/>
+          </p:cNvPicPr>
+          <p:nvPr/>
+        </p:nvPicPr>
+        <p:blipFill>
+          <a:blip r:embed="rId3"/>
+          <a:stretch>
+            <a:fillRect/>
+          </a:stretch>
+        </p:blipFill>
+        <p:spPr>
+          <a:xfrm>
+            <a:off x="8702040" y="3067845"/>
+            <a:ext cx="381000" cy="317500"/>
           </a:xfrm>
           <a:prstGeom prst="rect">
             <a:avLst/>
@@ -8876,6 +8970,36 @@
           </a:p>
         </p:txBody>
       </p:sp>
+      <p:pic>
+        <p:nvPicPr>
+          <p:cNvPr id="26" name="Picture 25">
+            <a:extLst>
+              <a:ext uri="{FF2B5EF4-FFF2-40B4-BE49-F238E27FC236}">
+                <a16:creationId xmlns:a16="http://schemas.microsoft.com/office/drawing/2014/main" id="{910BE281-63C1-F449-9608-0C1A61104559}"/>
+              </a:ext>
+            </a:extLst>
+          </p:cNvPr>
+          <p:cNvPicPr>
+            <a:picLocks noChangeAspect="1"/>
+          </p:cNvPicPr>
+          <p:nvPr/>
+        </p:nvPicPr>
+        <p:blipFill>
+          <a:blip r:embed="rId3"/>
+          <a:stretch>
+            <a:fillRect/>
+          </a:stretch>
+        </p:blipFill>
+        <p:spPr>
+          <a:xfrm>
+            <a:off x="8702040" y="3067845"/>
+            <a:ext cx="381000" cy="317500"/>
+          </a:xfrm>
+          <a:prstGeom prst="rect">
+            <a:avLst/>
+          </a:prstGeom>
+        </p:spPr>
+      </p:pic>
     </p:spTree>
     <p:extLst>
       <p:ext uri="{BB962C8B-B14F-4D97-AF65-F5344CB8AC3E}">
@@ -10340,10 +10464,4838 @@
           </a:prstGeom>
         </p:spPr>
       </p:pic>
+      <p:pic>
+        <p:nvPicPr>
+          <p:cNvPr id="26" name="Picture 25">
+            <a:extLst>
+              <a:ext uri="{FF2B5EF4-FFF2-40B4-BE49-F238E27FC236}">
+                <a16:creationId xmlns:a16="http://schemas.microsoft.com/office/drawing/2014/main" id="{E4AE035E-609A-1441-BD37-94B5EE2701FA}"/>
+              </a:ext>
+            </a:extLst>
+          </p:cNvPr>
+          <p:cNvPicPr>
+            <a:picLocks noChangeAspect="1"/>
+          </p:cNvPicPr>
+          <p:nvPr/>
+        </p:nvPicPr>
+        <p:blipFill>
+          <a:blip r:embed="rId3"/>
+          <a:stretch>
+            <a:fillRect/>
+          </a:stretch>
+        </p:blipFill>
+        <p:spPr>
+          <a:xfrm>
+            <a:off x="8702040" y="3067845"/>
+            <a:ext cx="381000" cy="317500"/>
+          </a:xfrm>
+          <a:prstGeom prst="rect">
+            <a:avLst/>
+          </a:prstGeom>
+        </p:spPr>
+      </p:pic>
     </p:spTree>
     <p:extLst>
       <p:ext uri="{BB962C8B-B14F-4D97-AF65-F5344CB8AC3E}">
         <p14:creationId xmlns:p14="http://schemas.microsoft.com/office/powerpoint/2010/main" val="2714857728"/>
+      </p:ext>
+    </p:extLst>
+  </p:cSld>
+  <p:clrMapOvr>
+    <a:masterClrMapping/>
+  </p:clrMapOvr>
+</p:sld>
+</file>
+
+<file path=ppt/slides/slide6.xml><?xml version="1.0" encoding="utf-8"?>
+<p:sld xmlns:a="http://schemas.openxmlformats.org/drawingml/2006/main" xmlns:r="http://schemas.openxmlformats.org/officeDocument/2006/relationships" xmlns:p="http://schemas.openxmlformats.org/presentationml/2006/main">
+  <p:cSld>
+    <p:spTree>
+      <p:nvGrpSpPr>
+        <p:cNvPr id="1" name=""/>
+        <p:cNvGrpSpPr/>
+        <p:nvPr/>
+      </p:nvGrpSpPr>
+      <p:grpSpPr>
+        <a:xfrm>
+          <a:off x="0" y="0"/>
+          <a:ext cx="0" cy="0"/>
+          <a:chOff x="0" y="0"/>
+          <a:chExt cx="0" cy="0"/>
+        </a:xfrm>
+      </p:grpSpPr>
+      <p:sp>
+        <p:nvSpPr>
+          <p:cNvPr id="8" name="Freeform 7">
+            <a:extLst>
+              <a:ext uri="{FF2B5EF4-FFF2-40B4-BE49-F238E27FC236}">
+                <a16:creationId xmlns:a16="http://schemas.microsoft.com/office/drawing/2014/main" id="{30149E8B-A17F-DA46-B277-BE016F789BFC}"/>
+              </a:ext>
+            </a:extLst>
+          </p:cNvPr>
+          <p:cNvSpPr/>
+          <p:nvPr/>
+        </p:nvSpPr>
+        <p:spPr>
+          <a:xfrm>
+            <a:off x="1414073" y="1395452"/>
+            <a:ext cx="2117773" cy="2839502"/>
+          </a:xfrm>
+          <a:custGeom>
+            <a:avLst/>
+            <a:gdLst>
+              <a:gd name="connsiteX0" fmla="*/ 354491 w 2195042"/>
+              <a:gd name="connsiteY0" fmla="*/ 491545 h 2896527"/>
+              <a:gd name="connsiteX1" fmla="*/ 754541 w 2195042"/>
+              <a:gd name="connsiteY1" fmla="*/ 55 h 2896527"/>
+              <a:gd name="connsiteX2" fmla="*/ 1063151 w 2195042"/>
+              <a:gd name="connsiteY2" fmla="*/ 457255 h 2896527"/>
+              <a:gd name="connsiteX3" fmla="*/ 1588931 w 2195042"/>
+              <a:gd name="connsiteY3" fmla="*/ 148645 h 2896527"/>
+              <a:gd name="connsiteX4" fmla="*/ 2057561 w 2195042"/>
+              <a:gd name="connsiteY4" fmla="*/ 720145 h 2896527"/>
+              <a:gd name="connsiteX5" fmla="*/ 1886111 w 2195042"/>
+              <a:gd name="connsiteY5" fmla="*/ 1165915 h 2896527"/>
+              <a:gd name="connsiteX6" fmla="*/ 2194721 w 2195042"/>
+              <a:gd name="connsiteY6" fmla="*/ 1840285 h 2896527"/>
+              <a:gd name="connsiteX7" fmla="*/ 1817531 w 2195042"/>
+              <a:gd name="connsiteY7" fmla="*/ 2720395 h 2896527"/>
+              <a:gd name="connsiteX8" fmla="*/ 1291751 w 2195042"/>
+              <a:gd name="connsiteY8" fmla="*/ 2526085 h 2896527"/>
+              <a:gd name="connsiteX9" fmla="*/ 537371 w 2195042"/>
+              <a:gd name="connsiteY9" fmla="*/ 2891845 h 2896527"/>
+              <a:gd name="connsiteX10" fmla="*/ 525941 w 2195042"/>
+              <a:gd name="connsiteY10" fmla="*/ 2217475 h 2896527"/>
+              <a:gd name="connsiteX11" fmla="*/ 161 w 2195042"/>
+              <a:gd name="connsiteY11" fmla="*/ 1771705 h 2896527"/>
+              <a:gd name="connsiteX12" fmla="*/ 468791 w 2195042"/>
+              <a:gd name="connsiteY12" fmla="*/ 1211635 h 2896527"/>
+              <a:gd name="connsiteX13" fmla="*/ 354491 w 2195042"/>
+              <a:gd name="connsiteY13" fmla="*/ 491545 h 2896527"/>
+              <a:gd name="connsiteX0" fmla="*/ 354491 w 2194777"/>
+              <a:gd name="connsiteY0" fmla="*/ 491545 h 2896527"/>
+              <a:gd name="connsiteX1" fmla="*/ 754541 w 2194777"/>
+              <a:gd name="connsiteY1" fmla="*/ 55 h 2896527"/>
+              <a:gd name="connsiteX2" fmla="*/ 1063151 w 2194777"/>
+              <a:gd name="connsiteY2" fmla="*/ 457255 h 2896527"/>
+              <a:gd name="connsiteX3" fmla="*/ 1588931 w 2194777"/>
+              <a:gd name="connsiteY3" fmla="*/ 148645 h 2896527"/>
+              <a:gd name="connsiteX4" fmla="*/ 2057561 w 2194777"/>
+              <a:gd name="connsiteY4" fmla="*/ 720145 h 2896527"/>
+              <a:gd name="connsiteX5" fmla="*/ 1847610 w 2194777"/>
+              <a:gd name="connsiteY5" fmla="*/ 1339170 h 2896527"/>
+              <a:gd name="connsiteX6" fmla="*/ 2194721 w 2194777"/>
+              <a:gd name="connsiteY6" fmla="*/ 1840285 h 2896527"/>
+              <a:gd name="connsiteX7" fmla="*/ 1817531 w 2194777"/>
+              <a:gd name="connsiteY7" fmla="*/ 2720395 h 2896527"/>
+              <a:gd name="connsiteX8" fmla="*/ 1291751 w 2194777"/>
+              <a:gd name="connsiteY8" fmla="*/ 2526085 h 2896527"/>
+              <a:gd name="connsiteX9" fmla="*/ 537371 w 2194777"/>
+              <a:gd name="connsiteY9" fmla="*/ 2891845 h 2896527"/>
+              <a:gd name="connsiteX10" fmla="*/ 525941 w 2194777"/>
+              <a:gd name="connsiteY10" fmla="*/ 2217475 h 2896527"/>
+              <a:gd name="connsiteX11" fmla="*/ 161 w 2194777"/>
+              <a:gd name="connsiteY11" fmla="*/ 1771705 h 2896527"/>
+              <a:gd name="connsiteX12" fmla="*/ 468791 w 2194777"/>
+              <a:gd name="connsiteY12" fmla="*/ 1211635 h 2896527"/>
+              <a:gd name="connsiteX13" fmla="*/ 354491 w 2194777"/>
+              <a:gd name="connsiteY13" fmla="*/ 491545 h 2896527"/>
+              <a:gd name="connsiteX0" fmla="*/ 354470 w 2194756"/>
+              <a:gd name="connsiteY0" fmla="*/ 491545 h 2896527"/>
+              <a:gd name="connsiteX1" fmla="*/ 754520 w 2194756"/>
+              <a:gd name="connsiteY1" fmla="*/ 55 h 2896527"/>
+              <a:gd name="connsiteX2" fmla="*/ 1063130 w 2194756"/>
+              <a:gd name="connsiteY2" fmla="*/ 457255 h 2896527"/>
+              <a:gd name="connsiteX3" fmla="*/ 1588910 w 2194756"/>
+              <a:gd name="connsiteY3" fmla="*/ 148645 h 2896527"/>
+              <a:gd name="connsiteX4" fmla="*/ 2057540 w 2194756"/>
+              <a:gd name="connsiteY4" fmla="*/ 720145 h 2896527"/>
+              <a:gd name="connsiteX5" fmla="*/ 1847589 w 2194756"/>
+              <a:gd name="connsiteY5" fmla="*/ 1339170 h 2896527"/>
+              <a:gd name="connsiteX6" fmla="*/ 2194700 w 2194756"/>
+              <a:gd name="connsiteY6" fmla="*/ 1840285 h 2896527"/>
+              <a:gd name="connsiteX7" fmla="*/ 1817510 w 2194756"/>
+              <a:gd name="connsiteY7" fmla="*/ 2720395 h 2896527"/>
+              <a:gd name="connsiteX8" fmla="*/ 1291730 w 2194756"/>
+              <a:gd name="connsiteY8" fmla="*/ 2526085 h 2896527"/>
+              <a:gd name="connsiteX9" fmla="*/ 537350 w 2194756"/>
+              <a:gd name="connsiteY9" fmla="*/ 2891845 h 2896527"/>
+              <a:gd name="connsiteX10" fmla="*/ 525920 w 2194756"/>
+              <a:gd name="connsiteY10" fmla="*/ 2217475 h 2896527"/>
+              <a:gd name="connsiteX11" fmla="*/ 140 w 2194756"/>
+              <a:gd name="connsiteY11" fmla="*/ 1771705 h 2896527"/>
+              <a:gd name="connsiteX12" fmla="*/ 536147 w 2194756"/>
+              <a:gd name="connsiteY12" fmla="*/ 1115382 h 2896527"/>
+              <a:gd name="connsiteX13" fmla="*/ 354470 w 2194756"/>
+              <a:gd name="connsiteY13" fmla="*/ 491545 h 2896527"/>
+              <a:gd name="connsiteX0" fmla="*/ 277487 w 2117773"/>
+              <a:gd name="connsiteY0" fmla="*/ 491545 h 2896527"/>
+              <a:gd name="connsiteX1" fmla="*/ 677537 w 2117773"/>
+              <a:gd name="connsiteY1" fmla="*/ 55 h 2896527"/>
+              <a:gd name="connsiteX2" fmla="*/ 986147 w 2117773"/>
+              <a:gd name="connsiteY2" fmla="*/ 457255 h 2896527"/>
+              <a:gd name="connsiteX3" fmla="*/ 1511927 w 2117773"/>
+              <a:gd name="connsiteY3" fmla="*/ 148645 h 2896527"/>
+              <a:gd name="connsiteX4" fmla="*/ 1980557 w 2117773"/>
+              <a:gd name="connsiteY4" fmla="*/ 720145 h 2896527"/>
+              <a:gd name="connsiteX5" fmla="*/ 1770606 w 2117773"/>
+              <a:gd name="connsiteY5" fmla="*/ 1339170 h 2896527"/>
+              <a:gd name="connsiteX6" fmla="*/ 2117717 w 2117773"/>
+              <a:gd name="connsiteY6" fmla="*/ 1840285 h 2896527"/>
+              <a:gd name="connsiteX7" fmla="*/ 1740527 w 2117773"/>
+              <a:gd name="connsiteY7" fmla="*/ 2720395 h 2896527"/>
+              <a:gd name="connsiteX8" fmla="*/ 1214747 w 2117773"/>
+              <a:gd name="connsiteY8" fmla="*/ 2526085 h 2896527"/>
+              <a:gd name="connsiteX9" fmla="*/ 460367 w 2117773"/>
+              <a:gd name="connsiteY9" fmla="*/ 2891845 h 2896527"/>
+              <a:gd name="connsiteX10" fmla="*/ 448937 w 2117773"/>
+              <a:gd name="connsiteY10" fmla="*/ 2217475 h 2896527"/>
+              <a:gd name="connsiteX11" fmla="*/ 159 w 2117773"/>
+              <a:gd name="connsiteY11" fmla="*/ 1656202 h 2896527"/>
+              <a:gd name="connsiteX12" fmla="*/ 459164 w 2117773"/>
+              <a:gd name="connsiteY12" fmla="*/ 1115382 h 2896527"/>
+              <a:gd name="connsiteX13" fmla="*/ 277487 w 2117773"/>
+              <a:gd name="connsiteY13" fmla="*/ 491545 h 2896527"/>
+              <a:gd name="connsiteX0" fmla="*/ 277487 w 2117773"/>
+              <a:gd name="connsiteY0" fmla="*/ 491545 h 2894415"/>
+              <a:gd name="connsiteX1" fmla="*/ 677537 w 2117773"/>
+              <a:gd name="connsiteY1" fmla="*/ 55 h 2894415"/>
+              <a:gd name="connsiteX2" fmla="*/ 986147 w 2117773"/>
+              <a:gd name="connsiteY2" fmla="*/ 457255 h 2894415"/>
+              <a:gd name="connsiteX3" fmla="*/ 1511927 w 2117773"/>
+              <a:gd name="connsiteY3" fmla="*/ 148645 h 2894415"/>
+              <a:gd name="connsiteX4" fmla="*/ 1980557 w 2117773"/>
+              <a:gd name="connsiteY4" fmla="*/ 720145 h 2894415"/>
+              <a:gd name="connsiteX5" fmla="*/ 1770606 w 2117773"/>
+              <a:gd name="connsiteY5" fmla="*/ 1339170 h 2894415"/>
+              <a:gd name="connsiteX6" fmla="*/ 2117717 w 2117773"/>
+              <a:gd name="connsiteY6" fmla="*/ 1840285 h 2894415"/>
+              <a:gd name="connsiteX7" fmla="*/ 1740527 w 2117773"/>
+              <a:gd name="connsiteY7" fmla="*/ 2720395 h 2894415"/>
+              <a:gd name="connsiteX8" fmla="*/ 1214747 w 2117773"/>
+              <a:gd name="connsiteY8" fmla="*/ 2526085 h 2894415"/>
+              <a:gd name="connsiteX9" fmla="*/ 460367 w 2117773"/>
+              <a:gd name="connsiteY9" fmla="*/ 2891845 h 2894415"/>
+              <a:gd name="connsiteX10" fmla="*/ 458563 w 2117773"/>
+              <a:gd name="connsiteY10" fmla="*/ 2304103 h 2894415"/>
+              <a:gd name="connsiteX11" fmla="*/ 159 w 2117773"/>
+              <a:gd name="connsiteY11" fmla="*/ 1656202 h 2894415"/>
+              <a:gd name="connsiteX12" fmla="*/ 459164 w 2117773"/>
+              <a:gd name="connsiteY12" fmla="*/ 1115382 h 2894415"/>
+              <a:gd name="connsiteX13" fmla="*/ 277487 w 2117773"/>
+              <a:gd name="connsiteY13" fmla="*/ 491545 h 2894415"/>
+              <a:gd name="connsiteX0" fmla="*/ 277487 w 2117773"/>
+              <a:gd name="connsiteY0" fmla="*/ 491545 h 2932724"/>
+              <a:gd name="connsiteX1" fmla="*/ 677537 w 2117773"/>
+              <a:gd name="connsiteY1" fmla="*/ 55 h 2932724"/>
+              <a:gd name="connsiteX2" fmla="*/ 986147 w 2117773"/>
+              <a:gd name="connsiteY2" fmla="*/ 457255 h 2932724"/>
+              <a:gd name="connsiteX3" fmla="*/ 1511927 w 2117773"/>
+              <a:gd name="connsiteY3" fmla="*/ 148645 h 2932724"/>
+              <a:gd name="connsiteX4" fmla="*/ 1980557 w 2117773"/>
+              <a:gd name="connsiteY4" fmla="*/ 720145 h 2932724"/>
+              <a:gd name="connsiteX5" fmla="*/ 1770606 w 2117773"/>
+              <a:gd name="connsiteY5" fmla="*/ 1339170 h 2932724"/>
+              <a:gd name="connsiteX6" fmla="*/ 2117717 w 2117773"/>
+              <a:gd name="connsiteY6" fmla="*/ 1840285 h 2932724"/>
+              <a:gd name="connsiteX7" fmla="*/ 1740527 w 2117773"/>
+              <a:gd name="connsiteY7" fmla="*/ 2720395 h 2932724"/>
+              <a:gd name="connsiteX8" fmla="*/ 1214747 w 2117773"/>
+              <a:gd name="connsiteY8" fmla="*/ 2526085 h 2932724"/>
+              <a:gd name="connsiteX9" fmla="*/ 441116 w 2117773"/>
+              <a:gd name="connsiteY9" fmla="*/ 2930346 h 2932724"/>
+              <a:gd name="connsiteX10" fmla="*/ 458563 w 2117773"/>
+              <a:gd name="connsiteY10" fmla="*/ 2304103 h 2932724"/>
+              <a:gd name="connsiteX11" fmla="*/ 159 w 2117773"/>
+              <a:gd name="connsiteY11" fmla="*/ 1656202 h 2932724"/>
+              <a:gd name="connsiteX12" fmla="*/ 459164 w 2117773"/>
+              <a:gd name="connsiteY12" fmla="*/ 1115382 h 2932724"/>
+              <a:gd name="connsiteX13" fmla="*/ 277487 w 2117773"/>
+              <a:gd name="connsiteY13" fmla="*/ 491545 h 2932724"/>
+              <a:gd name="connsiteX0" fmla="*/ 277487 w 2117773"/>
+              <a:gd name="connsiteY0" fmla="*/ 491545 h 2966905"/>
+              <a:gd name="connsiteX1" fmla="*/ 677537 w 2117773"/>
+              <a:gd name="connsiteY1" fmla="*/ 55 h 2966905"/>
+              <a:gd name="connsiteX2" fmla="*/ 986147 w 2117773"/>
+              <a:gd name="connsiteY2" fmla="*/ 457255 h 2966905"/>
+              <a:gd name="connsiteX3" fmla="*/ 1511927 w 2117773"/>
+              <a:gd name="connsiteY3" fmla="*/ 148645 h 2966905"/>
+              <a:gd name="connsiteX4" fmla="*/ 1980557 w 2117773"/>
+              <a:gd name="connsiteY4" fmla="*/ 720145 h 2966905"/>
+              <a:gd name="connsiteX5" fmla="*/ 1770606 w 2117773"/>
+              <a:gd name="connsiteY5" fmla="*/ 1339170 h 2966905"/>
+              <a:gd name="connsiteX6" fmla="*/ 2117717 w 2117773"/>
+              <a:gd name="connsiteY6" fmla="*/ 1840285 h 2966905"/>
+              <a:gd name="connsiteX7" fmla="*/ 1740527 w 2117773"/>
+              <a:gd name="connsiteY7" fmla="*/ 2720395 h 2966905"/>
+              <a:gd name="connsiteX8" fmla="*/ 1214747 w 2117773"/>
+              <a:gd name="connsiteY8" fmla="*/ 2526085 h 2966905"/>
+              <a:gd name="connsiteX9" fmla="*/ 441116 w 2117773"/>
+              <a:gd name="connsiteY9" fmla="*/ 2930346 h 2966905"/>
+              <a:gd name="connsiteX10" fmla="*/ 458563 w 2117773"/>
+              <a:gd name="connsiteY10" fmla="*/ 2304103 h 2966905"/>
+              <a:gd name="connsiteX11" fmla="*/ 159 w 2117773"/>
+              <a:gd name="connsiteY11" fmla="*/ 1656202 h 2966905"/>
+              <a:gd name="connsiteX12" fmla="*/ 459164 w 2117773"/>
+              <a:gd name="connsiteY12" fmla="*/ 1115382 h 2966905"/>
+              <a:gd name="connsiteX13" fmla="*/ 277487 w 2117773"/>
+              <a:gd name="connsiteY13" fmla="*/ 491545 h 2966905"/>
+              <a:gd name="connsiteX0" fmla="*/ 277487 w 2117773"/>
+              <a:gd name="connsiteY0" fmla="*/ 491545 h 2839502"/>
+              <a:gd name="connsiteX1" fmla="*/ 677537 w 2117773"/>
+              <a:gd name="connsiteY1" fmla="*/ 55 h 2839502"/>
+              <a:gd name="connsiteX2" fmla="*/ 986147 w 2117773"/>
+              <a:gd name="connsiteY2" fmla="*/ 457255 h 2839502"/>
+              <a:gd name="connsiteX3" fmla="*/ 1511927 w 2117773"/>
+              <a:gd name="connsiteY3" fmla="*/ 148645 h 2839502"/>
+              <a:gd name="connsiteX4" fmla="*/ 1980557 w 2117773"/>
+              <a:gd name="connsiteY4" fmla="*/ 720145 h 2839502"/>
+              <a:gd name="connsiteX5" fmla="*/ 1770606 w 2117773"/>
+              <a:gd name="connsiteY5" fmla="*/ 1339170 h 2839502"/>
+              <a:gd name="connsiteX6" fmla="*/ 2117717 w 2117773"/>
+              <a:gd name="connsiteY6" fmla="*/ 1840285 h 2839502"/>
+              <a:gd name="connsiteX7" fmla="*/ 1740527 w 2117773"/>
+              <a:gd name="connsiteY7" fmla="*/ 2720395 h 2839502"/>
+              <a:gd name="connsiteX8" fmla="*/ 1214747 w 2117773"/>
+              <a:gd name="connsiteY8" fmla="*/ 2526085 h 2839502"/>
+              <a:gd name="connsiteX9" fmla="*/ 546994 w 2117773"/>
+              <a:gd name="connsiteY9" fmla="*/ 2795593 h 2839502"/>
+              <a:gd name="connsiteX10" fmla="*/ 458563 w 2117773"/>
+              <a:gd name="connsiteY10" fmla="*/ 2304103 h 2839502"/>
+              <a:gd name="connsiteX11" fmla="*/ 159 w 2117773"/>
+              <a:gd name="connsiteY11" fmla="*/ 1656202 h 2839502"/>
+              <a:gd name="connsiteX12" fmla="*/ 459164 w 2117773"/>
+              <a:gd name="connsiteY12" fmla="*/ 1115382 h 2839502"/>
+              <a:gd name="connsiteX13" fmla="*/ 277487 w 2117773"/>
+              <a:gd name="connsiteY13" fmla="*/ 491545 h 2839502"/>
+              <a:gd name="connsiteX0" fmla="*/ 277487 w 2117773"/>
+              <a:gd name="connsiteY0" fmla="*/ 491545 h 2890591"/>
+              <a:gd name="connsiteX1" fmla="*/ 677537 w 2117773"/>
+              <a:gd name="connsiteY1" fmla="*/ 55 h 2890591"/>
+              <a:gd name="connsiteX2" fmla="*/ 986147 w 2117773"/>
+              <a:gd name="connsiteY2" fmla="*/ 457255 h 2890591"/>
+              <a:gd name="connsiteX3" fmla="*/ 1511927 w 2117773"/>
+              <a:gd name="connsiteY3" fmla="*/ 148645 h 2890591"/>
+              <a:gd name="connsiteX4" fmla="*/ 1980557 w 2117773"/>
+              <a:gd name="connsiteY4" fmla="*/ 720145 h 2890591"/>
+              <a:gd name="connsiteX5" fmla="*/ 1770606 w 2117773"/>
+              <a:gd name="connsiteY5" fmla="*/ 1339170 h 2890591"/>
+              <a:gd name="connsiteX6" fmla="*/ 2117717 w 2117773"/>
+              <a:gd name="connsiteY6" fmla="*/ 1840285 h 2890591"/>
+              <a:gd name="connsiteX7" fmla="*/ 1740527 w 2117773"/>
+              <a:gd name="connsiteY7" fmla="*/ 2720395 h 2890591"/>
+              <a:gd name="connsiteX8" fmla="*/ 1214747 w 2117773"/>
+              <a:gd name="connsiteY8" fmla="*/ 2526085 h 2890591"/>
+              <a:gd name="connsiteX9" fmla="*/ 546994 w 2117773"/>
+              <a:gd name="connsiteY9" fmla="*/ 2795593 h 2890591"/>
+              <a:gd name="connsiteX10" fmla="*/ 458563 w 2117773"/>
+              <a:gd name="connsiteY10" fmla="*/ 2304103 h 2890591"/>
+              <a:gd name="connsiteX11" fmla="*/ 159 w 2117773"/>
+              <a:gd name="connsiteY11" fmla="*/ 1656202 h 2890591"/>
+              <a:gd name="connsiteX12" fmla="*/ 459164 w 2117773"/>
+              <a:gd name="connsiteY12" fmla="*/ 1115382 h 2890591"/>
+              <a:gd name="connsiteX13" fmla="*/ 277487 w 2117773"/>
+              <a:gd name="connsiteY13" fmla="*/ 491545 h 2890591"/>
+              <a:gd name="connsiteX0" fmla="*/ 277487 w 2117773"/>
+              <a:gd name="connsiteY0" fmla="*/ 491545 h 2811775"/>
+              <a:gd name="connsiteX1" fmla="*/ 677537 w 2117773"/>
+              <a:gd name="connsiteY1" fmla="*/ 55 h 2811775"/>
+              <a:gd name="connsiteX2" fmla="*/ 986147 w 2117773"/>
+              <a:gd name="connsiteY2" fmla="*/ 457255 h 2811775"/>
+              <a:gd name="connsiteX3" fmla="*/ 1511927 w 2117773"/>
+              <a:gd name="connsiteY3" fmla="*/ 148645 h 2811775"/>
+              <a:gd name="connsiteX4" fmla="*/ 1980557 w 2117773"/>
+              <a:gd name="connsiteY4" fmla="*/ 720145 h 2811775"/>
+              <a:gd name="connsiteX5" fmla="*/ 1770606 w 2117773"/>
+              <a:gd name="connsiteY5" fmla="*/ 1339170 h 2811775"/>
+              <a:gd name="connsiteX6" fmla="*/ 2117717 w 2117773"/>
+              <a:gd name="connsiteY6" fmla="*/ 1840285 h 2811775"/>
+              <a:gd name="connsiteX7" fmla="*/ 1740527 w 2117773"/>
+              <a:gd name="connsiteY7" fmla="*/ 2720395 h 2811775"/>
+              <a:gd name="connsiteX8" fmla="*/ 1214747 w 2117773"/>
+              <a:gd name="connsiteY8" fmla="*/ 2526085 h 2811775"/>
+              <a:gd name="connsiteX9" fmla="*/ 546994 w 2117773"/>
+              <a:gd name="connsiteY9" fmla="*/ 2795593 h 2811775"/>
+              <a:gd name="connsiteX10" fmla="*/ 458563 w 2117773"/>
+              <a:gd name="connsiteY10" fmla="*/ 2304103 h 2811775"/>
+              <a:gd name="connsiteX11" fmla="*/ 159 w 2117773"/>
+              <a:gd name="connsiteY11" fmla="*/ 1656202 h 2811775"/>
+              <a:gd name="connsiteX12" fmla="*/ 459164 w 2117773"/>
+              <a:gd name="connsiteY12" fmla="*/ 1115382 h 2811775"/>
+              <a:gd name="connsiteX13" fmla="*/ 277487 w 2117773"/>
+              <a:gd name="connsiteY13" fmla="*/ 491545 h 2811775"/>
+              <a:gd name="connsiteX0" fmla="*/ 277487 w 2117773"/>
+              <a:gd name="connsiteY0" fmla="*/ 491545 h 2839502"/>
+              <a:gd name="connsiteX1" fmla="*/ 677537 w 2117773"/>
+              <a:gd name="connsiteY1" fmla="*/ 55 h 2839502"/>
+              <a:gd name="connsiteX2" fmla="*/ 986147 w 2117773"/>
+              <a:gd name="connsiteY2" fmla="*/ 457255 h 2839502"/>
+              <a:gd name="connsiteX3" fmla="*/ 1511927 w 2117773"/>
+              <a:gd name="connsiteY3" fmla="*/ 148645 h 2839502"/>
+              <a:gd name="connsiteX4" fmla="*/ 1980557 w 2117773"/>
+              <a:gd name="connsiteY4" fmla="*/ 720145 h 2839502"/>
+              <a:gd name="connsiteX5" fmla="*/ 1770606 w 2117773"/>
+              <a:gd name="connsiteY5" fmla="*/ 1339170 h 2839502"/>
+              <a:gd name="connsiteX6" fmla="*/ 2117717 w 2117773"/>
+              <a:gd name="connsiteY6" fmla="*/ 1840285 h 2839502"/>
+              <a:gd name="connsiteX7" fmla="*/ 1740527 w 2117773"/>
+              <a:gd name="connsiteY7" fmla="*/ 2720395 h 2839502"/>
+              <a:gd name="connsiteX8" fmla="*/ 1214747 w 2117773"/>
+              <a:gd name="connsiteY8" fmla="*/ 2526085 h 2839502"/>
+              <a:gd name="connsiteX9" fmla="*/ 546994 w 2117773"/>
+              <a:gd name="connsiteY9" fmla="*/ 2795593 h 2839502"/>
+              <a:gd name="connsiteX10" fmla="*/ 458563 w 2117773"/>
+              <a:gd name="connsiteY10" fmla="*/ 2304103 h 2839502"/>
+              <a:gd name="connsiteX11" fmla="*/ 159 w 2117773"/>
+              <a:gd name="connsiteY11" fmla="*/ 1656202 h 2839502"/>
+              <a:gd name="connsiteX12" fmla="*/ 459164 w 2117773"/>
+              <a:gd name="connsiteY12" fmla="*/ 1115382 h 2839502"/>
+              <a:gd name="connsiteX13" fmla="*/ 277487 w 2117773"/>
+              <a:gd name="connsiteY13" fmla="*/ 491545 h 2839502"/>
+            </a:gdLst>
+            <a:ahLst/>
+            <a:cxnLst>
+              <a:cxn ang="0">
+                <a:pos x="connsiteX0" y="connsiteY0"/>
+              </a:cxn>
+              <a:cxn ang="0">
+                <a:pos x="connsiteX1" y="connsiteY1"/>
+              </a:cxn>
+              <a:cxn ang="0">
+                <a:pos x="connsiteX2" y="connsiteY2"/>
+              </a:cxn>
+              <a:cxn ang="0">
+                <a:pos x="connsiteX3" y="connsiteY3"/>
+              </a:cxn>
+              <a:cxn ang="0">
+                <a:pos x="connsiteX4" y="connsiteY4"/>
+              </a:cxn>
+              <a:cxn ang="0">
+                <a:pos x="connsiteX5" y="connsiteY5"/>
+              </a:cxn>
+              <a:cxn ang="0">
+                <a:pos x="connsiteX6" y="connsiteY6"/>
+              </a:cxn>
+              <a:cxn ang="0">
+                <a:pos x="connsiteX7" y="connsiteY7"/>
+              </a:cxn>
+              <a:cxn ang="0">
+                <a:pos x="connsiteX8" y="connsiteY8"/>
+              </a:cxn>
+              <a:cxn ang="0">
+                <a:pos x="connsiteX9" y="connsiteY9"/>
+              </a:cxn>
+              <a:cxn ang="0">
+                <a:pos x="connsiteX10" y="connsiteY10"/>
+              </a:cxn>
+              <a:cxn ang="0">
+                <a:pos x="connsiteX11" y="connsiteY11"/>
+              </a:cxn>
+              <a:cxn ang="0">
+                <a:pos x="connsiteX12" y="connsiteY12"/>
+              </a:cxn>
+              <a:cxn ang="0">
+                <a:pos x="connsiteX13" y="connsiteY13"/>
+              </a:cxn>
+            </a:cxnLst>
+            <a:rect l="l" t="t" r="r" b="b"/>
+            <a:pathLst>
+              <a:path w="2117773" h="2839502">
+                <a:moveTo>
+                  <a:pt x="277487" y="491545"/>
+                </a:moveTo>
+                <a:cubicBezTo>
+                  <a:pt x="313883" y="305657"/>
+                  <a:pt x="559427" y="5770"/>
+                  <a:pt x="677537" y="55"/>
+                </a:cubicBezTo>
+                <a:cubicBezTo>
+                  <a:pt x="795647" y="-5660"/>
+                  <a:pt x="847082" y="432490"/>
+                  <a:pt x="986147" y="457255"/>
+                </a:cubicBezTo>
+                <a:cubicBezTo>
+                  <a:pt x="1125212" y="482020"/>
+                  <a:pt x="1346192" y="104830"/>
+                  <a:pt x="1511927" y="148645"/>
+                </a:cubicBezTo>
+                <a:cubicBezTo>
+                  <a:pt x="1677662" y="192460"/>
+                  <a:pt x="1937444" y="521724"/>
+                  <a:pt x="1980557" y="720145"/>
+                </a:cubicBezTo>
+                <a:cubicBezTo>
+                  <a:pt x="2023670" y="918566"/>
+                  <a:pt x="1747746" y="1152480"/>
+                  <a:pt x="1770606" y="1339170"/>
+                </a:cubicBezTo>
+                <a:cubicBezTo>
+                  <a:pt x="1793466" y="1525860"/>
+                  <a:pt x="2122730" y="1610081"/>
+                  <a:pt x="2117717" y="1840285"/>
+                </a:cubicBezTo>
+                <a:cubicBezTo>
+                  <a:pt x="2112704" y="2070489"/>
+                  <a:pt x="1891022" y="2606095"/>
+                  <a:pt x="1740527" y="2720395"/>
+                </a:cubicBezTo>
+                <a:cubicBezTo>
+                  <a:pt x="1590032" y="2834695"/>
+                  <a:pt x="1413669" y="2513552"/>
+                  <a:pt x="1214747" y="2526085"/>
+                </a:cubicBezTo>
+                <a:cubicBezTo>
+                  <a:pt x="1015825" y="2538618"/>
+                  <a:pt x="865529" y="2976970"/>
+                  <a:pt x="546994" y="2795593"/>
+                </a:cubicBezTo>
+                <a:cubicBezTo>
+                  <a:pt x="228459" y="2614216"/>
+                  <a:pt x="549702" y="2494001"/>
+                  <a:pt x="458563" y="2304103"/>
+                </a:cubicBezTo>
+                <a:cubicBezTo>
+                  <a:pt x="367424" y="2114205"/>
+                  <a:pt x="9684" y="1823842"/>
+                  <a:pt x="159" y="1656202"/>
+                </a:cubicBezTo>
+                <a:cubicBezTo>
+                  <a:pt x="-9366" y="1488562"/>
+                  <a:pt x="412943" y="1309492"/>
+                  <a:pt x="459164" y="1115382"/>
+                </a:cubicBezTo>
+                <a:cubicBezTo>
+                  <a:pt x="505385" y="921273"/>
+                  <a:pt x="241092" y="677433"/>
+                  <a:pt x="277487" y="491545"/>
+                </a:cubicBezTo>
+                <a:close/>
+              </a:path>
+            </a:pathLst>
+          </a:custGeom>
+          <a:ln w="28575">
+            <a:solidFill>
+              <a:schemeClr val="tx1">
+                <a:lumMod val="85000"/>
+                <a:lumOff val="15000"/>
+              </a:schemeClr>
+            </a:solidFill>
+          </a:ln>
+        </p:spPr>
+        <p:style>
+          <a:lnRef idx="2">
+            <a:schemeClr val="accent6"/>
+          </a:lnRef>
+          <a:fillRef idx="1">
+            <a:schemeClr val="lt1"/>
+          </a:fillRef>
+          <a:effectRef idx="0">
+            <a:schemeClr val="accent6"/>
+          </a:effectRef>
+          <a:fontRef idx="minor">
+            <a:schemeClr val="dk1"/>
+          </a:fontRef>
+        </p:style>
+        <p:txBody>
+          <a:bodyPr rtlCol="0" anchor="ctr"/>
+          <a:lstStyle/>
+          <a:p>
+            <a:pPr algn="ctr"/>
+            <a:endParaRPr lang="en-US"/>
+          </a:p>
+        </p:txBody>
+      </p:sp>
+      <p:sp>
+        <p:nvSpPr>
+          <p:cNvPr id="9" name="Oval 8">
+            <a:extLst>
+              <a:ext uri="{FF2B5EF4-FFF2-40B4-BE49-F238E27FC236}">
+                <a16:creationId xmlns:a16="http://schemas.microsoft.com/office/drawing/2014/main" id="{1D6041E9-B840-EE42-90C6-BD4B9761BD20}"/>
+              </a:ext>
+            </a:extLst>
+          </p:cNvPr>
+          <p:cNvSpPr/>
+          <p:nvPr/>
+        </p:nvSpPr>
+        <p:spPr>
+          <a:xfrm>
+            <a:off x="2434590" y="2228510"/>
+            <a:ext cx="205740" cy="205740"/>
+          </a:xfrm>
+          <a:prstGeom prst="ellipse">
+            <a:avLst/>
+          </a:prstGeom>
+          <a:solidFill>
+            <a:schemeClr val="bg1">
+              <a:lumMod val="50000"/>
+            </a:schemeClr>
+          </a:solidFill>
+        </p:spPr>
+        <p:style>
+          <a:lnRef idx="2">
+            <a:schemeClr val="accent1">
+              <a:shade val="50000"/>
+            </a:schemeClr>
+          </a:lnRef>
+          <a:fillRef idx="1">
+            <a:schemeClr val="accent1"/>
+          </a:fillRef>
+          <a:effectRef idx="0">
+            <a:schemeClr val="accent1"/>
+          </a:effectRef>
+          <a:fontRef idx="minor">
+            <a:schemeClr val="lt1"/>
+          </a:fontRef>
+        </p:style>
+        <p:txBody>
+          <a:bodyPr rtlCol="0" anchor="ctr"/>
+          <a:lstStyle/>
+          <a:p>
+            <a:pPr algn="ctr"/>
+            <a:endParaRPr lang="en-US"/>
+          </a:p>
+        </p:txBody>
+      </p:sp>
+      <p:sp>
+        <p:nvSpPr>
+          <p:cNvPr id="10" name="Oval 9">
+            <a:extLst>
+              <a:ext uri="{FF2B5EF4-FFF2-40B4-BE49-F238E27FC236}">
+                <a16:creationId xmlns:a16="http://schemas.microsoft.com/office/drawing/2014/main" id="{49C06CA3-80B9-2042-9740-94E387CAEB58}"/>
+              </a:ext>
+            </a:extLst>
+          </p:cNvPr>
+          <p:cNvSpPr/>
+          <p:nvPr/>
+        </p:nvSpPr>
+        <p:spPr>
+          <a:xfrm>
+            <a:off x="2434590" y="3088101"/>
+            <a:ext cx="205740" cy="205740"/>
+          </a:xfrm>
+          <a:prstGeom prst="ellipse">
+            <a:avLst/>
+          </a:prstGeom>
+          <a:solidFill>
+            <a:schemeClr val="bg1">
+              <a:lumMod val="50000"/>
+            </a:schemeClr>
+          </a:solidFill>
+        </p:spPr>
+        <p:style>
+          <a:lnRef idx="2">
+            <a:schemeClr val="accent1">
+              <a:shade val="50000"/>
+            </a:schemeClr>
+          </a:lnRef>
+          <a:fillRef idx="1">
+            <a:schemeClr val="accent1"/>
+          </a:fillRef>
+          <a:effectRef idx="0">
+            <a:schemeClr val="accent1"/>
+          </a:effectRef>
+          <a:fontRef idx="minor">
+            <a:schemeClr val="lt1"/>
+          </a:fontRef>
+        </p:style>
+        <p:txBody>
+          <a:bodyPr rtlCol="0" anchor="ctr"/>
+          <a:lstStyle/>
+          <a:p>
+            <a:pPr algn="ctr"/>
+            <a:endParaRPr lang="en-US"/>
+          </a:p>
+        </p:txBody>
+      </p:sp>
+      <p:sp>
+        <p:nvSpPr>
+          <p:cNvPr id="11" name="TextBox 10">
+            <a:extLst>
+              <a:ext uri="{FF2B5EF4-FFF2-40B4-BE49-F238E27FC236}">
+                <a16:creationId xmlns:a16="http://schemas.microsoft.com/office/drawing/2014/main" id="{5D4D47CA-6B9D-5B4D-BABF-1A15EA7BD817}"/>
+              </a:ext>
+            </a:extLst>
+          </p:cNvPr>
+          <p:cNvSpPr txBox="1"/>
+          <p:nvPr/>
+        </p:nvSpPr>
+        <p:spPr>
+          <a:xfrm>
+            <a:off x="1998252" y="2266363"/>
+            <a:ext cx="436338" cy="461665"/>
+          </a:xfrm>
+          <a:prstGeom prst="rect">
+            <a:avLst/>
+          </a:prstGeom>
+          <a:noFill/>
+        </p:spPr>
+        <p:txBody>
+          <a:bodyPr wrap="none" rtlCol="0">
+            <a:spAutoFit/>
+          </a:bodyPr>
+          <a:lstStyle/>
+          <a:p>
+            <a:r>
+              <a:rPr lang="en-US" sz="2400" b="1" dirty="0">
+                <a:latin typeface="Bookman Old Style" panose="02050604050505020204" pitchFamily="18" charset="0"/>
+              </a:rPr>
+              <a:t>H</a:t>
+            </a:r>
+          </a:p>
+        </p:txBody>
+      </p:sp>
+      <p:sp>
+        <p:nvSpPr>
+          <p:cNvPr id="12" name="TextBox 11">
+            <a:extLst>
+              <a:ext uri="{FF2B5EF4-FFF2-40B4-BE49-F238E27FC236}">
+                <a16:creationId xmlns:a16="http://schemas.microsoft.com/office/drawing/2014/main" id="{5998B3B4-ABDE-A548-8173-DCA6092C5B19}"/>
+              </a:ext>
+            </a:extLst>
+          </p:cNvPr>
+          <p:cNvSpPr txBox="1"/>
+          <p:nvPr/>
+        </p:nvSpPr>
+        <p:spPr>
+          <a:xfrm>
+            <a:off x="2016687" y="3088101"/>
+            <a:ext cx="399468" cy="461665"/>
+          </a:xfrm>
+          <a:prstGeom prst="rect">
+            <a:avLst/>
+          </a:prstGeom>
+          <a:noFill/>
+        </p:spPr>
+        <p:txBody>
+          <a:bodyPr wrap="none" rtlCol="0">
+            <a:spAutoFit/>
+          </a:bodyPr>
+          <a:lstStyle/>
+          <a:p>
+            <a:r>
+              <a:rPr lang="en-US" sz="2400" b="1" dirty="0">
+                <a:latin typeface="Bookman Old Style" panose="02050604050505020204" pitchFamily="18" charset="0"/>
+              </a:rPr>
+              <a:t>T</a:t>
+            </a:r>
+          </a:p>
+        </p:txBody>
+      </p:sp>
+      <p:cxnSp>
+        <p:nvCxnSpPr>
+          <p:cNvPr id="14" name="Straight Arrow Connector 13">
+            <a:extLst>
+              <a:ext uri="{FF2B5EF4-FFF2-40B4-BE49-F238E27FC236}">
+                <a16:creationId xmlns:a16="http://schemas.microsoft.com/office/drawing/2014/main" id="{57087A8D-DCC6-C240-9B7D-6C0847135B72}"/>
+              </a:ext>
+            </a:extLst>
+          </p:cNvPr>
+          <p:cNvCxnSpPr>
+            <a:cxnSpLocks/>
+          </p:cNvCxnSpPr>
+          <p:nvPr/>
+        </p:nvCxnSpPr>
+        <p:spPr>
+          <a:xfrm>
+            <a:off x="4308265" y="2894131"/>
+            <a:ext cx="4584275" cy="0"/>
+          </a:xfrm>
+          <a:prstGeom prst="straightConnector1">
+            <a:avLst/>
+          </a:prstGeom>
+          <a:ln w="28575">
+            <a:solidFill>
+              <a:schemeClr val="tx1">
+                <a:lumMod val="85000"/>
+                <a:lumOff val="15000"/>
+              </a:schemeClr>
+            </a:solidFill>
+            <a:tailEnd type="stealth" w="lg" len="lg"/>
+          </a:ln>
+        </p:spPr>
+        <p:style>
+          <a:lnRef idx="1">
+            <a:schemeClr val="accent1"/>
+          </a:lnRef>
+          <a:fillRef idx="0">
+            <a:schemeClr val="accent1"/>
+          </a:fillRef>
+          <a:effectRef idx="0">
+            <a:schemeClr val="accent1"/>
+          </a:effectRef>
+          <a:fontRef idx="minor">
+            <a:schemeClr val="tx1"/>
+          </a:fontRef>
+        </p:style>
+      </p:cxnSp>
+      <p:cxnSp>
+        <p:nvCxnSpPr>
+          <p:cNvPr id="18" name="Straight Arrow Connector 17">
+            <a:extLst>
+              <a:ext uri="{FF2B5EF4-FFF2-40B4-BE49-F238E27FC236}">
+                <a16:creationId xmlns:a16="http://schemas.microsoft.com/office/drawing/2014/main" id="{D760D21B-9A44-954D-A1C6-7BC7699B6A0D}"/>
+              </a:ext>
+            </a:extLst>
+          </p:cNvPr>
+          <p:cNvCxnSpPr>
+            <a:cxnSpLocks/>
+          </p:cNvCxnSpPr>
+          <p:nvPr/>
+        </p:nvCxnSpPr>
+        <p:spPr>
+          <a:xfrm flipV="1">
+            <a:off x="5695950" y="2754976"/>
+            <a:ext cx="0" cy="278310"/>
+          </a:xfrm>
+          <a:prstGeom prst="straightConnector1">
+            <a:avLst/>
+          </a:prstGeom>
+          <a:ln w="28575">
+            <a:solidFill>
+              <a:schemeClr val="tx1">
+                <a:lumMod val="85000"/>
+                <a:lumOff val="15000"/>
+              </a:schemeClr>
+            </a:solidFill>
+            <a:tailEnd type="none" w="lg" len="lg"/>
+          </a:ln>
+        </p:spPr>
+        <p:style>
+          <a:lnRef idx="1">
+            <a:schemeClr val="accent1"/>
+          </a:lnRef>
+          <a:fillRef idx="0">
+            <a:schemeClr val="accent1"/>
+          </a:fillRef>
+          <a:effectRef idx="0">
+            <a:schemeClr val="accent1"/>
+          </a:effectRef>
+          <a:fontRef idx="minor">
+            <a:schemeClr val="tx1"/>
+          </a:fontRef>
+        </p:style>
+      </p:cxnSp>
+      <p:cxnSp>
+        <p:nvCxnSpPr>
+          <p:cNvPr id="21" name="Straight Arrow Connector 20">
+            <a:extLst>
+              <a:ext uri="{FF2B5EF4-FFF2-40B4-BE49-F238E27FC236}">
+                <a16:creationId xmlns:a16="http://schemas.microsoft.com/office/drawing/2014/main" id="{B9B8B844-7B67-0F4C-AC20-E0E9A16CBB2C}"/>
+              </a:ext>
+            </a:extLst>
+          </p:cNvPr>
+          <p:cNvCxnSpPr>
+            <a:cxnSpLocks/>
+          </p:cNvCxnSpPr>
+          <p:nvPr/>
+        </p:nvCxnSpPr>
+        <p:spPr>
+          <a:xfrm flipV="1">
+            <a:off x="7626701" y="2754976"/>
+            <a:ext cx="0" cy="278310"/>
+          </a:xfrm>
+          <a:prstGeom prst="straightConnector1">
+            <a:avLst/>
+          </a:prstGeom>
+          <a:ln w="28575">
+            <a:solidFill>
+              <a:schemeClr val="tx1">
+                <a:lumMod val="85000"/>
+                <a:lumOff val="15000"/>
+              </a:schemeClr>
+            </a:solidFill>
+            <a:tailEnd type="none" w="lg" len="lg"/>
+          </a:ln>
+        </p:spPr>
+        <p:style>
+          <a:lnRef idx="1">
+            <a:schemeClr val="accent1"/>
+          </a:lnRef>
+          <a:fillRef idx="0">
+            <a:schemeClr val="accent1"/>
+          </a:fillRef>
+          <a:effectRef idx="0">
+            <a:schemeClr val="accent1"/>
+          </a:effectRef>
+          <a:fontRef idx="minor">
+            <a:schemeClr val="tx1"/>
+          </a:fontRef>
+        </p:style>
+      </p:cxnSp>
+      <p:sp>
+        <p:nvSpPr>
+          <p:cNvPr id="23" name="TextBox 22">
+            <a:extLst>
+              <a:ext uri="{FF2B5EF4-FFF2-40B4-BE49-F238E27FC236}">
+                <a16:creationId xmlns:a16="http://schemas.microsoft.com/office/drawing/2014/main" id="{356F14ED-1F89-374B-8F1C-E5531F81E68D}"/>
+              </a:ext>
+            </a:extLst>
+          </p:cNvPr>
+          <p:cNvSpPr txBox="1"/>
+          <p:nvPr/>
+        </p:nvSpPr>
+        <p:spPr>
+          <a:xfrm>
+            <a:off x="5543550" y="3141650"/>
+            <a:ext cx="552450" cy="461665"/>
+          </a:xfrm>
+          <a:prstGeom prst="rect">
+            <a:avLst/>
+          </a:prstGeom>
+          <a:noFill/>
+        </p:spPr>
+        <p:txBody>
+          <a:bodyPr wrap="square" rtlCol="0">
+            <a:spAutoFit/>
+          </a:bodyPr>
+          <a:lstStyle/>
+          <a:p>
+            <a:r>
+              <a:rPr lang="en-US" sz="2400" dirty="0"/>
+              <a:t>0</a:t>
+            </a:r>
+          </a:p>
+        </p:txBody>
+      </p:sp>
+      <p:sp>
+        <p:nvSpPr>
+          <p:cNvPr id="24" name="TextBox 23">
+            <a:extLst>
+              <a:ext uri="{FF2B5EF4-FFF2-40B4-BE49-F238E27FC236}">
+                <a16:creationId xmlns:a16="http://schemas.microsoft.com/office/drawing/2014/main" id="{4DFC9158-1143-1245-9BC7-FA616BEC34BF}"/>
+              </a:ext>
+            </a:extLst>
+          </p:cNvPr>
+          <p:cNvSpPr txBox="1"/>
+          <p:nvPr/>
+        </p:nvSpPr>
+        <p:spPr>
+          <a:xfrm>
+            <a:off x="7520619" y="3141650"/>
+            <a:ext cx="552450" cy="461665"/>
+          </a:xfrm>
+          <a:prstGeom prst="rect">
+            <a:avLst/>
+          </a:prstGeom>
+          <a:noFill/>
+        </p:spPr>
+        <p:txBody>
+          <a:bodyPr wrap="square" rtlCol="0">
+            <a:spAutoFit/>
+          </a:bodyPr>
+          <a:lstStyle/>
+          <a:p>
+            <a:r>
+              <a:rPr lang="en-US" sz="2400" dirty="0"/>
+              <a:t>1</a:t>
+            </a:r>
+          </a:p>
+        </p:txBody>
+      </p:sp>
+      <p:grpSp>
+        <p:nvGrpSpPr>
+          <p:cNvPr id="41" name="Group 40">
+            <a:extLst>
+              <a:ext uri="{FF2B5EF4-FFF2-40B4-BE49-F238E27FC236}">
+                <a16:creationId xmlns:a16="http://schemas.microsoft.com/office/drawing/2014/main" id="{7A9295C7-485B-B942-BC04-250D3ED8A51F}"/>
+              </a:ext>
+            </a:extLst>
+          </p:cNvPr>
+          <p:cNvGrpSpPr/>
+          <p:nvPr/>
+        </p:nvGrpSpPr>
+        <p:grpSpPr>
+          <a:xfrm>
+            <a:off x="2640330" y="1574659"/>
+            <a:ext cx="4926883" cy="1245737"/>
+            <a:chOff x="2640330" y="1574659"/>
+            <a:chExt cx="4926883" cy="1245737"/>
+          </a:xfrm>
+        </p:grpSpPr>
+        <p:cxnSp>
+          <p:nvCxnSpPr>
+            <p:cNvPr id="29" name="Straight Connector 28">
+              <a:extLst>
+                <a:ext uri="{FF2B5EF4-FFF2-40B4-BE49-F238E27FC236}">
+                  <a16:creationId xmlns:a16="http://schemas.microsoft.com/office/drawing/2014/main" id="{70FA8823-861E-4D4D-A28F-2B3B94201797}"/>
+                </a:ext>
+              </a:extLst>
+            </p:cNvPr>
+            <p:cNvCxnSpPr>
+              <a:cxnSpLocks/>
+            </p:cNvCxnSpPr>
+            <p:nvPr/>
+          </p:nvCxnSpPr>
+          <p:spPr>
+            <a:xfrm flipV="1">
+              <a:off x="2640330" y="1574659"/>
+              <a:ext cx="891781" cy="691704"/>
+            </a:xfrm>
+            <a:prstGeom prst="line">
+              <a:avLst/>
+            </a:prstGeom>
+            <a:ln w="28575">
+              <a:solidFill>
+                <a:schemeClr val="accent1"/>
+              </a:solidFill>
+            </a:ln>
+          </p:spPr>
+          <p:style>
+            <a:lnRef idx="2">
+              <a:schemeClr val="dk1"/>
+            </a:lnRef>
+            <a:fillRef idx="0">
+              <a:schemeClr val="dk1"/>
+            </a:fillRef>
+            <a:effectRef idx="1">
+              <a:schemeClr val="dk1"/>
+            </a:effectRef>
+            <a:fontRef idx="minor">
+              <a:schemeClr val="tx1"/>
+            </a:fontRef>
+          </p:style>
+        </p:cxnSp>
+        <p:cxnSp>
+          <p:nvCxnSpPr>
+            <p:cNvPr id="32" name="Straight Connector 31">
+              <a:extLst>
+                <a:ext uri="{FF2B5EF4-FFF2-40B4-BE49-F238E27FC236}">
+                  <a16:creationId xmlns:a16="http://schemas.microsoft.com/office/drawing/2014/main" id="{ABCADDAF-D6E5-934D-9053-BF786F2184BB}"/>
+                </a:ext>
+              </a:extLst>
+            </p:cNvPr>
+            <p:cNvCxnSpPr>
+              <a:cxnSpLocks/>
+            </p:cNvCxnSpPr>
+            <p:nvPr/>
+          </p:nvCxnSpPr>
+          <p:spPr>
+            <a:xfrm>
+              <a:off x="3532111" y="1574659"/>
+              <a:ext cx="3228907" cy="0"/>
+            </a:xfrm>
+            <a:prstGeom prst="line">
+              <a:avLst/>
+            </a:prstGeom>
+            <a:ln w="28575">
+              <a:solidFill>
+                <a:schemeClr val="accent1"/>
+              </a:solidFill>
+            </a:ln>
+          </p:spPr>
+          <p:style>
+            <a:lnRef idx="1">
+              <a:schemeClr val="accent1"/>
+            </a:lnRef>
+            <a:fillRef idx="0">
+              <a:schemeClr val="accent1"/>
+            </a:fillRef>
+            <a:effectRef idx="0">
+              <a:schemeClr val="accent1"/>
+            </a:effectRef>
+            <a:fontRef idx="minor">
+              <a:schemeClr val="tx1"/>
+            </a:fontRef>
+          </p:style>
+        </p:cxnSp>
+        <p:cxnSp>
+          <p:nvCxnSpPr>
+            <p:cNvPr id="34" name="Straight Arrow Connector 33">
+              <a:extLst>
+                <a:ext uri="{FF2B5EF4-FFF2-40B4-BE49-F238E27FC236}">
+                  <a16:creationId xmlns:a16="http://schemas.microsoft.com/office/drawing/2014/main" id="{99F40CF2-4D33-F344-999D-A04957EC6A26}"/>
+                </a:ext>
+              </a:extLst>
+            </p:cNvPr>
+            <p:cNvCxnSpPr>
+              <a:cxnSpLocks/>
+              <a:endCxn id="37" idx="1"/>
+            </p:cNvCxnSpPr>
+            <p:nvPr/>
+          </p:nvCxnSpPr>
+          <p:spPr>
+            <a:xfrm>
+              <a:off x="6761018" y="1574659"/>
+              <a:ext cx="806195" cy="1245737"/>
+            </a:xfrm>
+            <a:prstGeom prst="straightConnector1">
+              <a:avLst/>
+            </a:prstGeom>
+            <a:ln w="28575">
+              <a:solidFill>
+                <a:schemeClr val="accent1"/>
+              </a:solidFill>
+              <a:tailEnd type="stealth" w="lg" len="lg"/>
+            </a:ln>
+          </p:spPr>
+          <p:style>
+            <a:lnRef idx="1">
+              <a:schemeClr val="accent1"/>
+            </a:lnRef>
+            <a:fillRef idx="0">
+              <a:schemeClr val="accent1"/>
+            </a:fillRef>
+            <a:effectRef idx="0">
+              <a:schemeClr val="accent1"/>
+            </a:effectRef>
+            <a:fontRef idx="minor">
+              <a:schemeClr val="tx1"/>
+            </a:fontRef>
+          </p:style>
+        </p:cxnSp>
+      </p:grpSp>
+      <p:sp>
+        <p:nvSpPr>
+          <p:cNvPr id="37" name="Oval 36">
+            <a:extLst>
+              <a:ext uri="{FF2B5EF4-FFF2-40B4-BE49-F238E27FC236}">
+                <a16:creationId xmlns:a16="http://schemas.microsoft.com/office/drawing/2014/main" id="{4FA38ACB-A2E2-E640-95F1-B14BCDFC0018}"/>
+              </a:ext>
+            </a:extLst>
+          </p:cNvPr>
+          <p:cNvSpPr/>
+          <p:nvPr/>
+        </p:nvSpPr>
+        <p:spPr>
+          <a:xfrm>
+            <a:off x="7537083" y="2790266"/>
+            <a:ext cx="205740" cy="205740"/>
+          </a:xfrm>
+          <a:prstGeom prst="ellipse">
+            <a:avLst/>
+          </a:prstGeom>
+          <a:solidFill>
+            <a:schemeClr val="accent1"/>
+          </a:solidFill>
+        </p:spPr>
+        <p:style>
+          <a:lnRef idx="2">
+            <a:schemeClr val="accent1">
+              <a:shade val="50000"/>
+            </a:schemeClr>
+          </a:lnRef>
+          <a:fillRef idx="1">
+            <a:schemeClr val="accent1"/>
+          </a:fillRef>
+          <a:effectRef idx="0">
+            <a:schemeClr val="accent1"/>
+          </a:effectRef>
+          <a:fontRef idx="minor">
+            <a:schemeClr val="lt1"/>
+          </a:fontRef>
+        </p:style>
+        <p:txBody>
+          <a:bodyPr rtlCol="0" anchor="ctr"/>
+          <a:lstStyle/>
+          <a:p>
+            <a:pPr algn="ctr"/>
+            <a:endParaRPr lang="en-US"/>
+          </a:p>
+        </p:txBody>
+      </p:sp>
+      <p:sp>
+        <p:nvSpPr>
+          <p:cNvPr id="38" name="Oval 37">
+            <a:extLst>
+              <a:ext uri="{FF2B5EF4-FFF2-40B4-BE49-F238E27FC236}">
+                <a16:creationId xmlns:a16="http://schemas.microsoft.com/office/drawing/2014/main" id="{C788EC9A-1CD6-F14A-AEE2-3DCF60986142}"/>
+              </a:ext>
+            </a:extLst>
+          </p:cNvPr>
+          <p:cNvSpPr/>
+          <p:nvPr/>
+        </p:nvSpPr>
+        <p:spPr>
+          <a:xfrm>
+            <a:off x="5593080" y="2790266"/>
+            <a:ext cx="205740" cy="205740"/>
+          </a:xfrm>
+          <a:prstGeom prst="ellipse">
+            <a:avLst/>
+          </a:prstGeom>
+          <a:solidFill>
+            <a:srgbClr val="FF0000"/>
+          </a:solidFill>
+        </p:spPr>
+        <p:style>
+          <a:lnRef idx="2">
+            <a:schemeClr val="accent1">
+              <a:shade val="50000"/>
+            </a:schemeClr>
+          </a:lnRef>
+          <a:fillRef idx="1">
+            <a:schemeClr val="accent1"/>
+          </a:fillRef>
+          <a:effectRef idx="0">
+            <a:schemeClr val="accent1"/>
+          </a:effectRef>
+          <a:fontRef idx="minor">
+            <a:schemeClr val="lt1"/>
+          </a:fontRef>
+        </p:style>
+        <p:txBody>
+          <a:bodyPr rtlCol="0" anchor="ctr"/>
+          <a:lstStyle/>
+          <a:p>
+            <a:pPr algn="ctr"/>
+            <a:endParaRPr lang="en-US"/>
+          </a:p>
+        </p:txBody>
+      </p:sp>
+      <p:cxnSp>
+        <p:nvCxnSpPr>
+          <p:cNvPr id="43" name="Straight Connector 42">
+            <a:extLst>
+              <a:ext uri="{FF2B5EF4-FFF2-40B4-BE49-F238E27FC236}">
+                <a16:creationId xmlns:a16="http://schemas.microsoft.com/office/drawing/2014/main" id="{2DB4BB95-F31A-E649-AD4F-143DACC956E2}"/>
+              </a:ext>
+            </a:extLst>
+          </p:cNvPr>
+          <p:cNvCxnSpPr>
+            <a:cxnSpLocks/>
+            <a:stCxn id="10" idx="5"/>
+          </p:cNvCxnSpPr>
+          <p:nvPr/>
+        </p:nvCxnSpPr>
+        <p:spPr>
+          <a:xfrm>
+            <a:off x="2610200" y="3263711"/>
+            <a:ext cx="585387" cy="626467"/>
+          </a:xfrm>
+          <a:prstGeom prst="line">
+            <a:avLst/>
+          </a:prstGeom>
+          <a:ln w="28575">
+            <a:solidFill>
+              <a:srgbClr val="FF0000"/>
+            </a:solidFill>
+          </a:ln>
+        </p:spPr>
+        <p:style>
+          <a:lnRef idx="2">
+            <a:schemeClr val="dk1"/>
+          </a:lnRef>
+          <a:fillRef idx="0">
+            <a:schemeClr val="dk1"/>
+          </a:fillRef>
+          <a:effectRef idx="1">
+            <a:schemeClr val="dk1"/>
+          </a:effectRef>
+          <a:fontRef idx="minor">
+            <a:schemeClr val="tx1"/>
+          </a:fontRef>
+        </p:style>
+      </p:cxnSp>
+      <p:cxnSp>
+        <p:nvCxnSpPr>
+          <p:cNvPr id="44" name="Straight Connector 43">
+            <a:extLst>
+              <a:ext uri="{FF2B5EF4-FFF2-40B4-BE49-F238E27FC236}">
+                <a16:creationId xmlns:a16="http://schemas.microsoft.com/office/drawing/2014/main" id="{03E043CB-8AE5-004F-819F-2BEFB1304711}"/>
+              </a:ext>
+            </a:extLst>
+          </p:cNvPr>
+          <p:cNvCxnSpPr>
+            <a:cxnSpLocks/>
+          </p:cNvCxnSpPr>
+          <p:nvPr/>
+        </p:nvCxnSpPr>
+        <p:spPr>
+          <a:xfrm>
+            <a:off x="3195587" y="3890178"/>
+            <a:ext cx="1691674" cy="0"/>
+          </a:xfrm>
+          <a:prstGeom prst="line">
+            <a:avLst/>
+          </a:prstGeom>
+          <a:ln w="28575">
+            <a:solidFill>
+              <a:srgbClr val="FF0000"/>
+            </a:solidFill>
+          </a:ln>
+        </p:spPr>
+        <p:style>
+          <a:lnRef idx="1">
+            <a:schemeClr val="accent1"/>
+          </a:lnRef>
+          <a:fillRef idx="0">
+            <a:schemeClr val="accent1"/>
+          </a:fillRef>
+          <a:effectRef idx="0">
+            <a:schemeClr val="accent1"/>
+          </a:effectRef>
+          <a:fontRef idx="minor">
+            <a:schemeClr val="tx1"/>
+          </a:fontRef>
+        </p:style>
+      </p:cxnSp>
+      <p:cxnSp>
+        <p:nvCxnSpPr>
+          <p:cNvPr id="45" name="Straight Arrow Connector 44">
+            <a:extLst>
+              <a:ext uri="{FF2B5EF4-FFF2-40B4-BE49-F238E27FC236}">
+                <a16:creationId xmlns:a16="http://schemas.microsoft.com/office/drawing/2014/main" id="{BA51A3FE-EB0B-4247-8FE9-0E936E7A8FF1}"/>
+              </a:ext>
+            </a:extLst>
+          </p:cNvPr>
+          <p:cNvCxnSpPr>
+            <a:cxnSpLocks/>
+            <a:endCxn id="38" idx="3"/>
+          </p:cNvCxnSpPr>
+          <p:nvPr/>
+        </p:nvCxnSpPr>
+        <p:spPr>
+          <a:xfrm flipV="1">
+            <a:off x="4887261" y="2965876"/>
+            <a:ext cx="735949" cy="924302"/>
+          </a:xfrm>
+          <a:prstGeom prst="straightConnector1">
+            <a:avLst/>
+          </a:prstGeom>
+          <a:ln w="28575">
+            <a:solidFill>
+              <a:srgbClr val="FF0000"/>
+            </a:solidFill>
+            <a:tailEnd type="stealth" w="lg" len="lg"/>
+          </a:ln>
+        </p:spPr>
+        <p:style>
+          <a:lnRef idx="1">
+            <a:schemeClr val="accent1"/>
+          </a:lnRef>
+          <a:fillRef idx="0">
+            <a:schemeClr val="accent1"/>
+          </a:fillRef>
+          <a:effectRef idx="0">
+            <a:schemeClr val="accent1"/>
+          </a:effectRef>
+          <a:fontRef idx="minor">
+            <a:schemeClr val="tx1"/>
+          </a:fontRef>
+        </p:style>
+      </p:cxnSp>
+      <p:sp>
+        <p:nvSpPr>
+          <p:cNvPr id="3" name="TextBox 2">
+            <a:extLst>
+              <a:ext uri="{FF2B5EF4-FFF2-40B4-BE49-F238E27FC236}">
+                <a16:creationId xmlns:a16="http://schemas.microsoft.com/office/drawing/2014/main" id="{EC8B51CE-CC80-4948-9B0B-325C1371DBEC}"/>
+              </a:ext>
+            </a:extLst>
+          </p:cNvPr>
+          <p:cNvSpPr txBox="1"/>
+          <p:nvPr/>
+        </p:nvSpPr>
+        <p:spPr>
+          <a:xfrm>
+            <a:off x="4614128" y="2470066"/>
+            <a:ext cx="708508" cy="769441"/>
+          </a:xfrm>
+          <a:prstGeom prst="rect">
+            <a:avLst/>
+          </a:prstGeom>
+          <a:noFill/>
+        </p:spPr>
+        <p:txBody>
+          <a:bodyPr wrap="square" rtlCol="0">
+            <a:spAutoFit/>
+          </a:bodyPr>
+          <a:lstStyle/>
+          <a:p>
+            <a:r>
+              <a:rPr lang="en-US" sz="4400" dirty="0">
+                <a:solidFill>
+                  <a:schemeClr val="accent6">
+                    <a:lumMod val="75000"/>
+                    <a:alpha val="70000"/>
+                  </a:schemeClr>
+                </a:solidFill>
+              </a:rPr>
+              <a:t>]</a:t>
+            </a:r>
+          </a:p>
+        </p:txBody>
+      </p:sp>
+      <p:cxnSp>
+        <p:nvCxnSpPr>
+          <p:cNvPr id="5" name="Straight Arrow Connector 4">
+            <a:extLst>
+              <a:ext uri="{FF2B5EF4-FFF2-40B4-BE49-F238E27FC236}">
+                <a16:creationId xmlns:a16="http://schemas.microsoft.com/office/drawing/2014/main" id="{7B53E856-41DE-5B4A-BF2C-EA75A6F1FB7C}"/>
+              </a:ext>
+            </a:extLst>
+          </p:cNvPr>
+          <p:cNvCxnSpPr>
+            <a:cxnSpLocks/>
+          </p:cNvCxnSpPr>
+          <p:nvPr/>
+        </p:nvCxnSpPr>
+        <p:spPr>
+          <a:xfrm flipH="1">
+            <a:off x="3766088" y="2895090"/>
+            <a:ext cx="1032395" cy="0"/>
+          </a:xfrm>
+          <a:prstGeom prst="straightConnector1">
+            <a:avLst/>
+          </a:prstGeom>
+          <a:ln w="111125">
+            <a:solidFill>
+              <a:schemeClr val="accent6">
+                <a:lumMod val="75000"/>
+                <a:alpha val="70203"/>
+              </a:schemeClr>
+            </a:solidFill>
+            <a:tailEnd type="triangle"/>
+          </a:ln>
+        </p:spPr>
+        <p:style>
+          <a:lnRef idx="1">
+            <a:schemeClr val="accent1"/>
+          </a:lnRef>
+          <a:fillRef idx="0">
+            <a:schemeClr val="accent1"/>
+          </a:fillRef>
+          <a:effectRef idx="0">
+            <a:schemeClr val="accent1"/>
+          </a:effectRef>
+          <a:fontRef idx="minor">
+            <a:schemeClr val="tx1"/>
+          </a:fontRef>
+        </p:style>
+      </p:cxnSp>
+      <p:pic>
+        <p:nvPicPr>
+          <p:cNvPr id="13" name="Picture 12">
+            <a:extLst>
+              <a:ext uri="{FF2B5EF4-FFF2-40B4-BE49-F238E27FC236}">
+                <a16:creationId xmlns:a16="http://schemas.microsoft.com/office/drawing/2014/main" id="{6A29E732-9E7C-8F40-8612-C590E801462C}"/>
+              </a:ext>
+            </a:extLst>
+          </p:cNvPr>
+          <p:cNvPicPr>
+            <a:picLocks noChangeAspect="1"/>
+          </p:cNvPicPr>
+          <p:nvPr/>
+        </p:nvPicPr>
+        <p:blipFill>
+          <a:blip r:embed="rId2"/>
+          <a:stretch>
+            <a:fillRect/>
+          </a:stretch>
+        </p:blipFill>
+        <p:spPr>
+          <a:xfrm>
+            <a:off x="3865394" y="2015588"/>
+            <a:ext cx="1257300" cy="381000"/>
+          </a:xfrm>
+          <a:prstGeom prst="rect">
+            <a:avLst/>
+          </a:prstGeom>
+        </p:spPr>
+      </p:pic>
+      <p:pic>
+        <p:nvPicPr>
+          <p:cNvPr id="15" name="Picture 14">
+            <a:extLst>
+              <a:ext uri="{FF2B5EF4-FFF2-40B4-BE49-F238E27FC236}">
+                <a16:creationId xmlns:a16="http://schemas.microsoft.com/office/drawing/2014/main" id="{4A1D8EE1-130E-1742-B2D9-B17BAD3BC662}"/>
+              </a:ext>
+            </a:extLst>
+          </p:cNvPr>
+          <p:cNvPicPr>
+            <a:picLocks noChangeAspect="1"/>
+          </p:cNvPicPr>
+          <p:nvPr/>
+        </p:nvPicPr>
+        <p:blipFill>
+          <a:blip r:embed="rId3"/>
+          <a:stretch>
+            <a:fillRect/>
+          </a:stretch>
+        </p:blipFill>
+        <p:spPr>
+          <a:xfrm>
+            <a:off x="4693331" y="3260998"/>
+            <a:ext cx="241300" cy="215900"/>
+          </a:xfrm>
+          <a:prstGeom prst="rect">
+            <a:avLst/>
+          </a:prstGeom>
+        </p:spPr>
+      </p:pic>
+      <p:pic>
+        <p:nvPicPr>
+          <p:cNvPr id="25" name="Picture 24">
+            <a:extLst>
+              <a:ext uri="{FF2B5EF4-FFF2-40B4-BE49-F238E27FC236}">
+                <a16:creationId xmlns:a16="http://schemas.microsoft.com/office/drawing/2014/main" id="{C3ECC24A-38AE-FD45-BAE6-D34667ECB6CA}"/>
+              </a:ext>
+            </a:extLst>
+          </p:cNvPr>
+          <p:cNvPicPr>
+            <a:picLocks noChangeAspect="1"/>
+          </p:cNvPicPr>
+          <p:nvPr/>
+        </p:nvPicPr>
+        <p:blipFill>
+          <a:blip r:embed="rId4"/>
+          <a:stretch>
+            <a:fillRect/>
+          </a:stretch>
+        </p:blipFill>
+        <p:spPr>
+          <a:xfrm>
+            <a:off x="8702040" y="3067845"/>
+            <a:ext cx="381000" cy="317500"/>
+          </a:xfrm>
+          <a:prstGeom prst="rect">
+            <a:avLst/>
+          </a:prstGeom>
+        </p:spPr>
+      </p:pic>
+    </p:spTree>
+    <p:extLst>
+      <p:ext uri="{BB962C8B-B14F-4D97-AF65-F5344CB8AC3E}">
+        <p14:creationId xmlns:p14="http://schemas.microsoft.com/office/powerpoint/2010/main" val="4240084138"/>
+      </p:ext>
+    </p:extLst>
+  </p:cSld>
+  <p:clrMapOvr>
+    <a:masterClrMapping/>
+  </p:clrMapOvr>
+</p:sld>
+</file>
+
+<file path=ppt/slides/slide7.xml><?xml version="1.0" encoding="utf-8"?>
+<p:sld xmlns:a="http://schemas.openxmlformats.org/drawingml/2006/main" xmlns:r="http://schemas.openxmlformats.org/officeDocument/2006/relationships" xmlns:p="http://schemas.openxmlformats.org/presentationml/2006/main">
+  <p:cSld>
+    <p:spTree>
+      <p:nvGrpSpPr>
+        <p:cNvPr id="1" name=""/>
+        <p:cNvGrpSpPr/>
+        <p:nvPr/>
+      </p:nvGrpSpPr>
+      <p:grpSpPr>
+        <a:xfrm>
+          <a:off x="0" y="0"/>
+          <a:ext cx="0" cy="0"/>
+          <a:chOff x="0" y="0"/>
+          <a:chExt cx="0" cy="0"/>
+        </a:xfrm>
+      </p:grpSpPr>
+      <p:cxnSp>
+        <p:nvCxnSpPr>
+          <p:cNvPr id="27" name="Straight Arrow Connector 26">
+            <a:extLst>
+              <a:ext uri="{FF2B5EF4-FFF2-40B4-BE49-F238E27FC236}">
+                <a16:creationId xmlns:a16="http://schemas.microsoft.com/office/drawing/2014/main" id="{5557A53C-DF20-444B-BEC0-1E2C52AD2453}"/>
+              </a:ext>
+            </a:extLst>
+          </p:cNvPr>
+          <p:cNvCxnSpPr>
+            <a:cxnSpLocks/>
+          </p:cNvCxnSpPr>
+          <p:nvPr/>
+        </p:nvCxnSpPr>
+        <p:spPr>
+          <a:xfrm flipH="1">
+            <a:off x="4308265" y="2790266"/>
+            <a:ext cx="2275097" cy="30130"/>
+          </a:xfrm>
+          <a:prstGeom prst="straightConnector1">
+            <a:avLst/>
+          </a:prstGeom>
+          <a:ln w="111125">
+            <a:solidFill>
+              <a:srgbClr val="BF9000"/>
+            </a:solidFill>
+            <a:tailEnd type="triangle"/>
+          </a:ln>
+        </p:spPr>
+        <p:style>
+          <a:lnRef idx="1">
+            <a:schemeClr val="accent1"/>
+          </a:lnRef>
+          <a:fillRef idx="0">
+            <a:schemeClr val="accent1"/>
+          </a:fillRef>
+          <a:effectRef idx="0">
+            <a:schemeClr val="accent1"/>
+          </a:effectRef>
+          <a:fontRef idx="minor">
+            <a:schemeClr val="tx1"/>
+          </a:fontRef>
+        </p:style>
+      </p:cxnSp>
+      <p:sp>
+        <p:nvSpPr>
+          <p:cNvPr id="8" name="Freeform 7">
+            <a:extLst>
+              <a:ext uri="{FF2B5EF4-FFF2-40B4-BE49-F238E27FC236}">
+                <a16:creationId xmlns:a16="http://schemas.microsoft.com/office/drawing/2014/main" id="{30149E8B-A17F-DA46-B277-BE016F789BFC}"/>
+              </a:ext>
+            </a:extLst>
+          </p:cNvPr>
+          <p:cNvSpPr/>
+          <p:nvPr/>
+        </p:nvSpPr>
+        <p:spPr>
+          <a:xfrm>
+            <a:off x="1414073" y="1395452"/>
+            <a:ext cx="2117773" cy="2839502"/>
+          </a:xfrm>
+          <a:custGeom>
+            <a:avLst/>
+            <a:gdLst>
+              <a:gd name="connsiteX0" fmla="*/ 354491 w 2195042"/>
+              <a:gd name="connsiteY0" fmla="*/ 491545 h 2896527"/>
+              <a:gd name="connsiteX1" fmla="*/ 754541 w 2195042"/>
+              <a:gd name="connsiteY1" fmla="*/ 55 h 2896527"/>
+              <a:gd name="connsiteX2" fmla="*/ 1063151 w 2195042"/>
+              <a:gd name="connsiteY2" fmla="*/ 457255 h 2896527"/>
+              <a:gd name="connsiteX3" fmla="*/ 1588931 w 2195042"/>
+              <a:gd name="connsiteY3" fmla="*/ 148645 h 2896527"/>
+              <a:gd name="connsiteX4" fmla="*/ 2057561 w 2195042"/>
+              <a:gd name="connsiteY4" fmla="*/ 720145 h 2896527"/>
+              <a:gd name="connsiteX5" fmla="*/ 1886111 w 2195042"/>
+              <a:gd name="connsiteY5" fmla="*/ 1165915 h 2896527"/>
+              <a:gd name="connsiteX6" fmla="*/ 2194721 w 2195042"/>
+              <a:gd name="connsiteY6" fmla="*/ 1840285 h 2896527"/>
+              <a:gd name="connsiteX7" fmla="*/ 1817531 w 2195042"/>
+              <a:gd name="connsiteY7" fmla="*/ 2720395 h 2896527"/>
+              <a:gd name="connsiteX8" fmla="*/ 1291751 w 2195042"/>
+              <a:gd name="connsiteY8" fmla="*/ 2526085 h 2896527"/>
+              <a:gd name="connsiteX9" fmla="*/ 537371 w 2195042"/>
+              <a:gd name="connsiteY9" fmla="*/ 2891845 h 2896527"/>
+              <a:gd name="connsiteX10" fmla="*/ 525941 w 2195042"/>
+              <a:gd name="connsiteY10" fmla="*/ 2217475 h 2896527"/>
+              <a:gd name="connsiteX11" fmla="*/ 161 w 2195042"/>
+              <a:gd name="connsiteY11" fmla="*/ 1771705 h 2896527"/>
+              <a:gd name="connsiteX12" fmla="*/ 468791 w 2195042"/>
+              <a:gd name="connsiteY12" fmla="*/ 1211635 h 2896527"/>
+              <a:gd name="connsiteX13" fmla="*/ 354491 w 2195042"/>
+              <a:gd name="connsiteY13" fmla="*/ 491545 h 2896527"/>
+              <a:gd name="connsiteX0" fmla="*/ 354491 w 2194777"/>
+              <a:gd name="connsiteY0" fmla="*/ 491545 h 2896527"/>
+              <a:gd name="connsiteX1" fmla="*/ 754541 w 2194777"/>
+              <a:gd name="connsiteY1" fmla="*/ 55 h 2896527"/>
+              <a:gd name="connsiteX2" fmla="*/ 1063151 w 2194777"/>
+              <a:gd name="connsiteY2" fmla="*/ 457255 h 2896527"/>
+              <a:gd name="connsiteX3" fmla="*/ 1588931 w 2194777"/>
+              <a:gd name="connsiteY3" fmla="*/ 148645 h 2896527"/>
+              <a:gd name="connsiteX4" fmla="*/ 2057561 w 2194777"/>
+              <a:gd name="connsiteY4" fmla="*/ 720145 h 2896527"/>
+              <a:gd name="connsiteX5" fmla="*/ 1847610 w 2194777"/>
+              <a:gd name="connsiteY5" fmla="*/ 1339170 h 2896527"/>
+              <a:gd name="connsiteX6" fmla="*/ 2194721 w 2194777"/>
+              <a:gd name="connsiteY6" fmla="*/ 1840285 h 2896527"/>
+              <a:gd name="connsiteX7" fmla="*/ 1817531 w 2194777"/>
+              <a:gd name="connsiteY7" fmla="*/ 2720395 h 2896527"/>
+              <a:gd name="connsiteX8" fmla="*/ 1291751 w 2194777"/>
+              <a:gd name="connsiteY8" fmla="*/ 2526085 h 2896527"/>
+              <a:gd name="connsiteX9" fmla="*/ 537371 w 2194777"/>
+              <a:gd name="connsiteY9" fmla="*/ 2891845 h 2896527"/>
+              <a:gd name="connsiteX10" fmla="*/ 525941 w 2194777"/>
+              <a:gd name="connsiteY10" fmla="*/ 2217475 h 2896527"/>
+              <a:gd name="connsiteX11" fmla="*/ 161 w 2194777"/>
+              <a:gd name="connsiteY11" fmla="*/ 1771705 h 2896527"/>
+              <a:gd name="connsiteX12" fmla="*/ 468791 w 2194777"/>
+              <a:gd name="connsiteY12" fmla="*/ 1211635 h 2896527"/>
+              <a:gd name="connsiteX13" fmla="*/ 354491 w 2194777"/>
+              <a:gd name="connsiteY13" fmla="*/ 491545 h 2896527"/>
+              <a:gd name="connsiteX0" fmla="*/ 354470 w 2194756"/>
+              <a:gd name="connsiteY0" fmla="*/ 491545 h 2896527"/>
+              <a:gd name="connsiteX1" fmla="*/ 754520 w 2194756"/>
+              <a:gd name="connsiteY1" fmla="*/ 55 h 2896527"/>
+              <a:gd name="connsiteX2" fmla="*/ 1063130 w 2194756"/>
+              <a:gd name="connsiteY2" fmla="*/ 457255 h 2896527"/>
+              <a:gd name="connsiteX3" fmla="*/ 1588910 w 2194756"/>
+              <a:gd name="connsiteY3" fmla="*/ 148645 h 2896527"/>
+              <a:gd name="connsiteX4" fmla="*/ 2057540 w 2194756"/>
+              <a:gd name="connsiteY4" fmla="*/ 720145 h 2896527"/>
+              <a:gd name="connsiteX5" fmla="*/ 1847589 w 2194756"/>
+              <a:gd name="connsiteY5" fmla="*/ 1339170 h 2896527"/>
+              <a:gd name="connsiteX6" fmla="*/ 2194700 w 2194756"/>
+              <a:gd name="connsiteY6" fmla="*/ 1840285 h 2896527"/>
+              <a:gd name="connsiteX7" fmla="*/ 1817510 w 2194756"/>
+              <a:gd name="connsiteY7" fmla="*/ 2720395 h 2896527"/>
+              <a:gd name="connsiteX8" fmla="*/ 1291730 w 2194756"/>
+              <a:gd name="connsiteY8" fmla="*/ 2526085 h 2896527"/>
+              <a:gd name="connsiteX9" fmla="*/ 537350 w 2194756"/>
+              <a:gd name="connsiteY9" fmla="*/ 2891845 h 2896527"/>
+              <a:gd name="connsiteX10" fmla="*/ 525920 w 2194756"/>
+              <a:gd name="connsiteY10" fmla="*/ 2217475 h 2896527"/>
+              <a:gd name="connsiteX11" fmla="*/ 140 w 2194756"/>
+              <a:gd name="connsiteY11" fmla="*/ 1771705 h 2896527"/>
+              <a:gd name="connsiteX12" fmla="*/ 536147 w 2194756"/>
+              <a:gd name="connsiteY12" fmla="*/ 1115382 h 2896527"/>
+              <a:gd name="connsiteX13" fmla="*/ 354470 w 2194756"/>
+              <a:gd name="connsiteY13" fmla="*/ 491545 h 2896527"/>
+              <a:gd name="connsiteX0" fmla="*/ 277487 w 2117773"/>
+              <a:gd name="connsiteY0" fmla="*/ 491545 h 2896527"/>
+              <a:gd name="connsiteX1" fmla="*/ 677537 w 2117773"/>
+              <a:gd name="connsiteY1" fmla="*/ 55 h 2896527"/>
+              <a:gd name="connsiteX2" fmla="*/ 986147 w 2117773"/>
+              <a:gd name="connsiteY2" fmla="*/ 457255 h 2896527"/>
+              <a:gd name="connsiteX3" fmla="*/ 1511927 w 2117773"/>
+              <a:gd name="connsiteY3" fmla="*/ 148645 h 2896527"/>
+              <a:gd name="connsiteX4" fmla="*/ 1980557 w 2117773"/>
+              <a:gd name="connsiteY4" fmla="*/ 720145 h 2896527"/>
+              <a:gd name="connsiteX5" fmla="*/ 1770606 w 2117773"/>
+              <a:gd name="connsiteY5" fmla="*/ 1339170 h 2896527"/>
+              <a:gd name="connsiteX6" fmla="*/ 2117717 w 2117773"/>
+              <a:gd name="connsiteY6" fmla="*/ 1840285 h 2896527"/>
+              <a:gd name="connsiteX7" fmla="*/ 1740527 w 2117773"/>
+              <a:gd name="connsiteY7" fmla="*/ 2720395 h 2896527"/>
+              <a:gd name="connsiteX8" fmla="*/ 1214747 w 2117773"/>
+              <a:gd name="connsiteY8" fmla="*/ 2526085 h 2896527"/>
+              <a:gd name="connsiteX9" fmla="*/ 460367 w 2117773"/>
+              <a:gd name="connsiteY9" fmla="*/ 2891845 h 2896527"/>
+              <a:gd name="connsiteX10" fmla="*/ 448937 w 2117773"/>
+              <a:gd name="connsiteY10" fmla="*/ 2217475 h 2896527"/>
+              <a:gd name="connsiteX11" fmla="*/ 159 w 2117773"/>
+              <a:gd name="connsiteY11" fmla="*/ 1656202 h 2896527"/>
+              <a:gd name="connsiteX12" fmla="*/ 459164 w 2117773"/>
+              <a:gd name="connsiteY12" fmla="*/ 1115382 h 2896527"/>
+              <a:gd name="connsiteX13" fmla="*/ 277487 w 2117773"/>
+              <a:gd name="connsiteY13" fmla="*/ 491545 h 2896527"/>
+              <a:gd name="connsiteX0" fmla="*/ 277487 w 2117773"/>
+              <a:gd name="connsiteY0" fmla="*/ 491545 h 2894415"/>
+              <a:gd name="connsiteX1" fmla="*/ 677537 w 2117773"/>
+              <a:gd name="connsiteY1" fmla="*/ 55 h 2894415"/>
+              <a:gd name="connsiteX2" fmla="*/ 986147 w 2117773"/>
+              <a:gd name="connsiteY2" fmla="*/ 457255 h 2894415"/>
+              <a:gd name="connsiteX3" fmla="*/ 1511927 w 2117773"/>
+              <a:gd name="connsiteY3" fmla="*/ 148645 h 2894415"/>
+              <a:gd name="connsiteX4" fmla="*/ 1980557 w 2117773"/>
+              <a:gd name="connsiteY4" fmla="*/ 720145 h 2894415"/>
+              <a:gd name="connsiteX5" fmla="*/ 1770606 w 2117773"/>
+              <a:gd name="connsiteY5" fmla="*/ 1339170 h 2894415"/>
+              <a:gd name="connsiteX6" fmla="*/ 2117717 w 2117773"/>
+              <a:gd name="connsiteY6" fmla="*/ 1840285 h 2894415"/>
+              <a:gd name="connsiteX7" fmla="*/ 1740527 w 2117773"/>
+              <a:gd name="connsiteY7" fmla="*/ 2720395 h 2894415"/>
+              <a:gd name="connsiteX8" fmla="*/ 1214747 w 2117773"/>
+              <a:gd name="connsiteY8" fmla="*/ 2526085 h 2894415"/>
+              <a:gd name="connsiteX9" fmla="*/ 460367 w 2117773"/>
+              <a:gd name="connsiteY9" fmla="*/ 2891845 h 2894415"/>
+              <a:gd name="connsiteX10" fmla="*/ 458563 w 2117773"/>
+              <a:gd name="connsiteY10" fmla="*/ 2304103 h 2894415"/>
+              <a:gd name="connsiteX11" fmla="*/ 159 w 2117773"/>
+              <a:gd name="connsiteY11" fmla="*/ 1656202 h 2894415"/>
+              <a:gd name="connsiteX12" fmla="*/ 459164 w 2117773"/>
+              <a:gd name="connsiteY12" fmla="*/ 1115382 h 2894415"/>
+              <a:gd name="connsiteX13" fmla="*/ 277487 w 2117773"/>
+              <a:gd name="connsiteY13" fmla="*/ 491545 h 2894415"/>
+              <a:gd name="connsiteX0" fmla="*/ 277487 w 2117773"/>
+              <a:gd name="connsiteY0" fmla="*/ 491545 h 2932724"/>
+              <a:gd name="connsiteX1" fmla="*/ 677537 w 2117773"/>
+              <a:gd name="connsiteY1" fmla="*/ 55 h 2932724"/>
+              <a:gd name="connsiteX2" fmla="*/ 986147 w 2117773"/>
+              <a:gd name="connsiteY2" fmla="*/ 457255 h 2932724"/>
+              <a:gd name="connsiteX3" fmla="*/ 1511927 w 2117773"/>
+              <a:gd name="connsiteY3" fmla="*/ 148645 h 2932724"/>
+              <a:gd name="connsiteX4" fmla="*/ 1980557 w 2117773"/>
+              <a:gd name="connsiteY4" fmla="*/ 720145 h 2932724"/>
+              <a:gd name="connsiteX5" fmla="*/ 1770606 w 2117773"/>
+              <a:gd name="connsiteY5" fmla="*/ 1339170 h 2932724"/>
+              <a:gd name="connsiteX6" fmla="*/ 2117717 w 2117773"/>
+              <a:gd name="connsiteY6" fmla="*/ 1840285 h 2932724"/>
+              <a:gd name="connsiteX7" fmla="*/ 1740527 w 2117773"/>
+              <a:gd name="connsiteY7" fmla="*/ 2720395 h 2932724"/>
+              <a:gd name="connsiteX8" fmla="*/ 1214747 w 2117773"/>
+              <a:gd name="connsiteY8" fmla="*/ 2526085 h 2932724"/>
+              <a:gd name="connsiteX9" fmla="*/ 441116 w 2117773"/>
+              <a:gd name="connsiteY9" fmla="*/ 2930346 h 2932724"/>
+              <a:gd name="connsiteX10" fmla="*/ 458563 w 2117773"/>
+              <a:gd name="connsiteY10" fmla="*/ 2304103 h 2932724"/>
+              <a:gd name="connsiteX11" fmla="*/ 159 w 2117773"/>
+              <a:gd name="connsiteY11" fmla="*/ 1656202 h 2932724"/>
+              <a:gd name="connsiteX12" fmla="*/ 459164 w 2117773"/>
+              <a:gd name="connsiteY12" fmla="*/ 1115382 h 2932724"/>
+              <a:gd name="connsiteX13" fmla="*/ 277487 w 2117773"/>
+              <a:gd name="connsiteY13" fmla="*/ 491545 h 2932724"/>
+              <a:gd name="connsiteX0" fmla="*/ 277487 w 2117773"/>
+              <a:gd name="connsiteY0" fmla="*/ 491545 h 2966905"/>
+              <a:gd name="connsiteX1" fmla="*/ 677537 w 2117773"/>
+              <a:gd name="connsiteY1" fmla="*/ 55 h 2966905"/>
+              <a:gd name="connsiteX2" fmla="*/ 986147 w 2117773"/>
+              <a:gd name="connsiteY2" fmla="*/ 457255 h 2966905"/>
+              <a:gd name="connsiteX3" fmla="*/ 1511927 w 2117773"/>
+              <a:gd name="connsiteY3" fmla="*/ 148645 h 2966905"/>
+              <a:gd name="connsiteX4" fmla="*/ 1980557 w 2117773"/>
+              <a:gd name="connsiteY4" fmla="*/ 720145 h 2966905"/>
+              <a:gd name="connsiteX5" fmla="*/ 1770606 w 2117773"/>
+              <a:gd name="connsiteY5" fmla="*/ 1339170 h 2966905"/>
+              <a:gd name="connsiteX6" fmla="*/ 2117717 w 2117773"/>
+              <a:gd name="connsiteY6" fmla="*/ 1840285 h 2966905"/>
+              <a:gd name="connsiteX7" fmla="*/ 1740527 w 2117773"/>
+              <a:gd name="connsiteY7" fmla="*/ 2720395 h 2966905"/>
+              <a:gd name="connsiteX8" fmla="*/ 1214747 w 2117773"/>
+              <a:gd name="connsiteY8" fmla="*/ 2526085 h 2966905"/>
+              <a:gd name="connsiteX9" fmla="*/ 441116 w 2117773"/>
+              <a:gd name="connsiteY9" fmla="*/ 2930346 h 2966905"/>
+              <a:gd name="connsiteX10" fmla="*/ 458563 w 2117773"/>
+              <a:gd name="connsiteY10" fmla="*/ 2304103 h 2966905"/>
+              <a:gd name="connsiteX11" fmla="*/ 159 w 2117773"/>
+              <a:gd name="connsiteY11" fmla="*/ 1656202 h 2966905"/>
+              <a:gd name="connsiteX12" fmla="*/ 459164 w 2117773"/>
+              <a:gd name="connsiteY12" fmla="*/ 1115382 h 2966905"/>
+              <a:gd name="connsiteX13" fmla="*/ 277487 w 2117773"/>
+              <a:gd name="connsiteY13" fmla="*/ 491545 h 2966905"/>
+              <a:gd name="connsiteX0" fmla="*/ 277487 w 2117773"/>
+              <a:gd name="connsiteY0" fmla="*/ 491545 h 2839502"/>
+              <a:gd name="connsiteX1" fmla="*/ 677537 w 2117773"/>
+              <a:gd name="connsiteY1" fmla="*/ 55 h 2839502"/>
+              <a:gd name="connsiteX2" fmla="*/ 986147 w 2117773"/>
+              <a:gd name="connsiteY2" fmla="*/ 457255 h 2839502"/>
+              <a:gd name="connsiteX3" fmla="*/ 1511927 w 2117773"/>
+              <a:gd name="connsiteY3" fmla="*/ 148645 h 2839502"/>
+              <a:gd name="connsiteX4" fmla="*/ 1980557 w 2117773"/>
+              <a:gd name="connsiteY4" fmla="*/ 720145 h 2839502"/>
+              <a:gd name="connsiteX5" fmla="*/ 1770606 w 2117773"/>
+              <a:gd name="connsiteY5" fmla="*/ 1339170 h 2839502"/>
+              <a:gd name="connsiteX6" fmla="*/ 2117717 w 2117773"/>
+              <a:gd name="connsiteY6" fmla="*/ 1840285 h 2839502"/>
+              <a:gd name="connsiteX7" fmla="*/ 1740527 w 2117773"/>
+              <a:gd name="connsiteY7" fmla="*/ 2720395 h 2839502"/>
+              <a:gd name="connsiteX8" fmla="*/ 1214747 w 2117773"/>
+              <a:gd name="connsiteY8" fmla="*/ 2526085 h 2839502"/>
+              <a:gd name="connsiteX9" fmla="*/ 546994 w 2117773"/>
+              <a:gd name="connsiteY9" fmla="*/ 2795593 h 2839502"/>
+              <a:gd name="connsiteX10" fmla="*/ 458563 w 2117773"/>
+              <a:gd name="connsiteY10" fmla="*/ 2304103 h 2839502"/>
+              <a:gd name="connsiteX11" fmla="*/ 159 w 2117773"/>
+              <a:gd name="connsiteY11" fmla="*/ 1656202 h 2839502"/>
+              <a:gd name="connsiteX12" fmla="*/ 459164 w 2117773"/>
+              <a:gd name="connsiteY12" fmla="*/ 1115382 h 2839502"/>
+              <a:gd name="connsiteX13" fmla="*/ 277487 w 2117773"/>
+              <a:gd name="connsiteY13" fmla="*/ 491545 h 2839502"/>
+              <a:gd name="connsiteX0" fmla="*/ 277487 w 2117773"/>
+              <a:gd name="connsiteY0" fmla="*/ 491545 h 2890591"/>
+              <a:gd name="connsiteX1" fmla="*/ 677537 w 2117773"/>
+              <a:gd name="connsiteY1" fmla="*/ 55 h 2890591"/>
+              <a:gd name="connsiteX2" fmla="*/ 986147 w 2117773"/>
+              <a:gd name="connsiteY2" fmla="*/ 457255 h 2890591"/>
+              <a:gd name="connsiteX3" fmla="*/ 1511927 w 2117773"/>
+              <a:gd name="connsiteY3" fmla="*/ 148645 h 2890591"/>
+              <a:gd name="connsiteX4" fmla="*/ 1980557 w 2117773"/>
+              <a:gd name="connsiteY4" fmla="*/ 720145 h 2890591"/>
+              <a:gd name="connsiteX5" fmla="*/ 1770606 w 2117773"/>
+              <a:gd name="connsiteY5" fmla="*/ 1339170 h 2890591"/>
+              <a:gd name="connsiteX6" fmla="*/ 2117717 w 2117773"/>
+              <a:gd name="connsiteY6" fmla="*/ 1840285 h 2890591"/>
+              <a:gd name="connsiteX7" fmla="*/ 1740527 w 2117773"/>
+              <a:gd name="connsiteY7" fmla="*/ 2720395 h 2890591"/>
+              <a:gd name="connsiteX8" fmla="*/ 1214747 w 2117773"/>
+              <a:gd name="connsiteY8" fmla="*/ 2526085 h 2890591"/>
+              <a:gd name="connsiteX9" fmla="*/ 546994 w 2117773"/>
+              <a:gd name="connsiteY9" fmla="*/ 2795593 h 2890591"/>
+              <a:gd name="connsiteX10" fmla="*/ 458563 w 2117773"/>
+              <a:gd name="connsiteY10" fmla="*/ 2304103 h 2890591"/>
+              <a:gd name="connsiteX11" fmla="*/ 159 w 2117773"/>
+              <a:gd name="connsiteY11" fmla="*/ 1656202 h 2890591"/>
+              <a:gd name="connsiteX12" fmla="*/ 459164 w 2117773"/>
+              <a:gd name="connsiteY12" fmla="*/ 1115382 h 2890591"/>
+              <a:gd name="connsiteX13" fmla="*/ 277487 w 2117773"/>
+              <a:gd name="connsiteY13" fmla="*/ 491545 h 2890591"/>
+              <a:gd name="connsiteX0" fmla="*/ 277487 w 2117773"/>
+              <a:gd name="connsiteY0" fmla="*/ 491545 h 2811775"/>
+              <a:gd name="connsiteX1" fmla="*/ 677537 w 2117773"/>
+              <a:gd name="connsiteY1" fmla="*/ 55 h 2811775"/>
+              <a:gd name="connsiteX2" fmla="*/ 986147 w 2117773"/>
+              <a:gd name="connsiteY2" fmla="*/ 457255 h 2811775"/>
+              <a:gd name="connsiteX3" fmla="*/ 1511927 w 2117773"/>
+              <a:gd name="connsiteY3" fmla="*/ 148645 h 2811775"/>
+              <a:gd name="connsiteX4" fmla="*/ 1980557 w 2117773"/>
+              <a:gd name="connsiteY4" fmla="*/ 720145 h 2811775"/>
+              <a:gd name="connsiteX5" fmla="*/ 1770606 w 2117773"/>
+              <a:gd name="connsiteY5" fmla="*/ 1339170 h 2811775"/>
+              <a:gd name="connsiteX6" fmla="*/ 2117717 w 2117773"/>
+              <a:gd name="connsiteY6" fmla="*/ 1840285 h 2811775"/>
+              <a:gd name="connsiteX7" fmla="*/ 1740527 w 2117773"/>
+              <a:gd name="connsiteY7" fmla="*/ 2720395 h 2811775"/>
+              <a:gd name="connsiteX8" fmla="*/ 1214747 w 2117773"/>
+              <a:gd name="connsiteY8" fmla="*/ 2526085 h 2811775"/>
+              <a:gd name="connsiteX9" fmla="*/ 546994 w 2117773"/>
+              <a:gd name="connsiteY9" fmla="*/ 2795593 h 2811775"/>
+              <a:gd name="connsiteX10" fmla="*/ 458563 w 2117773"/>
+              <a:gd name="connsiteY10" fmla="*/ 2304103 h 2811775"/>
+              <a:gd name="connsiteX11" fmla="*/ 159 w 2117773"/>
+              <a:gd name="connsiteY11" fmla="*/ 1656202 h 2811775"/>
+              <a:gd name="connsiteX12" fmla="*/ 459164 w 2117773"/>
+              <a:gd name="connsiteY12" fmla="*/ 1115382 h 2811775"/>
+              <a:gd name="connsiteX13" fmla="*/ 277487 w 2117773"/>
+              <a:gd name="connsiteY13" fmla="*/ 491545 h 2811775"/>
+              <a:gd name="connsiteX0" fmla="*/ 277487 w 2117773"/>
+              <a:gd name="connsiteY0" fmla="*/ 491545 h 2839502"/>
+              <a:gd name="connsiteX1" fmla="*/ 677537 w 2117773"/>
+              <a:gd name="connsiteY1" fmla="*/ 55 h 2839502"/>
+              <a:gd name="connsiteX2" fmla="*/ 986147 w 2117773"/>
+              <a:gd name="connsiteY2" fmla="*/ 457255 h 2839502"/>
+              <a:gd name="connsiteX3" fmla="*/ 1511927 w 2117773"/>
+              <a:gd name="connsiteY3" fmla="*/ 148645 h 2839502"/>
+              <a:gd name="connsiteX4" fmla="*/ 1980557 w 2117773"/>
+              <a:gd name="connsiteY4" fmla="*/ 720145 h 2839502"/>
+              <a:gd name="connsiteX5" fmla="*/ 1770606 w 2117773"/>
+              <a:gd name="connsiteY5" fmla="*/ 1339170 h 2839502"/>
+              <a:gd name="connsiteX6" fmla="*/ 2117717 w 2117773"/>
+              <a:gd name="connsiteY6" fmla="*/ 1840285 h 2839502"/>
+              <a:gd name="connsiteX7" fmla="*/ 1740527 w 2117773"/>
+              <a:gd name="connsiteY7" fmla="*/ 2720395 h 2839502"/>
+              <a:gd name="connsiteX8" fmla="*/ 1214747 w 2117773"/>
+              <a:gd name="connsiteY8" fmla="*/ 2526085 h 2839502"/>
+              <a:gd name="connsiteX9" fmla="*/ 546994 w 2117773"/>
+              <a:gd name="connsiteY9" fmla="*/ 2795593 h 2839502"/>
+              <a:gd name="connsiteX10" fmla="*/ 458563 w 2117773"/>
+              <a:gd name="connsiteY10" fmla="*/ 2304103 h 2839502"/>
+              <a:gd name="connsiteX11" fmla="*/ 159 w 2117773"/>
+              <a:gd name="connsiteY11" fmla="*/ 1656202 h 2839502"/>
+              <a:gd name="connsiteX12" fmla="*/ 459164 w 2117773"/>
+              <a:gd name="connsiteY12" fmla="*/ 1115382 h 2839502"/>
+              <a:gd name="connsiteX13" fmla="*/ 277487 w 2117773"/>
+              <a:gd name="connsiteY13" fmla="*/ 491545 h 2839502"/>
+            </a:gdLst>
+            <a:ahLst/>
+            <a:cxnLst>
+              <a:cxn ang="0">
+                <a:pos x="connsiteX0" y="connsiteY0"/>
+              </a:cxn>
+              <a:cxn ang="0">
+                <a:pos x="connsiteX1" y="connsiteY1"/>
+              </a:cxn>
+              <a:cxn ang="0">
+                <a:pos x="connsiteX2" y="connsiteY2"/>
+              </a:cxn>
+              <a:cxn ang="0">
+                <a:pos x="connsiteX3" y="connsiteY3"/>
+              </a:cxn>
+              <a:cxn ang="0">
+                <a:pos x="connsiteX4" y="connsiteY4"/>
+              </a:cxn>
+              <a:cxn ang="0">
+                <a:pos x="connsiteX5" y="connsiteY5"/>
+              </a:cxn>
+              <a:cxn ang="0">
+                <a:pos x="connsiteX6" y="connsiteY6"/>
+              </a:cxn>
+              <a:cxn ang="0">
+                <a:pos x="connsiteX7" y="connsiteY7"/>
+              </a:cxn>
+              <a:cxn ang="0">
+                <a:pos x="connsiteX8" y="connsiteY8"/>
+              </a:cxn>
+              <a:cxn ang="0">
+                <a:pos x="connsiteX9" y="connsiteY9"/>
+              </a:cxn>
+              <a:cxn ang="0">
+                <a:pos x="connsiteX10" y="connsiteY10"/>
+              </a:cxn>
+              <a:cxn ang="0">
+                <a:pos x="connsiteX11" y="connsiteY11"/>
+              </a:cxn>
+              <a:cxn ang="0">
+                <a:pos x="connsiteX12" y="connsiteY12"/>
+              </a:cxn>
+              <a:cxn ang="0">
+                <a:pos x="connsiteX13" y="connsiteY13"/>
+              </a:cxn>
+            </a:cxnLst>
+            <a:rect l="l" t="t" r="r" b="b"/>
+            <a:pathLst>
+              <a:path w="2117773" h="2839502">
+                <a:moveTo>
+                  <a:pt x="277487" y="491545"/>
+                </a:moveTo>
+                <a:cubicBezTo>
+                  <a:pt x="313883" y="305657"/>
+                  <a:pt x="559427" y="5770"/>
+                  <a:pt x="677537" y="55"/>
+                </a:cubicBezTo>
+                <a:cubicBezTo>
+                  <a:pt x="795647" y="-5660"/>
+                  <a:pt x="847082" y="432490"/>
+                  <a:pt x="986147" y="457255"/>
+                </a:cubicBezTo>
+                <a:cubicBezTo>
+                  <a:pt x="1125212" y="482020"/>
+                  <a:pt x="1346192" y="104830"/>
+                  <a:pt x="1511927" y="148645"/>
+                </a:cubicBezTo>
+                <a:cubicBezTo>
+                  <a:pt x="1677662" y="192460"/>
+                  <a:pt x="1937444" y="521724"/>
+                  <a:pt x="1980557" y="720145"/>
+                </a:cubicBezTo>
+                <a:cubicBezTo>
+                  <a:pt x="2023670" y="918566"/>
+                  <a:pt x="1747746" y="1152480"/>
+                  <a:pt x="1770606" y="1339170"/>
+                </a:cubicBezTo>
+                <a:cubicBezTo>
+                  <a:pt x="1793466" y="1525860"/>
+                  <a:pt x="2122730" y="1610081"/>
+                  <a:pt x="2117717" y="1840285"/>
+                </a:cubicBezTo>
+                <a:cubicBezTo>
+                  <a:pt x="2112704" y="2070489"/>
+                  <a:pt x="1891022" y="2606095"/>
+                  <a:pt x="1740527" y="2720395"/>
+                </a:cubicBezTo>
+                <a:cubicBezTo>
+                  <a:pt x="1590032" y="2834695"/>
+                  <a:pt x="1413669" y="2513552"/>
+                  <a:pt x="1214747" y="2526085"/>
+                </a:cubicBezTo>
+                <a:cubicBezTo>
+                  <a:pt x="1015825" y="2538618"/>
+                  <a:pt x="865529" y="2976970"/>
+                  <a:pt x="546994" y="2795593"/>
+                </a:cubicBezTo>
+                <a:cubicBezTo>
+                  <a:pt x="228459" y="2614216"/>
+                  <a:pt x="549702" y="2494001"/>
+                  <a:pt x="458563" y="2304103"/>
+                </a:cubicBezTo>
+                <a:cubicBezTo>
+                  <a:pt x="367424" y="2114205"/>
+                  <a:pt x="9684" y="1823842"/>
+                  <a:pt x="159" y="1656202"/>
+                </a:cubicBezTo>
+                <a:cubicBezTo>
+                  <a:pt x="-9366" y="1488562"/>
+                  <a:pt x="412943" y="1309492"/>
+                  <a:pt x="459164" y="1115382"/>
+                </a:cubicBezTo>
+                <a:cubicBezTo>
+                  <a:pt x="505385" y="921273"/>
+                  <a:pt x="241092" y="677433"/>
+                  <a:pt x="277487" y="491545"/>
+                </a:cubicBezTo>
+                <a:close/>
+              </a:path>
+            </a:pathLst>
+          </a:custGeom>
+          <a:ln w="28575">
+            <a:solidFill>
+              <a:schemeClr val="tx1">
+                <a:lumMod val="85000"/>
+                <a:lumOff val="15000"/>
+              </a:schemeClr>
+            </a:solidFill>
+          </a:ln>
+        </p:spPr>
+        <p:style>
+          <a:lnRef idx="2">
+            <a:schemeClr val="accent6"/>
+          </a:lnRef>
+          <a:fillRef idx="1">
+            <a:schemeClr val="lt1"/>
+          </a:fillRef>
+          <a:effectRef idx="0">
+            <a:schemeClr val="accent6"/>
+          </a:effectRef>
+          <a:fontRef idx="minor">
+            <a:schemeClr val="dk1"/>
+          </a:fontRef>
+        </p:style>
+        <p:txBody>
+          <a:bodyPr rtlCol="0" anchor="ctr"/>
+          <a:lstStyle/>
+          <a:p>
+            <a:pPr algn="ctr"/>
+            <a:endParaRPr lang="en-US"/>
+          </a:p>
+        </p:txBody>
+      </p:sp>
+      <p:sp>
+        <p:nvSpPr>
+          <p:cNvPr id="9" name="Oval 8">
+            <a:extLst>
+              <a:ext uri="{FF2B5EF4-FFF2-40B4-BE49-F238E27FC236}">
+                <a16:creationId xmlns:a16="http://schemas.microsoft.com/office/drawing/2014/main" id="{1D6041E9-B840-EE42-90C6-BD4B9761BD20}"/>
+              </a:ext>
+            </a:extLst>
+          </p:cNvPr>
+          <p:cNvSpPr/>
+          <p:nvPr/>
+        </p:nvSpPr>
+        <p:spPr>
+          <a:xfrm>
+            <a:off x="2434590" y="2228510"/>
+            <a:ext cx="205740" cy="205740"/>
+          </a:xfrm>
+          <a:prstGeom prst="ellipse">
+            <a:avLst/>
+          </a:prstGeom>
+          <a:solidFill>
+            <a:schemeClr val="bg1">
+              <a:lumMod val="50000"/>
+            </a:schemeClr>
+          </a:solidFill>
+        </p:spPr>
+        <p:style>
+          <a:lnRef idx="2">
+            <a:schemeClr val="accent1">
+              <a:shade val="50000"/>
+            </a:schemeClr>
+          </a:lnRef>
+          <a:fillRef idx="1">
+            <a:schemeClr val="accent1"/>
+          </a:fillRef>
+          <a:effectRef idx="0">
+            <a:schemeClr val="accent1"/>
+          </a:effectRef>
+          <a:fontRef idx="minor">
+            <a:schemeClr val="lt1"/>
+          </a:fontRef>
+        </p:style>
+        <p:txBody>
+          <a:bodyPr rtlCol="0" anchor="ctr"/>
+          <a:lstStyle/>
+          <a:p>
+            <a:pPr algn="ctr"/>
+            <a:endParaRPr lang="en-US"/>
+          </a:p>
+        </p:txBody>
+      </p:sp>
+      <p:sp>
+        <p:nvSpPr>
+          <p:cNvPr id="10" name="Oval 9">
+            <a:extLst>
+              <a:ext uri="{FF2B5EF4-FFF2-40B4-BE49-F238E27FC236}">
+                <a16:creationId xmlns:a16="http://schemas.microsoft.com/office/drawing/2014/main" id="{49C06CA3-80B9-2042-9740-94E387CAEB58}"/>
+              </a:ext>
+            </a:extLst>
+          </p:cNvPr>
+          <p:cNvSpPr/>
+          <p:nvPr/>
+        </p:nvSpPr>
+        <p:spPr>
+          <a:xfrm>
+            <a:off x="2434590" y="3088101"/>
+            <a:ext cx="205740" cy="205740"/>
+          </a:xfrm>
+          <a:prstGeom prst="ellipse">
+            <a:avLst/>
+          </a:prstGeom>
+          <a:solidFill>
+            <a:schemeClr val="bg1">
+              <a:lumMod val="50000"/>
+            </a:schemeClr>
+          </a:solidFill>
+        </p:spPr>
+        <p:style>
+          <a:lnRef idx="2">
+            <a:schemeClr val="accent1">
+              <a:shade val="50000"/>
+            </a:schemeClr>
+          </a:lnRef>
+          <a:fillRef idx="1">
+            <a:schemeClr val="accent1"/>
+          </a:fillRef>
+          <a:effectRef idx="0">
+            <a:schemeClr val="accent1"/>
+          </a:effectRef>
+          <a:fontRef idx="minor">
+            <a:schemeClr val="lt1"/>
+          </a:fontRef>
+        </p:style>
+        <p:txBody>
+          <a:bodyPr rtlCol="0" anchor="ctr"/>
+          <a:lstStyle/>
+          <a:p>
+            <a:pPr algn="ctr"/>
+            <a:endParaRPr lang="en-US"/>
+          </a:p>
+        </p:txBody>
+      </p:sp>
+      <p:sp>
+        <p:nvSpPr>
+          <p:cNvPr id="11" name="TextBox 10">
+            <a:extLst>
+              <a:ext uri="{FF2B5EF4-FFF2-40B4-BE49-F238E27FC236}">
+                <a16:creationId xmlns:a16="http://schemas.microsoft.com/office/drawing/2014/main" id="{5D4D47CA-6B9D-5B4D-BABF-1A15EA7BD817}"/>
+              </a:ext>
+            </a:extLst>
+          </p:cNvPr>
+          <p:cNvSpPr txBox="1"/>
+          <p:nvPr/>
+        </p:nvSpPr>
+        <p:spPr>
+          <a:xfrm>
+            <a:off x="1998252" y="2266363"/>
+            <a:ext cx="436338" cy="461665"/>
+          </a:xfrm>
+          <a:prstGeom prst="rect">
+            <a:avLst/>
+          </a:prstGeom>
+          <a:noFill/>
+        </p:spPr>
+        <p:txBody>
+          <a:bodyPr wrap="none" rtlCol="0">
+            <a:spAutoFit/>
+          </a:bodyPr>
+          <a:lstStyle/>
+          <a:p>
+            <a:r>
+              <a:rPr lang="en-US" sz="2400" b="1" dirty="0">
+                <a:latin typeface="Bookman Old Style" panose="02050604050505020204" pitchFamily="18" charset="0"/>
+              </a:rPr>
+              <a:t>H</a:t>
+            </a:r>
+          </a:p>
+        </p:txBody>
+      </p:sp>
+      <p:sp>
+        <p:nvSpPr>
+          <p:cNvPr id="12" name="TextBox 11">
+            <a:extLst>
+              <a:ext uri="{FF2B5EF4-FFF2-40B4-BE49-F238E27FC236}">
+                <a16:creationId xmlns:a16="http://schemas.microsoft.com/office/drawing/2014/main" id="{5998B3B4-ABDE-A548-8173-DCA6092C5B19}"/>
+              </a:ext>
+            </a:extLst>
+          </p:cNvPr>
+          <p:cNvSpPr txBox="1"/>
+          <p:nvPr/>
+        </p:nvSpPr>
+        <p:spPr>
+          <a:xfrm>
+            <a:off x="2016687" y="3088101"/>
+            <a:ext cx="399468" cy="461665"/>
+          </a:xfrm>
+          <a:prstGeom prst="rect">
+            <a:avLst/>
+          </a:prstGeom>
+          <a:noFill/>
+        </p:spPr>
+        <p:txBody>
+          <a:bodyPr wrap="none" rtlCol="0">
+            <a:spAutoFit/>
+          </a:bodyPr>
+          <a:lstStyle/>
+          <a:p>
+            <a:r>
+              <a:rPr lang="en-US" sz="2400" b="1" dirty="0">
+                <a:latin typeface="Bookman Old Style" panose="02050604050505020204" pitchFamily="18" charset="0"/>
+              </a:rPr>
+              <a:t>T</a:t>
+            </a:r>
+          </a:p>
+        </p:txBody>
+      </p:sp>
+      <p:cxnSp>
+        <p:nvCxnSpPr>
+          <p:cNvPr id="14" name="Straight Arrow Connector 13">
+            <a:extLst>
+              <a:ext uri="{FF2B5EF4-FFF2-40B4-BE49-F238E27FC236}">
+                <a16:creationId xmlns:a16="http://schemas.microsoft.com/office/drawing/2014/main" id="{57087A8D-DCC6-C240-9B7D-6C0847135B72}"/>
+              </a:ext>
+            </a:extLst>
+          </p:cNvPr>
+          <p:cNvCxnSpPr>
+            <a:cxnSpLocks/>
+          </p:cNvCxnSpPr>
+          <p:nvPr/>
+        </p:nvCxnSpPr>
+        <p:spPr>
+          <a:xfrm>
+            <a:off x="4308265" y="2894131"/>
+            <a:ext cx="4584275" cy="0"/>
+          </a:xfrm>
+          <a:prstGeom prst="straightConnector1">
+            <a:avLst/>
+          </a:prstGeom>
+          <a:ln w="28575">
+            <a:solidFill>
+              <a:schemeClr val="tx1">
+                <a:lumMod val="85000"/>
+                <a:lumOff val="15000"/>
+              </a:schemeClr>
+            </a:solidFill>
+            <a:tailEnd type="stealth" w="lg" len="lg"/>
+          </a:ln>
+        </p:spPr>
+        <p:style>
+          <a:lnRef idx="1">
+            <a:schemeClr val="accent1"/>
+          </a:lnRef>
+          <a:fillRef idx="0">
+            <a:schemeClr val="accent1"/>
+          </a:fillRef>
+          <a:effectRef idx="0">
+            <a:schemeClr val="accent1"/>
+          </a:effectRef>
+          <a:fontRef idx="minor">
+            <a:schemeClr val="tx1"/>
+          </a:fontRef>
+        </p:style>
+      </p:cxnSp>
+      <p:cxnSp>
+        <p:nvCxnSpPr>
+          <p:cNvPr id="18" name="Straight Arrow Connector 17">
+            <a:extLst>
+              <a:ext uri="{FF2B5EF4-FFF2-40B4-BE49-F238E27FC236}">
+                <a16:creationId xmlns:a16="http://schemas.microsoft.com/office/drawing/2014/main" id="{D760D21B-9A44-954D-A1C6-7BC7699B6A0D}"/>
+              </a:ext>
+            </a:extLst>
+          </p:cNvPr>
+          <p:cNvCxnSpPr>
+            <a:cxnSpLocks/>
+          </p:cNvCxnSpPr>
+          <p:nvPr/>
+        </p:nvCxnSpPr>
+        <p:spPr>
+          <a:xfrm flipV="1">
+            <a:off x="5695950" y="2754976"/>
+            <a:ext cx="0" cy="278310"/>
+          </a:xfrm>
+          <a:prstGeom prst="straightConnector1">
+            <a:avLst/>
+          </a:prstGeom>
+          <a:ln w="28575">
+            <a:solidFill>
+              <a:schemeClr val="tx1">
+                <a:lumMod val="85000"/>
+                <a:lumOff val="15000"/>
+              </a:schemeClr>
+            </a:solidFill>
+            <a:tailEnd type="none" w="lg" len="lg"/>
+          </a:ln>
+        </p:spPr>
+        <p:style>
+          <a:lnRef idx="1">
+            <a:schemeClr val="accent1"/>
+          </a:lnRef>
+          <a:fillRef idx="0">
+            <a:schemeClr val="accent1"/>
+          </a:fillRef>
+          <a:effectRef idx="0">
+            <a:schemeClr val="accent1"/>
+          </a:effectRef>
+          <a:fontRef idx="minor">
+            <a:schemeClr val="tx1"/>
+          </a:fontRef>
+        </p:style>
+      </p:cxnSp>
+      <p:cxnSp>
+        <p:nvCxnSpPr>
+          <p:cNvPr id="21" name="Straight Arrow Connector 20">
+            <a:extLst>
+              <a:ext uri="{FF2B5EF4-FFF2-40B4-BE49-F238E27FC236}">
+                <a16:creationId xmlns:a16="http://schemas.microsoft.com/office/drawing/2014/main" id="{B9B8B844-7B67-0F4C-AC20-E0E9A16CBB2C}"/>
+              </a:ext>
+            </a:extLst>
+          </p:cNvPr>
+          <p:cNvCxnSpPr>
+            <a:cxnSpLocks/>
+          </p:cNvCxnSpPr>
+          <p:nvPr/>
+        </p:nvCxnSpPr>
+        <p:spPr>
+          <a:xfrm flipV="1">
+            <a:off x="7626701" y="2754976"/>
+            <a:ext cx="0" cy="278310"/>
+          </a:xfrm>
+          <a:prstGeom prst="straightConnector1">
+            <a:avLst/>
+          </a:prstGeom>
+          <a:ln w="28575">
+            <a:solidFill>
+              <a:schemeClr val="tx1">
+                <a:lumMod val="85000"/>
+                <a:lumOff val="15000"/>
+              </a:schemeClr>
+            </a:solidFill>
+            <a:tailEnd type="none" w="lg" len="lg"/>
+          </a:ln>
+        </p:spPr>
+        <p:style>
+          <a:lnRef idx="1">
+            <a:schemeClr val="accent1"/>
+          </a:lnRef>
+          <a:fillRef idx="0">
+            <a:schemeClr val="accent1"/>
+          </a:fillRef>
+          <a:effectRef idx="0">
+            <a:schemeClr val="accent1"/>
+          </a:effectRef>
+          <a:fontRef idx="minor">
+            <a:schemeClr val="tx1"/>
+          </a:fontRef>
+        </p:style>
+      </p:cxnSp>
+      <p:sp>
+        <p:nvSpPr>
+          <p:cNvPr id="23" name="TextBox 22">
+            <a:extLst>
+              <a:ext uri="{FF2B5EF4-FFF2-40B4-BE49-F238E27FC236}">
+                <a16:creationId xmlns:a16="http://schemas.microsoft.com/office/drawing/2014/main" id="{356F14ED-1F89-374B-8F1C-E5531F81E68D}"/>
+              </a:ext>
+            </a:extLst>
+          </p:cNvPr>
+          <p:cNvSpPr txBox="1"/>
+          <p:nvPr/>
+        </p:nvSpPr>
+        <p:spPr>
+          <a:xfrm>
+            <a:off x="5543550" y="3141650"/>
+            <a:ext cx="552450" cy="461665"/>
+          </a:xfrm>
+          <a:prstGeom prst="rect">
+            <a:avLst/>
+          </a:prstGeom>
+          <a:noFill/>
+        </p:spPr>
+        <p:txBody>
+          <a:bodyPr wrap="square" rtlCol="0">
+            <a:spAutoFit/>
+          </a:bodyPr>
+          <a:lstStyle/>
+          <a:p>
+            <a:r>
+              <a:rPr lang="en-US" sz="2400" dirty="0"/>
+              <a:t>0</a:t>
+            </a:r>
+          </a:p>
+        </p:txBody>
+      </p:sp>
+      <p:sp>
+        <p:nvSpPr>
+          <p:cNvPr id="24" name="TextBox 23">
+            <a:extLst>
+              <a:ext uri="{FF2B5EF4-FFF2-40B4-BE49-F238E27FC236}">
+                <a16:creationId xmlns:a16="http://schemas.microsoft.com/office/drawing/2014/main" id="{4DFC9158-1143-1245-9BC7-FA616BEC34BF}"/>
+              </a:ext>
+            </a:extLst>
+          </p:cNvPr>
+          <p:cNvSpPr txBox="1"/>
+          <p:nvPr/>
+        </p:nvSpPr>
+        <p:spPr>
+          <a:xfrm>
+            <a:off x="7520619" y="3141650"/>
+            <a:ext cx="552450" cy="461665"/>
+          </a:xfrm>
+          <a:prstGeom prst="rect">
+            <a:avLst/>
+          </a:prstGeom>
+          <a:noFill/>
+        </p:spPr>
+        <p:txBody>
+          <a:bodyPr wrap="square" rtlCol="0">
+            <a:spAutoFit/>
+          </a:bodyPr>
+          <a:lstStyle/>
+          <a:p>
+            <a:r>
+              <a:rPr lang="en-US" sz="2400" dirty="0"/>
+              <a:t>1</a:t>
+            </a:r>
+          </a:p>
+        </p:txBody>
+      </p:sp>
+      <p:grpSp>
+        <p:nvGrpSpPr>
+          <p:cNvPr id="41" name="Group 40">
+            <a:extLst>
+              <a:ext uri="{FF2B5EF4-FFF2-40B4-BE49-F238E27FC236}">
+                <a16:creationId xmlns:a16="http://schemas.microsoft.com/office/drawing/2014/main" id="{7A9295C7-485B-B942-BC04-250D3ED8A51F}"/>
+              </a:ext>
+            </a:extLst>
+          </p:cNvPr>
+          <p:cNvGrpSpPr/>
+          <p:nvPr/>
+        </p:nvGrpSpPr>
+        <p:grpSpPr>
+          <a:xfrm>
+            <a:off x="2640330" y="1574659"/>
+            <a:ext cx="4926883" cy="1245737"/>
+            <a:chOff x="2640330" y="1574659"/>
+            <a:chExt cx="4926883" cy="1245737"/>
+          </a:xfrm>
+        </p:grpSpPr>
+        <p:cxnSp>
+          <p:nvCxnSpPr>
+            <p:cNvPr id="29" name="Straight Connector 28">
+              <a:extLst>
+                <a:ext uri="{FF2B5EF4-FFF2-40B4-BE49-F238E27FC236}">
+                  <a16:creationId xmlns:a16="http://schemas.microsoft.com/office/drawing/2014/main" id="{70FA8823-861E-4D4D-A28F-2B3B94201797}"/>
+                </a:ext>
+              </a:extLst>
+            </p:cNvPr>
+            <p:cNvCxnSpPr>
+              <a:cxnSpLocks/>
+            </p:cNvCxnSpPr>
+            <p:nvPr/>
+          </p:nvCxnSpPr>
+          <p:spPr>
+            <a:xfrm flipV="1">
+              <a:off x="2640330" y="1574659"/>
+              <a:ext cx="891781" cy="691704"/>
+            </a:xfrm>
+            <a:prstGeom prst="line">
+              <a:avLst/>
+            </a:prstGeom>
+            <a:ln w="28575">
+              <a:solidFill>
+                <a:schemeClr val="accent1"/>
+              </a:solidFill>
+            </a:ln>
+          </p:spPr>
+          <p:style>
+            <a:lnRef idx="2">
+              <a:schemeClr val="dk1"/>
+            </a:lnRef>
+            <a:fillRef idx="0">
+              <a:schemeClr val="dk1"/>
+            </a:fillRef>
+            <a:effectRef idx="1">
+              <a:schemeClr val="dk1"/>
+            </a:effectRef>
+            <a:fontRef idx="minor">
+              <a:schemeClr val="tx1"/>
+            </a:fontRef>
+          </p:style>
+        </p:cxnSp>
+        <p:cxnSp>
+          <p:nvCxnSpPr>
+            <p:cNvPr id="32" name="Straight Connector 31">
+              <a:extLst>
+                <a:ext uri="{FF2B5EF4-FFF2-40B4-BE49-F238E27FC236}">
+                  <a16:creationId xmlns:a16="http://schemas.microsoft.com/office/drawing/2014/main" id="{ABCADDAF-D6E5-934D-9053-BF786F2184BB}"/>
+                </a:ext>
+              </a:extLst>
+            </p:cNvPr>
+            <p:cNvCxnSpPr>
+              <a:cxnSpLocks/>
+            </p:cNvCxnSpPr>
+            <p:nvPr/>
+          </p:nvCxnSpPr>
+          <p:spPr>
+            <a:xfrm>
+              <a:off x="3532111" y="1574659"/>
+              <a:ext cx="3228907" cy="0"/>
+            </a:xfrm>
+            <a:prstGeom prst="line">
+              <a:avLst/>
+            </a:prstGeom>
+            <a:ln w="28575">
+              <a:solidFill>
+                <a:schemeClr val="accent1"/>
+              </a:solidFill>
+            </a:ln>
+          </p:spPr>
+          <p:style>
+            <a:lnRef idx="1">
+              <a:schemeClr val="accent1"/>
+            </a:lnRef>
+            <a:fillRef idx="0">
+              <a:schemeClr val="accent1"/>
+            </a:fillRef>
+            <a:effectRef idx="0">
+              <a:schemeClr val="accent1"/>
+            </a:effectRef>
+            <a:fontRef idx="minor">
+              <a:schemeClr val="tx1"/>
+            </a:fontRef>
+          </p:style>
+        </p:cxnSp>
+        <p:cxnSp>
+          <p:nvCxnSpPr>
+            <p:cNvPr id="34" name="Straight Arrow Connector 33">
+              <a:extLst>
+                <a:ext uri="{FF2B5EF4-FFF2-40B4-BE49-F238E27FC236}">
+                  <a16:creationId xmlns:a16="http://schemas.microsoft.com/office/drawing/2014/main" id="{99F40CF2-4D33-F344-999D-A04957EC6A26}"/>
+                </a:ext>
+              </a:extLst>
+            </p:cNvPr>
+            <p:cNvCxnSpPr>
+              <a:cxnSpLocks/>
+              <a:endCxn id="37" idx="1"/>
+            </p:cNvCxnSpPr>
+            <p:nvPr/>
+          </p:nvCxnSpPr>
+          <p:spPr>
+            <a:xfrm>
+              <a:off x="6761018" y="1574659"/>
+              <a:ext cx="806195" cy="1245737"/>
+            </a:xfrm>
+            <a:prstGeom prst="straightConnector1">
+              <a:avLst/>
+            </a:prstGeom>
+            <a:ln w="28575">
+              <a:solidFill>
+                <a:schemeClr val="accent1"/>
+              </a:solidFill>
+              <a:tailEnd type="stealth" w="lg" len="lg"/>
+            </a:ln>
+          </p:spPr>
+          <p:style>
+            <a:lnRef idx="1">
+              <a:schemeClr val="accent1"/>
+            </a:lnRef>
+            <a:fillRef idx="0">
+              <a:schemeClr val="accent1"/>
+            </a:fillRef>
+            <a:effectRef idx="0">
+              <a:schemeClr val="accent1"/>
+            </a:effectRef>
+            <a:fontRef idx="minor">
+              <a:schemeClr val="tx1"/>
+            </a:fontRef>
+          </p:style>
+        </p:cxnSp>
+      </p:grpSp>
+      <p:sp>
+        <p:nvSpPr>
+          <p:cNvPr id="37" name="Oval 36">
+            <a:extLst>
+              <a:ext uri="{FF2B5EF4-FFF2-40B4-BE49-F238E27FC236}">
+                <a16:creationId xmlns:a16="http://schemas.microsoft.com/office/drawing/2014/main" id="{4FA38ACB-A2E2-E640-95F1-B14BCDFC0018}"/>
+              </a:ext>
+            </a:extLst>
+          </p:cNvPr>
+          <p:cNvSpPr/>
+          <p:nvPr/>
+        </p:nvSpPr>
+        <p:spPr>
+          <a:xfrm>
+            <a:off x="7537083" y="2790266"/>
+            <a:ext cx="205740" cy="205740"/>
+          </a:xfrm>
+          <a:prstGeom prst="ellipse">
+            <a:avLst/>
+          </a:prstGeom>
+          <a:solidFill>
+            <a:schemeClr val="accent1"/>
+          </a:solidFill>
+        </p:spPr>
+        <p:style>
+          <a:lnRef idx="2">
+            <a:schemeClr val="accent1">
+              <a:shade val="50000"/>
+            </a:schemeClr>
+          </a:lnRef>
+          <a:fillRef idx="1">
+            <a:schemeClr val="accent1"/>
+          </a:fillRef>
+          <a:effectRef idx="0">
+            <a:schemeClr val="accent1"/>
+          </a:effectRef>
+          <a:fontRef idx="minor">
+            <a:schemeClr val="lt1"/>
+          </a:fontRef>
+        </p:style>
+        <p:txBody>
+          <a:bodyPr rtlCol="0" anchor="ctr"/>
+          <a:lstStyle/>
+          <a:p>
+            <a:pPr algn="ctr"/>
+            <a:endParaRPr lang="en-US"/>
+          </a:p>
+        </p:txBody>
+      </p:sp>
+      <p:sp>
+        <p:nvSpPr>
+          <p:cNvPr id="38" name="Oval 37">
+            <a:extLst>
+              <a:ext uri="{FF2B5EF4-FFF2-40B4-BE49-F238E27FC236}">
+                <a16:creationId xmlns:a16="http://schemas.microsoft.com/office/drawing/2014/main" id="{C788EC9A-1CD6-F14A-AEE2-3DCF60986142}"/>
+              </a:ext>
+            </a:extLst>
+          </p:cNvPr>
+          <p:cNvSpPr/>
+          <p:nvPr/>
+        </p:nvSpPr>
+        <p:spPr>
+          <a:xfrm>
+            <a:off x="5593080" y="2790266"/>
+            <a:ext cx="205740" cy="205740"/>
+          </a:xfrm>
+          <a:prstGeom prst="ellipse">
+            <a:avLst/>
+          </a:prstGeom>
+          <a:solidFill>
+            <a:srgbClr val="FF0000"/>
+          </a:solidFill>
+        </p:spPr>
+        <p:style>
+          <a:lnRef idx="2">
+            <a:schemeClr val="accent1">
+              <a:shade val="50000"/>
+            </a:schemeClr>
+          </a:lnRef>
+          <a:fillRef idx="1">
+            <a:schemeClr val="accent1"/>
+          </a:fillRef>
+          <a:effectRef idx="0">
+            <a:schemeClr val="accent1"/>
+          </a:effectRef>
+          <a:fontRef idx="minor">
+            <a:schemeClr val="lt1"/>
+          </a:fontRef>
+        </p:style>
+        <p:txBody>
+          <a:bodyPr rtlCol="0" anchor="ctr"/>
+          <a:lstStyle/>
+          <a:p>
+            <a:pPr algn="ctr"/>
+            <a:endParaRPr lang="en-US"/>
+          </a:p>
+        </p:txBody>
+      </p:sp>
+      <p:cxnSp>
+        <p:nvCxnSpPr>
+          <p:cNvPr id="43" name="Straight Connector 42">
+            <a:extLst>
+              <a:ext uri="{FF2B5EF4-FFF2-40B4-BE49-F238E27FC236}">
+                <a16:creationId xmlns:a16="http://schemas.microsoft.com/office/drawing/2014/main" id="{2DB4BB95-F31A-E649-AD4F-143DACC956E2}"/>
+              </a:ext>
+            </a:extLst>
+          </p:cNvPr>
+          <p:cNvCxnSpPr>
+            <a:cxnSpLocks/>
+            <a:stCxn id="10" idx="5"/>
+          </p:cNvCxnSpPr>
+          <p:nvPr/>
+        </p:nvCxnSpPr>
+        <p:spPr>
+          <a:xfrm>
+            <a:off x="2610200" y="3263711"/>
+            <a:ext cx="585387" cy="626467"/>
+          </a:xfrm>
+          <a:prstGeom prst="line">
+            <a:avLst/>
+          </a:prstGeom>
+          <a:ln w="28575">
+            <a:solidFill>
+              <a:srgbClr val="FF0000"/>
+            </a:solidFill>
+          </a:ln>
+        </p:spPr>
+        <p:style>
+          <a:lnRef idx="2">
+            <a:schemeClr val="dk1"/>
+          </a:lnRef>
+          <a:fillRef idx="0">
+            <a:schemeClr val="dk1"/>
+          </a:fillRef>
+          <a:effectRef idx="1">
+            <a:schemeClr val="dk1"/>
+          </a:effectRef>
+          <a:fontRef idx="minor">
+            <a:schemeClr val="tx1"/>
+          </a:fontRef>
+        </p:style>
+      </p:cxnSp>
+      <p:cxnSp>
+        <p:nvCxnSpPr>
+          <p:cNvPr id="44" name="Straight Connector 43">
+            <a:extLst>
+              <a:ext uri="{FF2B5EF4-FFF2-40B4-BE49-F238E27FC236}">
+                <a16:creationId xmlns:a16="http://schemas.microsoft.com/office/drawing/2014/main" id="{03E043CB-8AE5-004F-819F-2BEFB1304711}"/>
+              </a:ext>
+            </a:extLst>
+          </p:cNvPr>
+          <p:cNvCxnSpPr>
+            <a:cxnSpLocks/>
+          </p:cNvCxnSpPr>
+          <p:nvPr/>
+        </p:nvCxnSpPr>
+        <p:spPr>
+          <a:xfrm>
+            <a:off x="3195587" y="3890178"/>
+            <a:ext cx="1691674" cy="0"/>
+          </a:xfrm>
+          <a:prstGeom prst="line">
+            <a:avLst/>
+          </a:prstGeom>
+          <a:ln w="28575">
+            <a:solidFill>
+              <a:srgbClr val="FF0000"/>
+            </a:solidFill>
+          </a:ln>
+        </p:spPr>
+        <p:style>
+          <a:lnRef idx="1">
+            <a:schemeClr val="accent1"/>
+          </a:lnRef>
+          <a:fillRef idx="0">
+            <a:schemeClr val="accent1"/>
+          </a:fillRef>
+          <a:effectRef idx="0">
+            <a:schemeClr val="accent1"/>
+          </a:effectRef>
+          <a:fontRef idx="minor">
+            <a:schemeClr val="tx1"/>
+          </a:fontRef>
+        </p:style>
+      </p:cxnSp>
+      <p:cxnSp>
+        <p:nvCxnSpPr>
+          <p:cNvPr id="45" name="Straight Arrow Connector 44">
+            <a:extLst>
+              <a:ext uri="{FF2B5EF4-FFF2-40B4-BE49-F238E27FC236}">
+                <a16:creationId xmlns:a16="http://schemas.microsoft.com/office/drawing/2014/main" id="{BA51A3FE-EB0B-4247-8FE9-0E936E7A8FF1}"/>
+              </a:ext>
+            </a:extLst>
+          </p:cNvPr>
+          <p:cNvCxnSpPr>
+            <a:cxnSpLocks/>
+            <a:endCxn id="38" idx="3"/>
+          </p:cNvCxnSpPr>
+          <p:nvPr/>
+        </p:nvCxnSpPr>
+        <p:spPr>
+          <a:xfrm flipV="1">
+            <a:off x="4887261" y="2965876"/>
+            <a:ext cx="735949" cy="924302"/>
+          </a:xfrm>
+          <a:prstGeom prst="straightConnector1">
+            <a:avLst/>
+          </a:prstGeom>
+          <a:ln w="28575">
+            <a:solidFill>
+              <a:srgbClr val="FF0000"/>
+            </a:solidFill>
+            <a:tailEnd type="stealth" w="lg" len="lg"/>
+          </a:ln>
+        </p:spPr>
+        <p:style>
+          <a:lnRef idx="1">
+            <a:schemeClr val="accent1"/>
+          </a:lnRef>
+          <a:fillRef idx="0">
+            <a:schemeClr val="accent1"/>
+          </a:fillRef>
+          <a:effectRef idx="0">
+            <a:schemeClr val="accent1"/>
+          </a:effectRef>
+          <a:fontRef idx="minor">
+            <a:schemeClr val="tx1"/>
+          </a:fontRef>
+        </p:style>
+      </p:cxnSp>
+      <p:sp>
+        <p:nvSpPr>
+          <p:cNvPr id="3" name="TextBox 2">
+            <a:extLst>
+              <a:ext uri="{FF2B5EF4-FFF2-40B4-BE49-F238E27FC236}">
+                <a16:creationId xmlns:a16="http://schemas.microsoft.com/office/drawing/2014/main" id="{EC8B51CE-CC80-4948-9B0B-325C1371DBEC}"/>
+              </a:ext>
+            </a:extLst>
+          </p:cNvPr>
+          <p:cNvSpPr txBox="1"/>
+          <p:nvPr/>
+        </p:nvSpPr>
+        <p:spPr>
+          <a:xfrm>
+            <a:off x="5505378" y="2597391"/>
+            <a:ext cx="708508" cy="769441"/>
+          </a:xfrm>
+          <a:prstGeom prst="rect">
+            <a:avLst/>
+          </a:prstGeom>
+          <a:noFill/>
+        </p:spPr>
+        <p:txBody>
+          <a:bodyPr wrap="square" rtlCol="0">
+            <a:spAutoFit/>
+          </a:bodyPr>
+          <a:lstStyle/>
+          <a:p>
+            <a:r>
+              <a:rPr lang="en-US" sz="4400" dirty="0">
+                <a:solidFill>
+                  <a:schemeClr val="accent6">
+                    <a:lumMod val="75000"/>
+                    <a:alpha val="70000"/>
+                  </a:schemeClr>
+                </a:solidFill>
+              </a:rPr>
+              <a:t>]</a:t>
+            </a:r>
+          </a:p>
+        </p:txBody>
+      </p:sp>
+      <p:cxnSp>
+        <p:nvCxnSpPr>
+          <p:cNvPr id="5" name="Straight Arrow Connector 4">
+            <a:extLst>
+              <a:ext uri="{FF2B5EF4-FFF2-40B4-BE49-F238E27FC236}">
+                <a16:creationId xmlns:a16="http://schemas.microsoft.com/office/drawing/2014/main" id="{7B53E856-41DE-5B4A-BF2C-EA75A6F1FB7C}"/>
+              </a:ext>
+            </a:extLst>
+          </p:cNvPr>
+          <p:cNvCxnSpPr>
+            <a:cxnSpLocks/>
+          </p:cNvCxnSpPr>
+          <p:nvPr/>
+        </p:nvCxnSpPr>
+        <p:spPr>
+          <a:xfrm flipH="1">
+            <a:off x="4308265" y="3022415"/>
+            <a:ext cx="1407447" cy="10871"/>
+          </a:xfrm>
+          <a:prstGeom prst="straightConnector1">
+            <a:avLst/>
+          </a:prstGeom>
+          <a:ln w="111125">
+            <a:solidFill>
+              <a:srgbClr val="548235">
+                <a:alpha val="70196"/>
+              </a:srgbClr>
+            </a:solidFill>
+            <a:tailEnd type="triangle"/>
+          </a:ln>
+        </p:spPr>
+        <p:style>
+          <a:lnRef idx="1">
+            <a:schemeClr val="accent1"/>
+          </a:lnRef>
+          <a:fillRef idx="0">
+            <a:schemeClr val="accent1"/>
+          </a:fillRef>
+          <a:effectRef idx="0">
+            <a:schemeClr val="accent1"/>
+          </a:effectRef>
+          <a:fontRef idx="minor">
+            <a:schemeClr val="tx1"/>
+          </a:fontRef>
+        </p:style>
+      </p:cxnSp>
+      <p:pic>
+        <p:nvPicPr>
+          <p:cNvPr id="25" name="Picture 24">
+            <a:extLst>
+              <a:ext uri="{FF2B5EF4-FFF2-40B4-BE49-F238E27FC236}">
+                <a16:creationId xmlns:a16="http://schemas.microsoft.com/office/drawing/2014/main" id="{C3ECC24A-38AE-FD45-BAE6-D34667ECB6CA}"/>
+              </a:ext>
+            </a:extLst>
+          </p:cNvPr>
+          <p:cNvPicPr>
+            <a:picLocks noChangeAspect="1"/>
+          </p:cNvPicPr>
+          <p:nvPr/>
+        </p:nvPicPr>
+        <p:blipFill>
+          <a:blip r:embed="rId2"/>
+          <a:stretch>
+            <a:fillRect/>
+          </a:stretch>
+        </p:blipFill>
+        <p:spPr>
+          <a:xfrm>
+            <a:off x="8702040" y="3067845"/>
+            <a:ext cx="381000" cy="317500"/>
+          </a:xfrm>
+          <a:prstGeom prst="rect">
+            <a:avLst/>
+          </a:prstGeom>
+        </p:spPr>
+      </p:pic>
+      <p:sp>
+        <p:nvSpPr>
+          <p:cNvPr id="26" name="TextBox 25">
+            <a:extLst>
+              <a:ext uri="{FF2B5EF4-FFF2-40B4-BE49-F238E27FC236}">
+                <a16:creationId xmlns:a16="http://schemas.microsoft.com/office/drawing/2014/main" id="{2BB9D78D-B83D-D246-8F67-52495906112D}"/>
+              </a:ext>
+            </a:extLst>
+          </p:cNvPr>
+          <p:cNvSpPr txBox="1"/>
+          <p:nvPr/>
+        </p:nvSpPr>
+        <p:spPr>
+          <a:xfrm>
+            <a:off x="6383104" y="2371279"/>
+            <a:ext cx="708508" cy="769441"/>
+          </a:xfrm>
+          <a:prstGeom prst="rect">
+            <a:avLst/>
+          </a:prstGeom>
+          <a:noFill/>
+          <a:ln>
+            <a:noFill/>
+          </a:ln>
+        </p:spPr>
+        <p:txBody>
+          <a:bodyPr wrap="square" rtlCol="0">
+            <a:spAutoFit/>
+          </a:bodyPr>
+          <a:lstStyle/>
+          <a:p>
+            <a:r>
+              <a:rPr lang="en-US" sz="4400" dirty="0">
+                <a:solidFill>
+                  <a:schemeClr val="accent4">
+                    <a:lumMod val="75000"/>
+                    <a:alpha val="70000"/>
+                  </a:schemeClr>
+                </a:solidFill>
+              </a:rPr>
+              <a:t>]</a:t>
+            </a:r>
+          </a:p>
+        </p:txBody>
+      </p:sp>
+      <p:pic>
+        <p:nvPicPr>
+          <p:cNvPr id="16" name="Picture 15">
+            <a:extLst>
+              <a:ext uri="{FF2B5EF4-FFF2-40B4-BE49-F238E27FC236}">
+                <a16:creationId xmlns:a16="http://schemas.microsoft.com/office/drawing/2014/main" id="{C806E295-ADE0-8F4C-86B2-804E64227CF2}"/>
+              </a:ext>
+            </a:extLst>
+          </p:cNvPr>
+          <p:cNvPicPr>
+            <a:picLocks noChangeAspect="1"/>
+          </p:cNvPicPr>
+          <p:nvPr/>
+        </p:nvPicPr>
+        <p:blipFill>
+          <a:blip r:embed="rId3"/>
+          <a:stretch>
+            <a:fillRect/>
+          </a:stretch>
+        </p:blipFill>
+        <p:spPr>
+          <a:xfrm>
+            <a:off x="3986370" y="3285774"/>
+            <a:ext cx="825500" cy="254000"/>
+          </a:xfrm>
+          <a:prstGeom prst="rect">
+            <a:avLst/>
+          </a:prstGeom>
+        </p:spPr>
+      </p:pic>
+      <p:pic>
+        <p:nvPicPr>
+          <p:cNvPr id="17" name="Picture 16">
+            <a:extLst>
+              <a:ext uri="{FF2B5EF4-FFF2-40B4-BE49-F238E27FC236}">
+                <a16:creationId xmlns:a16="http://schemas.microsoft.com/office/drawing/2014/main" id="{E1A4EE15-DEB7-A94A-A59B-1438DA7D3B69}"/>
+              </a:ext>
+            </a:extLst>
+          </p:cNvPr>
+          <p:cNvPicPr>
+            <a:picLocks noChangeAspect="1"/>
+          </p:cNvPicPr>
+          <p:nvPr/>
+        </p:nvPicPr>
+        <p:blipFill>
+          <a:blip r:embed="rId4"/>
+          <a:stretch>
+            <a:fillRect/>
+          </a:stretch>
+        </p:blipFill>
+        <p:spPr>
+          <a:xfrm>
+            <a:off x="4800033" y="2290374"/>
+            <a:ext cx="1130300" cy="317500"/>
+          </a:xfrm>
+          <a:prstGeom prst="rect">
+            <a:avLst/>
+          </a:prstGeom>
+        </p:spPr>
+      </p:pic>
+    </p:spTree>
+    <p:extLst>
+      <p:ext uri="{BB962C8B-B14F-4D97-AF65-F5344CB8AC3E}">
+        <p14:creationId xmlns:p14="http://schemas.microsoft.com/office/powerpoint/2010/main" val="1594979763"/>
+      </p:ext>
+    </p:extLst>
+  </p:cSld>
+  <p:clrMapOvr>
+    <a:masterClrMapping/>
+  </p:clrMapOvr>
+</p:sld>
+</file>
+
+<file path=ppt/slides/slide8.xml><?xml version="1.0" encoding="utf-8"?>
+<p:sld xmlns:a="http://schemas.openxmlformats.org/drawingml/2006/main" xmlns:r="http://schemas.openxmlformats.org/officeDocument/2006/relationships" xmlns:p="http://schemas.openxmlformats.org/presentationml/2006/main">
+  <p:cSld>
+    <p:spTree>
+      <p:nvGrpSpPr>
+        <p:cNvPr id="1" name=""/>
+        <p:cNvGrpSpPr/>
+        <p:nvPr/>
+      </p:nvGrpSpPr>
+      <p:grpSpPr>
+        <a:xfrm>
+          <a:off x="0" y="0"/>
+          <a:ext cx="0" cy="0"/>
+          <a:chOff x="0" y="0"/>
+          <a:chExt cx="0" cy="0"/>
+        </a:xfrm>
+      </p:grpSpPr>
+      <p:sp>
+        <p:nvSpPr>
+          <p:cNvPr id="8" name="Freeform 7">
+            <a:extLst>
+              <a:ext uri="{FF2B5EF4-FFF2-40B4-BE49-F238E27FC236}">
+                <a16:creationId xmlns:a16="http://schemas.microsoft.com/office/drawing/2014/main" id="{30149E8B-A17F-DA46-B277-BE016F789BFC}"/>
+              </a:ext>
+            </a:extLst>
+          </p:cNvPr>
+          <p:cNvSpPr/>
+          <p:nvPr/>
+        </p:nvSpPr>
+        <p:spPr>
+          <a:xfrm>
+            <a:off x="1414073" y="1395452"/>
+            <a:ext cx="2117773" cy="2839502"/>
+          </a:xfrm>
+          <a:custGeom>
+            <a:avLst/>
+            <a:gdLst>
+              <a:gd name="connsiteX0" fmla="*/ 354491 w 2195042"/>
+              <a:gd name="connsiteY0" fmla="*/ 491545 h 2896527"/>
+              <a:gd name="connsiteX1" fmla="*/ 754541 w 2195042"/>
+              <a:gd name="connsiteY1" fmla="*/ 55 h 2896527"/>
+              <a:gd name="connsiteX2" fmla="*/ 1063151 w 2195042"/>
+              <a:gd name="connsiteY2" fmla="*/ 457255 h 2896527"/>
+              <a:gd name="connsiteX3" fmla="*/ 1588931 w 2195042"/>
+              <a:gd name="connsiteY3" fmla="*/ 148645 h 2896527"/>
+              <a:gd name="connsiteX4" fmla="*/ 2057561 w 2195042"/>
+              <a:gd name="connsiteY4" fmla="*/ 720145 h 2896527"/>
+              <a:gd name="connsiteX5" fmla="*/ 1886111 w 2195042"/>
+              <a:gd name="connsiteY5" fmla="*/ 1165915 h 2896527"/>
+              <a:gd name="connsiteX6" fmla="*/ 2194721 w 2195042"/>
+              <a:gd name="connsiteY6" fmla="*/ 1840285 h 2896527"/>
+              <a:gd name="connsiteX7" fmla="*/ 1817531 w 2195042"/>
+              <a:gd name="connsiteY7" fmla="*/ 2720395 h 2896527"/>
+              <a:gd name="connsiteX8" fmla="*/ 1291751 w 2195042"/>
+              <a:gd name="connsiteY8" fmla="*/ 2526085 h 2896527"/>
+              <a:gd name="connsiteX9" fmla="*/ 537371 w 2195042"/>
+              <a:gd name="connsiteY9" fmla="*/ 2891845 h 2896527"/>
+              <a:gd name="connsiteX10" fmla="*/ 525941 w 2195042"/>
+              <a:gd name="connsiteY10" fmla="*/ 2217475 h 2896527"/>
+              <a:gd name="connsiteX11" fmla="*/ 161 w 2195042"/>
+              <a:gd name="connsiteY11" fmla="*/ 1771705 h 2896527"/>
+              <a:gd name="connsiteX12" fmla="*/ 468791 w 2195042"/>
+              <a:gd name="connsiteY12" fmla="*/ 1211635 h 2896527"/>
+              <a:gd name="connsiteX13" fmla="*/ 354491 w 2195042"/>
+              <a:gd name="connsiteY13" fmla="*/ 491545 h 2896527"/>
+              <a:gd name="connsiteX0" fmla="*/ 354491 w 2194777"/>
+              <a:gd name="connsiteY0" fmla="*/ 491545 h 2896527"/>
+              <a:gd name="connsiteX1" fmla="*/ 754541 w 2194777"/>
+              <a:gd name="connsiteY1" fmla="*/ 55 h 2896527"/>
+              <a:gd name="connsiteX2" fmla="*/ 1063151 w 2194777"/>
+              <a:gd name="connsiteY2" fmla="*/ 457255 h 2896527"/>
+              <a:gd name="connsiteX3" fmla="*/ 1588931 w 2194777"/>
+              <a:gd name="connsiteY3" fmla="*/ 148645 h 2896527"/>
+              <a:gd name="connsiteX4" fmla="*/ 2057561 w 2194777"/>
+              <a:gd name="connsiteY4" fmla="*/ 720145 h 2896527"/>
+              <a:gd name="connsiteX5" fmla="*/ 1847610 w 2194777"/>
+              <a:gd name="connsiteY5" fmla="*/ 1339170 h 2896527"/>
+              <a:gd name="connsiteX6" fmla="*/ 2194721 w 2194777"/>
+              <a:gd name="connsiteY6" fmla="*/ 1840285 h 2896527"/>
+              <a:gd name="connsiteX7" fmla="*/ 1817531 w 2194777"/>
+              <a:gd name="connsiteY7" fmla="*/ 2720395 h 2896527"/>
+              <a:gd name="connsiteX8" fmla="*/ 1291751 w 2194777"/>
+              <a:gd name="connsiteY8" fmla="*/ 2526085 h 2896527"/>
+              <a:gd name="connsiteX9" fmla="*/ 537371 w 2194777"/>
+              <a:gd name="connsiteY9" fmla="*/ 2891845 h 2896527"/>
+              <a:gd name="connsiteX10" fmla="*/ 525941 w 2194777"/>
+              <a:gd name="connsiteY10" fmla="*/ 2217475 h 2896527"/>
+              <a:gd name="connsiteX11" fmla="*/ 161 w 2194777"/>
+              <a:gd name="connsiteY11" fmla="*/ 1771705 h 2896527"/>
+              <a:gd name="connsiteX12" fmla="*/ 468791 w 2194777"/>
+              <a:gd name="connsiteY12" fmla="*/ 1211635 h 2896527"/>
+              <a:gd name="connsiteX13" fmla="*/ 354491 w 2194777"/>
+              <a:gd name="connsiteY13" fmla="*/ 491545 h 2896527"/>
+              <a:gd name="connsiteX0" fmla="*/ 354470 w 2194756"/>
+              <a:gd name="connsiteY0" fmla="*/ 491545 h 2896527"/>
+              <a:gd name="connsiteX1" fmla="*/ 754520 w 2194756"/>
+              <a:gd name="connsiteY1" fmla="*/ 55 h 2896527"/>
+              <a:gd name="connsiteX2" fmla="*/ 1063130 w 2194756"/>
+              <a:gd name="connsiteY2" fmla="*/ 457255 h 2896527"/>
+              <a:gd name="connsiteX3" fmla="*/ 1588910 w 2194756"/>
+              <a:gd name="connsiteY3" fmla="*/ 148645 h 2896527"/>
+              <a:gd name="connsiteX4" fmla="*/ 2057540 w 2194756"/>
+              <a:gd name="connsiteY4" fmla="*/ 720145 h 2896527"/>
+              <a:gd name="connsiteX5" fmla="*/ 1847589 w 2194756"/>
+              <a:gd name="connsiteY5" fmla="*/ 1339170 h 2896527"/>
+              <a:gd name="connsiteX6" fmla="*/ 2194700 w 2194756"/>
+              <a:gd name="connsiteY6" fmla="*/ 1840285 h 2896527"/>
+              <a:gd name="connsiteX7" fmla="*/ 1817510 w 2194756"/>
+              <a:gd name="connsiteY7" fmla="*/ 2720395 h 2896527"/>
+              <a:gd name="connsiteX8" fmla="*/ 1291730 w 2194756"/>
+              <a:gd name="connsiteY8" fmla="*/ 2526085 h 2896527"/>
+              <a:gd name="connsiteX9" fmla="*/ 537350 w 2194756"/>
+              <a:gd name="connsiteY9" fmla="*/ 2891845 h 2896527"/>
+              <a:gd name="connsiteX10" fmla="*/ 525920 w 2194756"/>
+              <a:gd name="connsiteY10" fmla="*/ 2217475 h 2896527"/>
+              <a:gd name="connsiteX11" fmla="*/ 140 w 2194756"/>
+              <a:gd name="connsiteY11" fmla="*/ 1771705 h 2896527"/>
+              <a:gd name="connsiteX12" fmla="*/ 536147 w 2194756"/>
+              <a:gd name="connsiteY12" fmla="*/ 1115382 h 2896527"/>
+              <a:gd name="connsiteX13" fmla="*/ 354470 w 2194756"/>
+              <a:gd name="connsiteY13" fmla="*/ 491545 h 2896527"/>
+              <a:gd name="connsiteX0" fmla="*/ 277487 w 2117773"/>
+              <a:gd name="connsiteY0" fmla="*/ 491545 h 2896527"/>
+              <a:gd name="connsiteX1" fmla="*/ 677537 w 2117773"/>
+              <a:gd name="connsiteY1" fmla="*/ 55 h 2896527"/>
+              <a:gd name="connsiteX2" fmla="*/ 986147 w 2117773"/>
+              <a:gd name="connsiteY2" fmla="*/ 457255 h 2896527"/>
+              <a:gd name="connsiteX3" fmla="*/ 1511927 w 2117773"/>
+              <a:gd name="connsiteY3" fmla="*/ 148645 h 2896527"/>
+              <a:gd name="connsiteX4" fmla="*/ 1980557 w 2117773"/>
+              <a:gd name="connsiteY4" fmla="*/ 720145 h 2896527"/>
+              <a:gd name="connsiteX5" fmla="*/ 1770606 w 2117773"/>
+              <a:gd name="connsiteY5" fmla="*/ 1339170 h 2896527"/>
+              <a:gd name="connsiteX6" fmla="*/ 2117717 w 2117773"/>
+              <a:gd name="connsiteY6" fmla="*/ 1840285 h 2896527"/>
+              <a:gd name="connsiteX7" fmla="*/ 1740527 w 2117773"/>
+              <a:gd name="connsiteY7" fmla="*/ 2720395 h 2896527"/>
+              <a:gd name="connsiteX8" fmla="*/ 1214747 w 2117773"/>
+              <a:gd name="connsiteY8" fmla="*/ 2526085 h 2896527"/>
+              <a:gd name="connsiteX9" fmla="*/ 460367 w 2117773"/>
+              <a:gd name="connsiteY9" fmla="*/ 2891845 h 2896527"/>
+              <a:gd name="connsiteX10" fmla="*/ 448937 w 2117773"/>
+              <a:gd name="connsiteY10" fmla="*/ 2217475 h 2896527"/>
+              <a:gd name="connsiteX11" fmla="*/ 159 w 2117773"/>
+              <a:gd name="connsiteY11" fmla="*/ 1656202 h 2896527"/>
+              <a:gd name="connsiteX12" fmla="*/ 459164 w 2117773"/>
+              <a:gd name="connsiteY12" fmla="*/ 1115382 h 2896527"/>
+              <a:gd name="connsiteX13" fmla="*/ 277487 w 2117773"/>
+              <a:gd name="connsiteY13" fmla="*/ 491545 h 2896527"/>
+              <a:gd name="connsiteX0" fmla="*/ 277487 w 2117773"/>
+              <a:gd name="connsiteY0" fmla="*/ 491545 h 2894415"/>
+              <a:gd name="connsiteX1" fmla="*/ 677537 w 2117773"/>
+              <a:gd name="connsiteY1" fmla="*/ 55 h 2894415"/>
+              <a:gd name="connsiteX2" fmla="*/ 986147 w 2117773"/>
+              <a:gd name="connsiteY2" fmla="*/ 457255 h 2894415"/>
+              <a:gd name="connsiteX3" fmla="*/ 1511927 w 2117773"/>
+              <a:gd name="connsiteY3" fmla="*/ 148645 h 2894415"/>
+              <a:gd name="connsiteX4" fmla="*/ 1980557 w 2117773"/>
+              <a:gd name="connsiteY4" fmla="*/ 720145 h 2894415"/>
+              <a:gd name="connsiteX5" fmla="*/ 1770606 w 2117773"/>
+              <a:gd name="connsiteY5" fmla="*/ 1339170 h 2894415"/>
+              <a:gd name="connsiteX6" fmla="*/ 2117717 w 2117773"/>
+              <a:gd name="connsiteY6" fmla="*/ 1840285 h 2894415"/>
+              <a:gd name="connsiteX7" fmla="*/ 1740527 w 2117773"/>
+              <a:gd name="connsiteY7" fmla="*/ 2720395 h 2894415"/>
+              <a:gd name="connsiteX8" fmla="*/ 1214747 w 2117773"/>
+              <a:gd name="connsiteY8" fmla="*/ 2526085 h 2894415"/>
+              <a:gd name="connsiteX9" fmla="*/ 460367 w 2117773"/>
+              <a:gd name="connsiteY9" fmla="*/ 2891845 h 2894415"/>
+              <a:gd name="connsiteX10" fmla="*/ 458563 w 2117773"/>
+              <a:gd name="connsiteY10" fmla="*/ 2304103 h 2894415"/>
+              <a:gd name="connsiteX11" fmla="*/ 159 w 2117773"/>
+              <a:gd name="connsiteY11" fmla="*/ 1656202 h 2894415"/>
+              <a:gd name="connsiteX12" fmla="*/ 459164 w 2117773"/>
+              <a:gd name="connsiteY12" fmla="*/ 1115382 h 2894415"/>
+              <a:gd name="connsiteX13" fmla="*/ 277487 w 2117773"/>
+              <a:gd name="connsiteY13" fmla="*/ 491545 h 2894415"/>
+              <a:gd name="connsiteX0" fmla="*/ 277487 w 2117773"/>
+              <a:gd name="connsiteY0" fmla="*/ 491545 h 2932724"/>
+              <a:gd name="connsiteX1" fmla="*/ 677537 w 2117773"/>
+              <a:gd name="connsiteY1" fmla="*/ 55 h 2932724"/>
+              <a:gd name="connsiteX2" fmla="*/ 986147 w 2117773"/>
+              <a:gd name="connsiteY2" fmla="*/ 457255 h 2932724"/>
+              <a:gd name="connsiteX3" fmla="*/ 1511927 w 2117773"/>
+              <a:gd name="connsiteY3" fmla="*/ 148645 h 2932724"/>
+              <a:gd name="connsiteX4" fmla="*/ 1980557 w 2117773"/>
+              <a:gd name="connsiteY4" fmla="*/ 720145 h 2932724"/>
+              <a:gd name="connsiteX5" fmla="*/ 1770606 w 2117773"/>
+              <a:gd name="connsiteY5" fmla="*/ 1339170 h 2932724"/>
+              <a:gd name="connsiteX6" fmla="*/ 2117717 w 2117773"/>
+              <a:gd name="connsiteY6" fmla="*/ 1840285 h 2932724"/>
+              <a:gd name="connsiteX7" fmla="*/ 1740527 w 2117773"/>
+              <a:gd name="connsiteY7" fmla="*/ 2720395 h 2932724"/>
+              <a:gd name="connsiteX8" fmla="*/ 1214747 w 2117773"/>
+              <a:gd name="connsiteY8" fmla="*/ 2526085 h 2932724"/>
+              <a:gd name="connsiteX9" fmla="*/ 441116 w 2117773"/>
+              <a:gd name="connsiteY9" fmla="*/ 2930346 h 2932724"/>
+              <a:gd name="connsiteX10" fmla="*/ 458563 w 2117773"/>
+              <a:gd name="connsiteY10" fmla="*/ 2304103 h 2932724"/>
+              <a:gd name="connsiteX11" fmla="*/ 159 w 2117773"/>
+              <a:gd name="connsiteY11" fmla="*/ 1656202 h 2932724"/>
+              <a:gd name="connsiteX12" fmla="*/ 459164 w 2117773"/>
+              <a:gd name="connsiteY12" fmla="*/ 1115382 h 2932724"/>
+              <a:gd name="connsiteX13" fmla="*/ 277487 w 2117773"/>
+              <a:gd name="connsiteY13" fmla="*/ 491545 h 2932724"/>
+              <a:gd name="connsiteX0" fmla="*/ 277487 w 2117773"/>
+              <a:gd name="connsiteY0" fmla="*/ 491545 h 2966905"/>
+              <a:gd name="connsiteX1" fmla="*/ 677537 w 2117773"/>
+              <a:gd name="connsiteY1" fmla="*/ 55 h 2966905"/>
+              <a:gd name="connsiteX2" fmla="*/ 986147 w 2117773"/>
+              <a:gd name="connsiteY2" fmla="*/ 457255 h 2966905"/>
+              <a:gd name="connsiteX3" fmla="*/ 1511927 w 2117773"/>
+              <a:gd name="connsiteY3" fmla="*/ 148645 h 2966905"/>
+              <a:gd name="connsiteX4" fmla="*/ 1980557 w 2117773"/>
+              <a:gd name="connsiteY4" fmla="*/ 720145 h 2966905"/>
+              <a:gd name="connsiteX5" fmla="*/ 1770606 w 2117773"/>
+              <a:gd name="connsiteY5" fmla="*/ 1339170 h 2966905"/>
+              <a:gd name="connsiteX6" fmla="*/ 2117717 w 2117773"/>
+              <a:gd name="connsiteY6" fmla="*/ 1840285 h 2966905"/>
+              <a:gd name="connsiteX7" fmla="*/ 1740527 w 2117773"/>
+              <a:gd name="connsiteY7" fmla="*/ 2720395 h 2966905"/>
+              <a:gd name="connsiteX8" fmla="*/ 1214747 w 2117773"/>
+              <a:gd name="connsiteY8" fmla="*/ 2526085 h 2966905"/>
+              <a:gd name="connsiteX9" fmla="*/ 441116 w 2117773"/>
+              <a:gd name="connsiteY9" fmla="*/ 2930346 h 2966905"/>
+              <a:gd name="connsiteX10" fmla="*/ 458563 w 2117773"/>
+              <a:gd name="connsiteY10" fmla="*/ 2304103 h 2966905"/>
+              <a:gd name="connsiteX11" fmla="*/ 159 w 2117773"/>
+              <a:gd name="connsiteY11" fmla="*/ 1656202 h 2966905"/>
+              <a:gd name="connsiteX12" fmla="*/ 459164 w 2117773"/>
+              <a:gd name="connsiteY12" fmla="*/ 1115382 h 2966905"/>
+              <a:gd name="connsiteX13" fmla="*/ 277487 w 2117773"/>
+              <a:gd name="connsiteY13" fmla="*/ 491545 h 2966905"/>
+              <a:gd name="connsiteX0" fmla="*/ 277487 w 2117773"/>
+              <a:gd name="connsiteY0" fmla="*/ 491545 h 2839502"/>
+              <a:gd name="connsiteX1" fmla="*/ 677537 w 2117773"/>
+              <a:gd name="connsiteY1" fmla="*/ 55 h 2839502"/>
+              <a:gd name="connsiteX2" fmla="*/ 986147 w 2117773"/>
+              <a:gd name="connsiteY2" fmla="*/ 457255 h 2839502"/>
+              <a:gd name="connsiteX3" fmla="*/ 1511927 w 2117773"/>
+              <a:gd name="connsiteY3" fmla="*/ 148645 h 2839502"/>
+              <a:gd name="connsiteX4" fmla="*/ 1980557 w 2117773"/>
+              <a:gd name="connsiteY4" fmla="*/ 720145 h 2839502"/>
+              <a:gd name="connsiteX5" fmla="*/ 1770606 w 2117773"/>
+              <a:gd name="connsiteY5" fmla="*/ 1339170 h 2839502"/>
+              <a:gd name="connsiteX6" fmla="*/ 2117717 w 2117773"/>
+              <a:gd name="connsiteY6" fmla="*/ 1840285 h 2839502"/>
+              <a:gd name="connsiteX7" fmla="*/ 1740527 w 2117773"/>
+              <a:gd name="connsiteY7" fmla="*/ 2720395 h 2839502"/>
+              <a:gd name="connsiteX8" fmla="*/ 1214747 w 2117773"/>
+              <a:gd name="connsiteY8" fmla="*/ 2526085 h 2839502"/>
+              <a:gd name="connsiteX9" fmla="*/ 546994 w 2117773"/>
+              <a:gd name="connsiteY9" fmla="*/ 2795593 h 2839502"/>
+              <a:gd name="connsiteX10" fmla="*/ 458563 w 2117773"/>
+              <a:gd name="connsiteY10" fmla="*/ 2304103 h 2839502"/>
+              <a:gd name="connsiteX11" fmla="*/ 159 w 2117773"/>
+              <a:gd name="connsiteY11" fmla="*/ 1656202 h 2839502"/>
+              <a:gd name="connsiteX12" fmla="*/ 459164 w 2117773"/>
+              <a:gd name="connsiteY12" fmla="*/ 1115382 h 2839502"/>
+              <a:gd name="connsiteX13" fmla="*/ 277487 w 2117773"/>
+              <a:gd name="connsiteY13" fmla="*/ 491545 h 2839502"/>
+              <a:gd name="connsiteX0" fmla="*/ 277487 w 2117773"/>
+              <a:gd name="connsiteY0" fmla="*/ 491545 h 2890591"/>
+              <a:gd name="connsiteX1" fmla="*/ 677537 w 2117773"/>
+              <a:gd name="connsiteY1" fmla="*/ 55 h 2890591"/>
+              <a:gd name="connsiteX2" fmla="*/ 986147 w 2117773"/>
+              <a:gd name="connsiteY2" fmla="*/ 457255 h 2890591"/>
+              <a:gd name="connsiteX3" fmla="*/ 1511927 w 2117773"/>
+              <a:gd name="connsiteY3" fmla="*/ 148645 h 2890591"/>
+              <a:gd name="connsiteX4" fmla="*/ 1980557 w 2117773"/>
+              <a:gd name="connsiteY4" fmla="*/ 720145 h 2890591"/>
+              <a:gd name="connsiteX5" fmla="*/ 1770606 w 2117773"/>
+              <a:gd name="connsiteY5" fmla="*/ 1339170 h 2890591"/>
+              <a:gd name="connsiteX6" fmla="*/ 2117717 w 2117773"/>
+              <a:gd name="connsiteY6" fmla="*/ 1840285 h 2890591"/>
+              <a:gd name="connsiteX7" fmla="*/ 1740527 w 2117773"/>
+              <a:gd name="connsiteY7" fmla="*/ 2720395 h 2890591"/>
+              <a:gd name="connsiteX8" fmla="*/ 1214747 w 2117773"/>
+              <a:gd name="connsiteY8" fmla="*/ 2526085 h 2890591"/>
+              <a:gd name="connsiteX9" fmla="*/ 546994 w 2117773"/>
+              <a:gd name="connsiteY9" fmla="*/ 2795593 h 2890591"/>
+              <a:gd name="connsiteX10" fmla="*/ 458563 w 2117773"/>
+              <a:gd name="connsiteY10" fmla="*/ 2304103 h 2890591"/>
+              <a:gd name="connsiteX11" fmla="*/ 159 w 2117773"/>
+              <a:gd name="connsiteY11" fmla="*/ 1656202 h 2890591"/>
+              <a:gd name="connsiteX12" fmla="*/ 459164 w 2117773"/>
+              <a:gd name="connsiteY12" fmla="*/ 1115382 h 2890591"/>
+              <a:gd name="connsiteX13" fmla="*/ 277487 w 2117773"/>
+              <a:gd name="connsiteY13" fmla="*/ 491545 h 2890591"/>
+              <a:gd name="connsiteX0" fmla="*/ 277487 w 2117773"/>
+              <a:gd name="connsiteY0" fmla="*/ 491545 h 2811775"/>
+              <a:gd name="connsiteX1" fmla="*/ 677537 w 2117773"/>
+              <a:gd name="connsiteY1" fmla="*/ 55 h 2811775"/>
+              <a:gd name="connsiteX2" fmla="*/ 986147 w 2117773"/>
+              <a:gd name="connsiteY2" fmla="*/ 457255 h 2811775"/>
+              <a:gd name="connsiteX3" fmla="*/ 1511927 w 2117773"/>
+              <a:gd name="connsiteY3" fmla="*/ 148645 h 2811775"/>
+              <a:gd name="connsiteX4" fmla="*/ 1980557 w 2117773"/>
+              <a:gd name="connsiteY4" fmla="*/ 720145 h 2811775"/>
+              <a:gd name="connsiteX5" fmla="*/ 1770606 w 2117773"/>
+              <a:gd name="connsiteY5" fmla="*/ 1339170 h 2811775"/>
+              <a:gd name="connsiteX6" fmla="*/ 2117717 w 2117773"/>
+              <a:gd name="connsiteY6" fmla="*/ 1840285 h 2811775"/>
+              <a:gd name="connsiteX7" fmla="*/ 1740527 w 2117773"/>
+              <a:gd name="connsiteY7" fmla="*/ 2720395 h 2811775"/>
+              <a:gd name="connsiteX8" fmla="*/ 1214747 w 2117773"/>
+              <a:gd name="connsiteY8" fmla="*/ 2526085 h 2811775"/>
+              <a:gd name="connsiteX9" fmla="*/ 546994 w 2117773"/>
+              <a:gd name="connsiteY9" fmla="*/ 2795593 h 2811775"/>
+              <a:gd name="connsiteX10" fmla="*/ 458563 w 2117773"/>
+              <a:gd name="connsiteY10" fmla="*/ 2304103 h 2811775"/>
+              <a:gd name="connsiteX11" fmla="*/ 159 w 2117773"/>
+              <a:gd name="connsiteY11" fmla="*/ 1656202 h 2811775"/>
+              <a:gd name="connsiteX12" fmla="*/ 459164 w 2117773"/>
+              <a:gd name="connsiteY12" fmla="*/ 1115382 h 2811775"/>
+              <a:gd name="connsiteX13" fmla="*/ 277487 w 2117773"/>
+              <a:gd name="connsiteY13" fmla="*/ 491545 h 2811775"/>
+              <a:gd name="connsiteX0" fmla="*/ 277487 w 2117773"/>
+              <a:gd name="connsiteY0" fmla="*/ 491545 h 2839502"/>
+              <a:gd name="connsiteX1" fmla="*/ 677537 w 2117773"/>
+              <a:gd name="connsiteY1" fmla="*/ 55 h 2839502"/>
+              <a:gd name="connsiteX2" fmla="*/ 986147 w 2117773"/>
+              <a:gd name="connsiteY2" fmla="*/ 457255 h 2839502"/>
+              <a:gd name="connsiteX3" fmla="*/ 1511927 w 2117773"/>
+              <a:gd name="connsiteY3" fmla="*/ 148645 h 2839502"/>
+              <a:gd name="connsiteX4" fmla="*/ 1980557 w 2117773"/>
+              <a:gd name="connsiteY4" fmla="*/ 720145 h 2839502"/>
+              <a:gd name="connsiteX5" fmla="*/ 1770606 w 2117773"/>
+              <a:gd name="connsiteY5" fmla="*/ 1339170 h 2839502"/>
+              <a:gd name="connsiteX6" fmla="*/ 2117717 w 2117773"/>
+              <a:gd name="connsiteY6" fmla="*/ 1840285 h 2839502"/>
+              <a:gd name="connsiteX7" fmla="*/ 1740527 w 2117773"/>
+              <a:gd name="connsiteY7" fmla="*/ 2720395 h 2839502"/>
+              <a:gd name="connsiteX8" fmla="*/ 1214747 w 2117773"/>
+              <a:gd name="connsiteY8" fmla="*/ 2526085 h 2839502"/>
+              <a:gd name="connsiteX9" fmla="*/ 546994 w 2117773"/>
+              <a:gd name="connsiteY9" fmla="*/ 2795593 h 2839502"/>
+              <a:gd name="connsiteX10" fmla="*/ 458563 w 2117773"/>
+              <a:gd name="connsiteY10" fmla="*/ 2304103 h 2839502"/>
+              <a:gd name="connsiteX11" fmla="*/ 159 w 2117773"/>
+              <a:gd name="connsiteY11" fmla="*/ 1656202 h 2839502"/>
+              <a:gd name="connsiteX12" fmla="*/ 459164 w 2117773"/>
+              <a:gd name="connsiteY12" fmla="*/ 1115382 h 2839502"/>
+              <a:gd name="connsiteX13" fmla="*/ 277487 w 2117773"/>
+              <a:gd name="connsiteY13" fmla="*/ 491545 h 2839502"/>
+            </a:gdLst>
+            <a:ahLst/>
+            <a:cxnLst>
+              <a:cxn ang="0">
+                <a:pos x="connsiteX0" y="connsiteY0"/>
+              </a:cxn>
+              <a:cxn ang="0">
+                <a:pos x="connsiteX1" y="connsiteY1"/>
+              </a:cxn>
+              <a:cxn ang="0">
+                <a:pos x="connsiteX2" y="connsiteY2"/>
+              </a:cxn>
+              <a:cxn ang="0">
+                <a:pos x="connsiteX3" y="connsiteY3"/>
+              </a:cxn>
+              <a:cxn ang="0">
+                <a:pos x="connsiteX4" y="connsiteY4"/>
+              </a:cxn>
+              <a:cxn ang="0">
+                <a:pos x="connsiteX5" y="connsiteY5"/>
+              </a:cxn>
+              <a:cxn ang="0">
+                <a:pos x="connsiteX6" y="connsiteY6"/>
+              </a:cxn>
+              <a:cxn ang="0">
+                <a:pos x="connsiteX7" y="connsiteY7"/>
+              </a:cxn>
+              <a:cxn ang="0">
+                <a:pos x="connsiteX8" y="connsiteY8"/>
+              </a:cxn>
+              <a:cxn ang="0">
+                <a:pos x="connsiteX9" y="connsiteY9"/>
+              </a:cxn>
+              <a:cxn ang="0">
+                <a:pos x="connsiteX10" y="connsiteY10"/>
+              </a:cxn>
+              <a:cxn ang="0">
+                <a:pos x="connsiteX11" y="connsiteY11"/>
+              </a:cxn>
+              <a:cxn ang="0">
+                <a:pos x="connsiteX12" y="connsiteY12"/>
+              </a:cxn>
+              <a:cxn ang="0">
+                <a:pos x="connsiteX13" y="connsiteY13"/>
+              </a:cxn>
+            </a:cxnLst>
+            <a:rect l="l" t="t" r="r" b="b"/>
+            <a:pathLst>
+              <a:path w="2117773" h="2839502">
+                <a:moveTo>
+                  <a:pt x="277487" y="491545"/>
+                </a:moveTo>
+                <a:cubicBezTo>
+                  <a:pt x="313883" y="305657"/>
+                  <a:pt x="559427" y="5770"/>
+                  <a:pt x="677537" y="55"/>
+                </a:cubicBezTo>
+                <a:cubicBezTo>
+                  <a:pt x="795647" y="-5660"/>
+                  <a:pt x="847082" y="432490"/>
+                  <a:pt x="986147" y="457255"/>
+                </a:cubicBezTo>
+                <a:cubicBezTo>
+                  <a:pt x="1125212" y="482020"/>
+                  <a:pt x="1346192" y="104830"/>
+                  <a:pt x="1511927" y="148645"/>
+                </a:cubicBezTo>
+                <a:cubicBezTo>
+                  <a:pt x="1677662" y="192460"/>
+                  <a:pt x="1937444" y="521724"/>
+                  <a:pt x="1980557" y="720145"/>
+                </a:cubicBezTo>
+                <a:cubicBezTo>
+                  <a:pt x="2023670" y="918566"/>
+                  <a:pt x="1747746" y="1152480"/>
+                  <a:pt x="1770606" y="1339170"/>
+                </a:cubicBezTo>
+                <a:cubicBezTo>
+                  <a:pt x="1793466" y="1525860"/>
+                  <a:pt x="2122730" y="1610081"/>
+                  <a:pt x="2117717" y="1840285"/>
+                </a:cubicBezTo>
+                <a:cubicBezTo>
+                  <a:pt x="2112704" y="2070489"/>
+                  <a:pt x="1891022" y="2606095"/>
+                  <a:pt x="1740527" y="2720395"/>
+                </a:cubicBezTo>
+                <a:cubicBezTo>
+                  <a:pt x="1590032" y="2834695"/>
+                  <a:pt x="1413669" y="2513552"/>
+                  <a:pt x="1214747" y="2526085"/>
+                </a:cubicBezTo>
+                <a:cubicBezTo>
+                  <a:pt x="1015825" y="2538618"/>
+                  <a:pt x="865529" y="2976970"/>
+                  <a:pt x="546994" y="2795593"/>
+                </a:cubicBezTo>
+                <a:cubicBezTo>
+                  <a:pt x="228459" y="2614216"/>
+                  <a:pt x="549702" y="2494001"/>
+                  <a:pt x="458563" y="2304103"/>
+                </a:cubicBezTo>
+                <a:cubicBezTo>
+                  <a:pt x="367424" y="2114205"/>
+                  <a:pt x="9684" y="1823842"/>
+                  <a:pt x="159" y="1656202"/>
+                </a:cubicBezTo>
+                <a:cubicBezTo>
+                  <a:pt x="-9366" y="1488562"/>
+                  <a:pt x="412943" y="1309492"/>
+                  <a:pt x="459164" y="1115382"/>
+                </a:cubicBezTo>
+                <a:cubicBezTo>
+                  <a:pt x="505385" y="921273"/>
+                  <a:pt x="241092" y="677433"/>
+                  <a:pt x="277487" y="491545"/>
+                </a:cubicBezTo>
+                <a:close/>
+              </a:path>
+            </a:pathLst>
+          </a:custGeom>
+          <a:ln w="28575">
+            <a:solidFill>
+              <a:schemeClr val="tx1">
+                <a:lumMod val="85000"/>
+                <a:lumOff val="15000"/>
+              </a:schemeClr>
+            </a:solidFill>
+          </a:ln>
+        </p:spPr>
+        <p:style>
+          <a:lnRef idx="2">
+            <a:schemeClr val="accent6"/>
+          </a:lnRef>
+          <a:fillRef idx="1">
+            <a:schemeClr val="lt1"/>
+          </a:fillRef>
+          <a:effectRef idx="0">
+            <a:schemeClr val="accent6"/>
+          </a:effectRef>
+          <a:fontRef idx="minor">
+            <a:schemeClr val="dk1"/>
+          </a:fontRef>
+        </p:style>
+        <p:txBody>
+          <a:bodyPr rtlCol="0" anchor="ctr"/>
+          <a:lstStyle/>
+          <a:p>
+            <a:pPr algn="ctr"/>
+            <a:endParaRPr lang="en-US"/>
+          </a:p>
+        </p:txBody>
+      </p:sp>
+      <p:sp>
+        <p:nvSpPr>
+          <p:cNvPr id="9" name="Oval 8">
+            <a:extLst>
+              <a:ext uri="{FF2B5EF4-FFF2-40B4-BE49-F238E27FC236}">
+                <a16:creationId xmlns:a16="http://schemas.microsoft.com/office/drawing/2014/main" id="{1D6041E9-B840-EE42-90C6-BD4B9761BD20}"/>
+              </a:ext>
+            </a:extLst>
+          </p:cNvPr>
+          <p:cNvSpPr/>
+          <p:nvPr/>
+        </p:nvSpPr>
+        <p:spPr>
+          <a:xfrm>
+            <a:off x="2434590" y="2228510"/>
+            <a:ext cx="205740" cy="205740"/>
+          </a:xfrm>
+          <a:prstGeom prst="ellipse">
+            <a:avLst/>
+          </a:prstGeom>
+          <a:solidFill>
+            <a:schemeClr val="bg1">
+              <a:lumMod val="50000"/>
+            </a:schemeClr>
+          </a:solidFill>
+        </p:spPr>
+        <p:style>
+          <a:lnRef idx="2">
+            <a:schemeClr val="accent1">
+              <a:shade val="50000"/>
+            </a:schemeClr>
+          </a:lnRef>
+          <a:fillRef idx="1">
+            <a:schemeClr val="accent1"/>
+          </a:fillRef>
+          <a:effectRef idx="0">
+            <a:schemeClr val="accent1"/>
+          </a:effectRef>
+          <a:fontRef idx="minor">
+            <a:schemeClr val="lt1"/>
+          </a:fontRef>
+        </p:style>
+        <p:txBody>
+          <a:bodyPr rtlCol="0" anchor="ctr"/>
+          <a:lstStyle/>
+          <a:p>
+            <a:pPr algn="ctr"/>
+            <a:endParaRPr lang="en-US"/>
+          </a:p>
+        </p:txBody>
+      </p:sp>
+      <p:sp>
+        <p:nvSpPr>
+          <p:cNvPr id="10" name="Oval 9">
+            <a:extLst>
+              <a:ext uri="{FF2B5EF4-FFF2-40B4-BE49-F238E27FC236}">
+                <a16:creationId xmlns:a16="http://schemas.microsoft.com/office/drawing/2014/main" id="{49C06CA3-80B9-2042-9740-94E387CAEB58}"/>
+              </a:ext>
+            </a:extLst>
+          </p:cNvPr>
+          <p:cNvSpPr/>
+          <p:nvPr/>
+        </p:nvSpPr>
+        <p:spPr>
+          <a:xfrm>
+            <a:off x="2434590" y="3088101"/>
+            <a:ext cx="205740" cy="205740"/>
+          </a:xfrm>
+          <a:prstGeom prst="ellipse">
+            <a:avLst/>
+          </a:prstGeom>
+          <a:solidFill>
+            <a:schemeClr val="bg1">
+              <a:lumMod val="50000"/>
+            </a:schemeClr>
+          </a:solidFill>
+        </p:spPr>
+        <p:style>
+          <a:lnRef idx="2">
+            <a:schemeClr val="accent1">
+              <a:shade val="50000"/>
+            </a:schemeClr>
+          </a:lnRef>
+          <a:fillRef idx="1">
+            <a:schemeClr val="accent1"/>
+          </a:fillRef>
+          <a:effectRef idx="0">
+            <a:schemeClr val="accent1"/>
+          </a:effectRef>
+          <a:fontRef idx="minor">
+            <a:schemeClr val="lt1"/>
+          </a:fontRef>
+        </p:style>
+        <p:txBody>
+          <a:bodyPr rtlCol="0" anchor="ctr"/>
+          <a:lstStyle/>
+          <a:p>
+            <a:pPr algn="ctr"/>
+            <a:endParaRPr lang="en-US"/>
+          </a:p>
+        </p:txBody>
+      </p:sp>
+      <p:sp>
+        <p:nvSpPr>
+          <p:cNvPr id="11" name="TextBox 10">
+            <a:extLst>
+              <a:ext uri="{FF2B5EF4-FFF2-40B4-BE49-F238E27FC236}">
+                <a16:creationId xmlns:a16="http://schemas.microsoft.com/office/drawing/2014/main" id="{5D4D47CA-6B9D-5B4D-BABF-1A15EA7BD817}"/>
+              </a:ext>
+            </a:extLst>
+          </p:cNvPr>
+          <p:cNvSpPr txBox="1"/>
+          <p:nvPr/>
+        </p:nvSpPr>
+        <p:spPr>
+          <a:xfrm>
+            <a:off x="1998252" y="2266363"/>
+            <a:ext cx="436338" cy="461665"/>
+          </a:xfrm>
+          <a:prstGeom prst="rect">
+            <a:avLst/>
+          </a:prstGeom>
+          <a:noFill/>
+        </p:spPr>
+        <p:txBody>
+          <a:bodyPr wrap="none" rtlCol="0">
+            <a:spAutoFit/>
+          </a:bodyPr>
+          <a:lstStyle/>
+          <a:p>
+            <a:r>
+              <a:rPr lang="en-US" sz="2400" b="1" dirty="0">
+                <a:latin typeface="Bookman Old Style" panose="02050604050505020204" pitchFamily="18" charset="0"/>
+              </a:rPr>
+              <a:t>H</a:t>
+            </a:r>
+          </a:p>
+        </p:txBody>
+      </p:sp>
+      <p:sp>
+        <p:nvSpPr>
+          <p:cNvPr id="12" name="TextBox 11">
+            <a:extLst>
+              <a:ext uri="{FF2B5EF4-FFF2-40B4-BE49-F238E27FC236}">
+                <a16:creationId xmlns:a16="http://schemas.microsoft.com/office/drawing/2014/main" id="{5998B3B4-ABDE-A548-8173-DCA6092C5B19}"/>
+              </a:ext>
+            </a:extLst>
+          </p:cNvPr>
+          <p:cNvSpPr txBox="1"/>
+          <p:nvPr/>
+        </p:nvSpPr>
+        <p:spPr>
+          <a:xfrm>
+            <a:off x="2016687" y="3088101"/>
+            <a:ext cx="399468" cy="461665"/>
+          </a:xfrm>
+          <a:prstGeom prst="rect">
+            <a:avLst/>
+          </a:prstGeom>
+          <a:noFill/>
+        </p:spPr>
+        <p:txBody>
+          <a:bodyPr wrap="none" rtlCol="0">
+            <a:spAutoFit/>
+          </a:bodyPr>
+          <a:lstStyle/>
+          <a:p>
+            <a:r>
+              <a:rPr lang="en-US" sz="2400" b="1" dirty="0">
+                <a:latin typeface="Bookman Old Style" panose="02050604050505020204" pitchFamily="18" charset="0"/>
+              </a:rPr>
+              <a:t>T</a:t>
+            </a:r>
+          </a:p>
+        </p:txBody>
+      </p:sp>
+      <p:cxnSp>
+        <p:nvCxnSpPr>
+          <p:cNvPr id="14" name="Straight Arrow Connector 13">
+            <a:extLst>
+              <a:ext uri="{FF2B5EF4-FFF2-40B4-BE49-F238E27FC236}">
+                <a16:creationId xmlns:a16="http://schemas.microsoft.com/office/drawing/2014/main" id="{57087A8D-DCC6-C240-9B7D-6C0847135B72}"/>
+              </a:ext>
+            </a:extLst>
+          </p:cNvPr>
+          <p:cNvCxnSpPr>
+            <a:cxnSpLocks/>
+          </p:cNvCxnSpPr>
+          <p:nvPr/>
+        </p:nvCxnSpPr>
+        <p:spPr>
+          <a:xfrm>
+            <a:off x="4308265" y="2894131"/>
+            <a:ext cx="4928332" cy="0"/>
+          </a:xfrm>
+          <a:prstGeom prst="straightConnector1">
+            <a:avLst/>
+          </a:prstGeom>
+          <a:ln w="28575">
+            <a:solidFill>
+              <a:schemeClr val="tx1">
+                <a:lumMod val="85000"/>
+                <a:lumOff val="15000"/>
+              </a:schemeClr>
+            </a:solidFill>
+            <a:tailEnd type="stealth" w="lg" len="lg"/>
+          </a:ln>
+        </p:spPr>
+        <p:style>
+          <a:lnRef idx="1">
+            <a:schemeClr val="accent1"/>
+          </a:lnRef>
+          <a:fillRef idx="0">
+            <a:schemeClr val="accent1"/>
+          </a:fillRef>
+          <a:effectRef idx="0">
+            <a:schemeClr val="accent1"/>
+          </a:effectRef>
+          <a:fontRef idx="minor">
+            <a:schemeClr val="tx1"/>
+          </a:fontRef>
+        </p:style>
+      </p:cxnSp>
+      <p:cxnSp>
+        <p:nvCxnSpPr>
+          <p:cNvPr id="18" name="Straight Arrow Connector 17">
+            <a:extLst>
+              <a:ext uri="{FF2B5EF4-FFF2-40B4-BE49-F238E27FC236}">
+                <a16:creationId xmlns:a16="http://schemas.microsoft.com/office/drawing/2014/main" id="{D760D21B-9A44-954D-A1C6-7BC7699B6A0D}"/>
+              </a:ext>
+            </a:extLst>
+          </p:cNvPr>
+          <p:cNvCxnSpPr>
+            <a:cxnSpLocks/>
+          </p:cNvCxnSpPr>
+          <p:nvPr/>
+        </p:nvCxnSpPr>
+        <p:spPr>
+          <a:xfrm flipV="1">
+            <a:off x="8422818" y="2754976"/>
+            <a:ext cx="0" cy="278310"/>
+          </a:xfrm>
+          <a:prstGeom prst="straightConnector1">
+            <a:avLst/>
+          </a:prstGeom>
+          <a:ln w="28575">
+            <a:solidFill>
+              <a:schemeClr val="tx1">
+                <a:lumMod val="85000"/>
+                <a:lumOff val="15000"/>
+              </a:schemeClr>
+            </a:solidFill>
+            <a:tailEnd type="none" w="lg" len="lg"/>
+          </a:ln>
+        </p:spPr>
+        <p:style>
+          <a:lnRef idx="1">
+            <a:schemeClr val="accent1"/>
+          </a:lnRef>
+          <a:fillRef idx="0">
+            <a:schemeClr val="accent1"/>
+          </a:fillRef>
+          <a:effectRef idx="0">
+            <a:schemeClr val="accent1"/>
+          </a:effectRef>
+          <a:fontRef idx="minor">
+            <a:schemeClr val="tx1"/>
+          </a:fontRef>
+        </p:style>
+      </p:cxnSp>
+      <p:cxnSp>
+        <p:nvCxnSpPr>
+          <p:cNvPr id="21" name="Straight Arrow Connector 20">
+            <a:extLst>
+              <a:ext uri="{FF2B5EF4-FFF2-40B4-BE49-F238E27FC236}">
+                <a16:creationId xmlns:a16="http://schemas.microsoft.com/office/drawing/2014/main" id="{B9B8B844-7B67-0F4C-AC20-E0E9A16CBB2C}"/>
+              </a:ext>
+            </a:extLst>
+          </p:cNvPr>
+          <p:cNvCxnSpPr>
+            <a:cxnSpLocks/>
+          </p:cNvCxnSpPr>
+          <p:nvPr/>
+        </p:nvCxnSpPr>
+        <p:spPr>
+          <a:xfrm flipV="1">
+            <a:off x="7626701" y="2754976"/>
+            <a:ext cx="0" cy="278310"/>
+          </a:xfrm>
+          <a:prstGeom prst="straightConnector1">
+            <a:avLst/>
+          </a:prstGeom>
+          <a:ln w="28575">
+            <a:solidFill>
+              <a:schemeClr val="tx1">
+                <a:lumMod val="85000"/>
+                <a:lumOff val="15000"/>
+              </a:schemeClr>
+            </a:solidFill>
+            <a:tailEnd type="none" w="lg" len="lg"/>
+          </a:ln>
+        </p:spPr>
+        <p:style>
+          <a:lnRef idx="1">
+            <a:schemeClr val="accent1"/>
+          </a:lnRef>
+          <a:fillRef idx="0">
+            <a:schemeClr val="accent1"/>
+          </a:fillRef>
+          <a:effectRef idx="0">
+            <a:schemeClr val="accent1"/>
+          </a:effectRef>
+          <a:fontRef idx="minor">
+            <a:schemeClr val="tx1"/>
+          </a:fontRef>
+        </p:style>
+      </p:cxnSp>
+      <p:sp>
+        <p:nvSpPr>
+          <p:cNvPr id="23" name="TextBox 22">
+            <a:extLst>
+              <a:ext uri="{FF2B5EF4-FFF2-40B4-BE49-F238E27FC236}">
+                <a16:creationId xmlns:a16="http://schemas.microsoft.com/office/drawing/2014/main" id="{356F14ED-1F89-374B-8F1C-E5531F81E68D}"/>
+              </a:ext>
+            </a:extLst>
+          </p:cNvPr>
+          <p:cNvSpPr txBox="1"/>
+          <p:nvPr/>
+        </p:nvSpPr>
+        <p:spPr>
+          <a:xfrm>
+            <a:off x="5543550" y="3141650"/>
+            <a:ext cx="552450" cy="461665"/>
+          </a:xfrm>
+          <a:prstGeom prst="rect">
+            <a:avLst/>
+          </a:prstGeom>
+          <a:noFill/>
+        </p:spPr>
+        <p:txBody>
+          <a:bodyPr wrap="square" rtlCol="0">
+            <a:spAutoFit/>
+          </a:bodyPr>
+          <a:lstStyle/>
+          <a:p>
+            <a:r>
+              <a:rPr lang="en-US" sz="2400" dirty="0"/>
+              <a:t>0</a:t>
+            </a:r>
+          </a:p>
+        </p:txBody>
+      </p:sp>
+      <p:sp>
+        <p:nvSpPr>
+          <p:cNvPr id="24" name="TextBox 23">
+            <a:extLst>
+              <a:ext uri="{FF2B5EF4-FFF2-40B4-BE49-F238E27FC236}">
+                <a16:creationId xmlns:a16="http://schemas.microsoft.com/office/drawing/2014/main" id="{4DFC9158-1143-1245-9BC7-FA616BEC34BF}"/>
+              </a:ext>
+            </a:extLst>
+          </p:cNvPr>
+          <p:cNvSpPr txBox="1"/>
+          <p:nvPr/>
+        </p:nvSpPr>
+        <p:spPr>
+          <a:xfrm>
+            <a:off x="7520619" y="3141650"/>
+            <a:ext cx="552450" cy="461665"/>
+          </a:xfrm>
+          <a:prstGeom prst="rect">
+            <a:avLst/>
+          </a:prstGeom>
+          <a:noFill/>
+        </p:spPr>
+        <p:txBody>
+          <a:bodyPr wrap="square" rtlCol="0">
+            <a:spAutoFit/>
+          </a:bodyPr>
+          <a:lstStyle/>
+          <a:p>
+            <a:r>
+              <a:rPr lang="en-US" sz="2400" dirty="0"/>
+              <a:t>1</a:t>
+            </a:r>
+          </a:p>
+        </p:txBody>
+      </p:sp>
+      <p:grpSp>
+        <p:nvGrpSpPr>
+          <p:cNvPr id="41" name="Group 40">
+            <a:extLst>
+              <a:ext uri="{FF2B5EF4-FFF2-40B4-BE49-F238E27FC236}">
+                <a16:creationId xmlns:a16="http://schemas.microsoft.com/office/drawing/2014/main" id="{7A9295C7-485B-B942-BC04-250D3ED8A51F}"/>
+              </a:ext>
+            </a:extLst>
+          </p:cNvPr>
+          <p:cNvGrpSpPr/>
+          <p:nvPr/>
+        </p:nvGrpSpPr>
+        <p:grpSpPr>
+          <a:xfrm>
+            <a:off x="2640330" y="1574659"/>
+            <a:ext cx="4926883" cy="1245737"/>
+            <a:chOff x="2640330" y="1574659"/>
+            <a:chExt cx="4926883" cy="1245737"/>
+          </a:xfrm>
+        </p:grpSpPr>
+        <p:cxnSp>
+          <p:nvCxnSpPr>
+            <p:cNvPr id="29" name="Straight Connector 28">
+              <a:extLst>
+                <a:ext uri="{FF2B5EF4-FFF2-40B4-BE49-F238E27FC236}">
+                  <a16:creationId xmlns:a16="http://schemas.microsoft.com/office/drawing/2014/main" id="{70FA8823-861E-4D4D-A28F-2B3B94201797}"/>
+                </a:ext>
+              </a:extLst>
+            </p:cNvPr>
+            <p:cNvCxnSpPr>
+              <a:cxnSpLocks/>
+            </p:cNvCxnSpPr>
+            <p:nvPr/>
+          </p:nvCxnSpPr>
+          <p:spPr>
+            <a:xfrm flipV="1">
+              <a:off x="2640330" y="1574659"/>
+              <a:ext cx="891781" cy="691704"/>
+            </a:xfrm>
+            <a:prstGeom prst="line">
+              <a:avLst/>
+            </a:prstGeom>
+            <a:ln w="28575">
+              <a:solidFill>
+                <a:schemeClr val="accent1"/>
+              </a:solidFill>
+            </a:ln>
+          </p:spPr>
+          <p:style>
+            <a:lnRef idx="2">
+              <a:schemeClr val="dk1"/>
+            </a:lnRef>
+            <a:fillRef idx="0">
+              <a:schemeClr val="dk1"/>
+            </a:fillRef>
+            <a:effectRef idx="1">
+              <a:schemeClr val="dk1"/>
+            </a:effectRef>
+            <a:fontRef idx="minor">
+              <a:schemeClr val="tx1"/>
+            </a:fontRef>
+          </p:style>
+        </p:cxnSp>
+        <p:cxnSp>
+          <p:nvCxnSpPr>
+            <p:cNvPr id="32" name="Straight Connector 31">
+              <a:extLst>
+                <a:ext uri="{FF2B5EF4-FFF2-40B4-BE49-F238E27FC236}">
+                  <a16:creationId xmlns:a16="http://schemas.microsoft.com/office/drawing/2014/main" id="{ABCADDAF-D6E5-934D-9053-BF786F2184BB}"/>
+                </a:ext>
+              </a:extLst>
+            </p:cNvPr>
+            <p:cNvCxnSpPr>
+              <a:cxnSpLocks/>
+            </p:cNvCxnSpPr>
+            <p:nvPr/>
+          </p:nvCxnSpPr>
+          <p:spPr>
+            <a:xfrm>
+              <a:off x="3532111" y="1574659"/>
+              <a:ext cx="3228907" cy="0"/>
+            </a:xfrm>
+            <a:prstGeom prst="line">
+              <a:avLst/>
+            </a:prstGeom>
+            <a:ln w="28575">
+              <a:solidFill>
+                <a:schemeClr val="accent1"/>
+              </a:solidFill>
+            </a:ln>
+          </p:spPr>
+          <p:style>
+            <a:lnRef idx="1">
+              <a:schemeClr val="accent1"/>
+            </a:lnRef>
+            <a:fillRef idx="0">
+              <a:schemeClr val="accent1"/>
+            </a:fillRef>
+            <a:effectRef idx="0">
+              <a:schemeClr val="accent1"/>
+            </a:effectRef>
+            <a:fontRef idx="minor">
+              <a:schemeClr val="tx1"/>
+            </a:fontRef>
+          </p:style>
+        </p:cxnSp>
+        <p:cxnSp>
+          <p:nvCxnSpPr>
+            <p:cNvPr id="34" name="Straight Arrow Connector 33">
+              <a:extLst>
+                <a:ext uri="{FF2B5EF4-FFF2-40B4-BE49-F238E27FC236}">
+                  <a16:creationId xmlns:a16="http://schemas.microsoft.com/office/drawing/2014/main" id="{99F40CF2-4D33-F344-999D-A04957EC6A26}"/>
+                </a:ext>
+              </a:extLst>
+            </p:cNvPr>
+            <p:cNvCxnSpPr>
+              <a:cxnSpLocks/>
+              <a:endCxn id="37" idx="1"/>
+            </p:cNvCxnSpPr>
+            <p:nvPr/>
+          </p:nvCxnSpPr>
+          <p:spPr>
+            <a:xfrm>
+              <a:off x="6761018" y="1574659"/>
+              <a:ext cx="806195" cy="1245737"/>
+            </a:xfrm>
+            <a:prstGeom prst="straightConnector1">
+              <a:avLst/>
+            </a:prstGeom>
+            <a:ln w="28575">
+              <a:solidFill>
+                <a:schemeClr val="accent1"/>
+              </a:solidFill>
+              <a:tailEnd type="stealth" w="lg" len="lg"/>
+            </a:ln>
+          </p:spPr>
+          <p:style>
+            <a:lnRef idx="1">
+              <a:schemeClr val="accent1"/>
+            </a:lnRef>
+            <a:fillRef idx="0">
+              <a:schemeClr val="accent1"/>
+            </a:fillRef>
+            <a:effectRef idx="0">
+              <a:schemeClr val="accent1"/>
+            </a:effectRef>
+            <a:fontRef idx="minor">
+              <a:schemeClr val="tx1"/>
+            </a:fontRef>
+          </p:style>
+        </p:cxnSp>
+      </p:grpSp>
+      <p:sp>
+        <p:nvSpPr>
+          <p:cNvPr id="37" name="Oval 36">
+            <a:extLst>
+              <a:ext uri="{FF2B5EF4-FFF2-40B4-BE49-F238E27FC236}">
+                <a16:creationId xmlns:a16="http://schemas.microsoft.com/office/drawing/2014/main" id="{4FA38ACB-A2E2-E640-95F1-B14BCDFC0018}"/>
+              </a:ext>
+            </a:extLst>
+          </p:cNvPr>
+          <p:cNvSpPr/>
+          <p:nvPr/>
+        </p:nvSpPr>
+        <p:spPr>
+          <a:xfrm>
+            <a:off x="7537083" y="2790266"/>
+            <a:ext cx="205740" cy="205740"/>
+          </a:xfrm>
+          <a:prstGeom prst="ellipse">
+            <a:avLst/>
+          </a:prstGeom>
+          <a:solidFill>
+            <a:schemeClr val="accent1"/>
+          </a:solidFill>
+        </p:spPr>
+        <p:style>
+          <a:lnRef idx="2">
+            <a:schemeClr val="accent1">
+              <a:shade val="50000"/>
+            </a:schemeClr>
+          </a:lnRef>
+          <a:fillRef idx="1">
+            <a:schemeClr val="accent1"/>
+          </a:fillRef>
+          <a:effectRef idx="0">
+            <a:schemeClr val="accent1"/>
+          </a:effectRef>
+          <a:fontRef idx="minor">
+            <a:schemeClr val="lt1"/>
+          </a:fontRef>
+        </p:style>
+        <p:txBody>
+          <a:bodyPr rtlCol="0" anchor="ctr"/>
+          <a:lstStyle/>
+          <a:p>
+            <a:pPr algn="ctr"/>
+            <a:endParaRPr lang="en-US"/>
+          </a:p>
+        </p:txBody>
+      </p:sp>
+      <p:sp>
+        <p:nvSpPr>
+          <p:cNvPr id="38" name="Oval 37">
+            <a:extLst>
+              <a:ext uri="{FF2B5EF4-FFF2-40B4-BE49-F238E27FC236}">
+                <a16:creationId xmlns:a16="http://schemas.microsoft.com/office/drawing/2014/main" id="{C788EC9A-1CD6-F14A-AEE2-3DCF60986142}"/>
+              </a:ext>
+            </a:extLst>
+          </p:cNvPr>
+          <p:cNvSpPr/>
+          <p:nvPr/>
+        </p:nvSpPr>
+        <p:spPr>
+          <a:xfrm>
+            <a:off x="5544093" y="2790266"/>
+            <a:ext cx="205740" cy="205740"/>
+          </a:xfrm>
+          <a:prstGeom prst="ellipse">
+            <a:avLst/>
+          </a:prstGeom>
+          <a:solidFill>
+            <a:srgbClr val="FF0000"/>
+          </a:solidFill>
+        </p:spPr>
+        <p:style>
+          <a:lnRef idx="2">
+            <a:schemeClr val="accent1">
+              <a:shade val="50000"/>
+            </a:schemeClr>
+          </a:lnRef>
+          <a:fillRef idx="1">
+            <a:schemeClr val="accent1"/>
+          </a:fillRef>
+          <a:effectRef idx="0">
+            <a:schemeClr val="accent1"/>
+          </a:effectRef>
+          <a:fontRef idx="minor">
+            <a:schemeClr val="lt1"/>
+          </a:fontRef>
+        </p:style>
+        <p:txBody>
+          <a:bodyPr rtlCol="0" anchor="ctr"/>
+          <a:lstStyle/>
+          <a:p>
+            <a:pPr algn="ctr"/>
+            <a:endParaRPr lang="en-US"/>
+          </a:p>
+        </p:txBody>
+      </p:sp>
+      <p:cxnSp>
+        <p:nvCxnSpPr>
+          <p:cNvPr id="43" name="Straight Connector 42">
+            <a:extLst>
+              <a:ext uri="{FF2B5EF4-FFF2-40B4-BE49-F238E27FC236}">
+                <a16:creationId xmlns:a16="http://schemas.microsoft.com/office/drawing/2014/main" id="{2DB4BB95-F31A-E649-AD4F-143DACC956E2}"/>
+              </a:ext>
+            </a:extLst>
+          </p:cNvPr>
+          <p:cNvCxnSpPr>
+            <a:cxnSpLocks/>
+            <a:stCxn id="10" idx="5"/>
+          </p:cNvCxnSpPr>
+          <p:nvPr/>
+        </p:nvCxnSpPr>
+        <p:spPr>
+          <a:xfrm>
+            <a:off x="2610200" y="3263711"/>
+            <a:ext cx="585387" cy="626467"/>
+          </a:xfrm>
+          <a:prstGeom prst="line">
+            <a:avLst/>
+          </a:prstGeom>
+          <a:ln w="28575">
+            <a:solidFill>
+              <a:srgbClr val="FF0000"/>
+            </a:solidFill>
+          </a:ln>
+        </p:spPr>
+        <p:style>
+          <a:lnRef idx="2">
+            <a:schemeClr val="dk1"/>
+          </a:lnRef>
+          <a:fillRef idx="0">
+            <a:schemeClr val="dk1"/>
+          </a:fillRef>
+          <a:effectRef idx="1">
+            <a:schemeClr val="dk1"/>
+          </a:effectRef>
+          <a:fontRef idx="minor">
+            <a:schemeClr val="tx1"/>
+          </a:fontRef>
+        </p:style>
+      </p:cxnSp>
+      <p:cxnSp>
+        <p:nvCxnSpPr>
+          <p:cNvPr id="44" name="Straight Connector 43">
+            <a:extLst>
+              <a:ext uri="{FF2B5EF4-FFF2-40B4-BE49-F238E27FC236}">
+                <a16:creationId xmlns:a16="http://schemas.microsoft.com/office/drawing/2014/main" id="{03E043CB-8AE5-004F-819F-2BEFB1304711}"/>
+              </a:ext>
+            </a:extLst>
+          </p:cNvPr>
+          <p:cNvCxnSpPr>
+            <a:cxnSpLocks/>
+          </p:cNvCxnSpPr>
+          <p:nvPr/>
+        </p:nvCxnSpPr>
+        <p:spPr>
+          <a:xfrm>
+            <a:off x="3195587" y="3890178"/>
+            <a:ext cx="1691674" cy="0"/>
+          </a:xfrm>
+          <a:prstGeom prst="line">
+            <a:avLst/>
+          </a:prstGeom>
+          <a:ln w="28575">
+            <a:solidFill>
+              <a:srgbClr val="FF0000"/>
+            </a:solidFill>
+          </a:ln>
+        </p:spPr>
+        <p:style>
+          <a:lnRef idx="1">
+            <a:schemeClr val="accent1"/>
+          </a:lnRef>
+          <a:fillRef idx="0">
+            <a:schemeClr val="accent1"/>
+          </a:fillRef>
+          <a:effectRef idx="0">
+            <a:schemeClr val="accent1"/>
+          </a:effectRef>
+          <a:fontRef idx="minor">
+            <a:schemeClr val="tx1"/>
+          </a:fontRef>
+        </p:style>
+      </p:cxnSp>
+      <p:cxnSp>
+        <p:nvCxnSpPr>
+          <p:cNvPr id="45" name="Straight Arrow Connector 44">
+            <a:extLst>
+              <a:ext uri="{FF2B5EF4-FFF2-40B4-BE49-F238E27FC236}">
+                <a16:creationId xmlns:a16="http://schemas.microsoft.com/office/drawing/2014/main" id="{BA51A3FE-EB0B-4247-8FE9-0E936E7A8FF1}"/>
+              </a:ext>
+            </a:extLst>
+          </p:cNvPr>
+          <p:cNvCxnSpPr>
+            <a:cxnSpLocks/>
+          </p:cNvCxnSpPr>
+          <p:nvPr/>
+        </p:nvCxnSpPr>
+        <p:spPr>
+          <a:xfrm flipV="1">
+            <a:off x="4887255" y="2965876"/>
+            <a:ext cx="735949" cy="924302"/>
+          </a:xfrm>
+          <a:prstGeom prst="straightConnector1">
+            <a:avLst/>
+          </a:prstGeom>
+          <a:ln w="28575">
+            <a:solidFill>
+              <a:srgbClr val="FF0000"/>
+            </a:solidFill>
+            <a:tailEnd type="stealth" w="lg" len="lg"/>
+          </a:ln>
+        </p:spPr>
+        <p:style>
+          <a:lnRef idx="1">
+            <a:schemeClr val="accent1"/>
+          </a:lnRef>
+          <a:fillRef idx="0">
+            <a:schemeClr val="accent1"/>
+          </a:fillRef>
+          <a:effectRef idx="0">
+            <a:schemeClr val="accent1"/>
+          </a:effectRef>
+          <a:fontRef idx="minor">
+            <a:schemeClr val="tx1"/>
+          </a:fontRef>
+        </p:style>
+      </p:cxnSp>
+      <p:sp>
+        <p:nvSpPr>
+          <p:cNvPr id="3" name="TextBox 2">
+            <a:extLst>
+              <a:ext uri="{FF2B5EF4-FFF2-40B4-BE49-F238E27FC236}">
+                <a16:creationId xmlns:a16="http://schemas.microsoft.com/office/drawing/2014/main" id="{EC8B51CE-CC80-4948-9B0B-325C1371DBEC}"/>
+              </a:ext>
+            </a:extLst>
+          </p:cNvPr>
+          <p:cNvSpPr txBox="1"/>
+          <p:nvPr/>
+        </p:nvSpPr>
+        <p:spPr>
+          <a:xfrm>
+            <a:off x="8232246" y="2447549"/>
+            <a:ext cx="286642" cy="769441"/>
+          </a:xfrm>
+          <a:prstGeom prst="rect">
+            <a:avLst/>
+          </a:prstGeom>
+          <a:noFill/>
+        </p:spPr>
+        <p:txBody>
+          <a:bodyPr wrap="square" rtlCol="0">
+            <a:spAutoFit/>
+          </a:bodyPr>
+          <a:lstStyle/>
+          <a:p>
+            <a:r>
+              <a:rPr lang="en-US" sz="4400" dirty="0">
+                <a:solidFill>
+                  <a:schemeClr val="accent6">
+                    <a:lumMod val="75000"/>
+                    <a:alpha val="70000"/>
+                  </a:schemeClr>
+                </a:solidFill>
+              </a:rPr>
+              <a:t>]</a:t>
+            </a:r>
+          </a:p>
+        </p:txBody>
+      </p:sp>
+      <p:cxnSp>
+        <p:nvCxnSpPr>
+          <p:cNvPr id="5" name="Straight Arrow Connector 4">
+            <a:extLst>
+              <a:ext uri="{FF2B5EF4-FFF2-40B4-BE49-F238E27FC236}">
+                <a16:creationId xmlns:a16="http://schemas.microsoft.com/office/drawing/2014/main" id="{7B53E856-41DE-5B4A-BF2C-EA75A6F1FB7C}"/>
+              </a:ext>
+            </a:extLst>
+          </p:cNvPr>
+          <p:cNvCxnSpPr>
+            <a:cxnSpLocks/>
+          </p:cNvCxnSpPr>
+          <p:nvPr/>
+        </p:nvCxnSpPr>
+        <p:spPr>
+          <a:xfrm flipH="1">
+            <a:off x="4308265" y="2886021"/>
+            <a:ext cx="4134315" cy="31933"/>
+          </a:xfrm>
+          <a:prstGeom prst="straightConnector1">
+            <a:avLst/>
+          </a:prstGeom>
+          <a:ln w="111125">
+            <a:solidFill>
+              <a:srgbClr val="548235">
+                <a:alpha val="70196"/>
+              </a:srgbClr>
+            </a:solidFill>
+            <a:tailEnd type="triangle"/>
+          </a:ln>
+        </p:spPr>
+        <p:style>
+          <a:lnRef idx="1">
+            <a:schemeClr val="accent1"/>
+          </a:lnRef>
+          <a:fillRef idx="0">
+            <a:schemeClr val="accent1"/>
+          </a:fillRef>
+          <a:effectRef idx="0">
+            <a:schemeClr val="accent1"/>
+          </a:effectRef>
+          <a:fontRef idx="minor">
+            <a:schemeClr val="tx1"/>
+          </a:fontRef>
+        </p:style>
+      </p:cxnSp>
+      <p:pic>
+        <p:nvPicPr>
+          <p:cNvPr id="25" name="Picture 24">
+            <a:extLst>
+              <a:ext uri="{FF2B5EF4-FFF2-40B4-BE49-F238E27FC236}">
+                <a16:creationId xmlns:a16="http://schemas.microsoft.com/office/drawing/2014/main" id="{C3ECC24A-38AE-FD45-BAE6-D34667ECB6CA}"/>
+              </a:ext>
+            </a:extLst>
+          </p:cNvPr>
+          <p:cNvPicPr>
+            <a:picLocks noChangeAspect="1"/>
+          </p:cNvPicPr>
+          <p:nvPr/>
+        </p:nvPicPr>
+        <p:blipFill>
+          <a:blip r:embed="rId2"/>
+          <a:stretch>
+            <a:fillRect/>
+          </a:stretch>
+        </p:blipFill>
+        <p:spPr>
+          <a:xfrm>
+            <a:off x="8933932" y="3076795"/>
+            <a:ext cx="381000" cy="317500"/>
+          </a:xfrm>
+          <a:prstGeom prst="rect">
+            <a:avLst/>
+          </a:prstGeom>
+        </p:spPr>
+      </p:pic>
+      <p:pic>
+        <p:nvPicPr>
+          <p:cNvPr id="33" name="Picture 32">
+            <a:extLst>
+              <a:ext uri="{FF2B5EF4-FFF2-40B4-BE49-F238E27FC236}">
+                <a16:creationId xmlns:a16="http://schemas.microsoft.com/office/drawing/2014/main" id="{9331CD6C-9AB8-0648-A9BD-DF18F1FE76C5}"/>
+              </a:ext>
+            </a:extLst>
+          </p:cNvPr>
+          <p:cNvPicPr>
+            <a:picLocks noChangeAspect="1"/>
+          </p:cNvPicPr>
+          <p:nvPr/>
+        </p:nvPicPr>
+        <p:blipFill>
+          <a:blip r:embed="rId3"/>
+          <a:stretch>
+            <a:fillRect/>
+          </a:stretch>
+        </p:blipFill>
+        <p:spPr>
+          <a:xfrm>
+            <a:off x="7683454" y="2015821"/>
+            <a:ext cx="1257300" cy="381000"/>
+          </a:xfrm>
+          <a:prstGeom prst="rect">
+            <a:avLst/>
+          </a:prstGeom>
+        </p:spPr>
+      </p:pic>
+      <p:pic>
+        <p:nvPicPr>
+          <p:cNvPr id="39" name="Picture 38">
+            <a:extLst>
+              <a:ext uri="{FF2B5EF4-FFF2-40B4-BE49-F238E27FC236}">
+                <a16:creationId xmlns:a16="http://schemas.microsoft.com/office/drawing/2014/main" id="{3088FEB0-199B-2541-9FB0-08516F540265}"/>
+              </a:ext>
+            </a:extLst>
+          </p:cNvPr>
+          <p:cNvPicPr>
+            <a:picLocks noChangeAspect="1"/>
+          </p:cNvPicPr>
+          <p:nvPr/>
+        </p:nvPicPr>
+        <p:blipFill>
+          <a:blip r:embed="rId4"/>
+          <a:stretch>
+            <a:fillRect/>
+          </a:stretch>
+        </p:blipFill>
+        <p:spPr>
+          <a:xfrm>
+            <a:off x="8294773" y="3185891"/>
+            <a:ext cx="241300" cy="215900"/>
+          </a:xfrm>
+          <a:prstGeom prst="rect">
+            <a:avLst/>
+          </a:prstGeom>
+        </p:spPr>
+      </p:pic>
+      <p:cxnSp>
+        <p:nvCxnSpPr>
+          <p:cNvPr id="42" name="Straight Arrow Connector 41">
+            <a:extLst>
+              <a:ext uri="{FF2B5EF4-FFF2-40B4-BE49-F238E27FC236}">
+                <a16:creationId xmlns:a16="http://schemas.microsoft.com/office/drawing/2014/main" id="{4B130B94-905B-754D-9223-E45062AF2663}"/>
+              </a:ext>
+            </a:extLst>
+          </p:cNvPr>
+          <p:cNvCxnSpPr>
+            <a:cxnSpLocks/>
+          </p:cNvCxnSpPr>
+          <p:nvPr/>
+        </p:nvCxnSpPr>
+        <p:spPr>
+          <a:xfrm flipV="1">
+            <a:off x="8415423" y="2751903"/>
+            <a:ext cx="0" cy="278310"/>
+          </a:xfrm>
+          <a:prstGeom prst="straightConnector1">
+            <a:avLst/>
+          </a:prstGeom>
+          <a:ln w="28575">
+            <a:solidFill>
+              <a:schemeClr val="tx1">
+                <a:lumMod val="85000"/>
+                <a:lumOff val="15000"/>
+              </a:schemeClr>
+            </a:solidFill>
+            <a:tailEnd type="none" w="lg" len="lg"/>
+          </a:ln>
+        </p:spPr>
+        <p:style>
+          <a:lnRef idx="1">
+            <a:schemeClr val="accent1"/>
+          </a:lnRef>
+          <a:fillRef idx="0">
+            <a:schemeClr val="accent1"/>
+          </a:fillRef>
+          <a:effectRef idx="0">
+            <a:schemeClr val="accent1"/>
+          </a:effectRef>
+          <a:fontRef idx="minor">
+            <a:schemeClr val="tx1"/>
+          </a:fontRef>
+        </p:style>
+      </p:cxnSp>
+      <p:sp>
+        <p:nvSpPr>
+          <p:cNvPr id="22" name="TextBox 21">
+            <a:extLst>
+              <a:ext uri="{FF2B5EF4-FFF2-40B4-BE49-F238E27FC236}">
+                <a16:creationId xmlns:a16="http://schemas.microsoft.com/office/drawing/2014/main" id="{1146A7F9-E37C-0742-ADFE-015A73AAC073}"/>
+              </a:ext>
+            </a:extLst>
+          </p:cNvPr>
+          <p:cNvSpPr txBox="1"/>
+          <p:nvPr/>
+        </p:nvSpPr>
+        <p:spPr>
+          <a:xfrm>
+            <a:off x="9167149" y="4386805"/>
+            <a:ext cx="184731" cy="369332"/>
+          </a:xfrm>
+          <a:prstGeom prst="rect">
+            <a:avLst/>
+          </a:prstGeom>
+          <a:noFill/>
+        </p:spPr>
+        <p:txBody>
+          <a:bodyPr wrap="none" rtlCol="0">
+            <a:spAutoFit/>
+          </a:bodyPr>
+          <a:lstStyle/>
+          <a:p>
+            <a:endParaRPr lang="en-US" dirty="0"/>
+          </a:p>
+        </p:txBody>
+      </p:sp>
+    </p:spTree>
+    <p:extLst>
+      <p:ext uri="{BB962C8B-B14F-4D97-AF65-F5344CB8AC3E}">
+        <p14:creationId xmlns:p14="http://schemas.microsoft.com/office/powerpoint/2010/main" val="3151149126"/>
+      </p:ext>
+    </p:extLst>
+  </p:cSld>
+  <p:clrMapOvr>
+    <a:masterClrMapping/>
+  </p:clrMapOvr>
+</p:sld>
+</file>
+
+<file path=ppt/slides/slide9.xml><?xml version="1.0" encoding="utf-8"?>
+<p:sld xmlns:a="http://schemas.openxmlformats.org/drawingml/2006/main" xmlns:r="http://schemas.openxmlformats.org/officeDocument/2006/relationships" xmlns:p="http://schemas.openxmlformats.org/presentationml/2006/main">
+  <p:cSld>
+    <p:spTree>
+      <p:nvGrpSpPr>
+        <p:cNvPr id="1" name=""/>
+        <p:cNvGrpSpPr/>
+        <p:nvPr/>
+      </p:nvGrpSpPr>
+      <p:grpSpPr>
+        <a:xfrm>
+          <a:off x="0" y="0"/>
+          <a:ext cx="0" cy="0"/>
+          <a:chOff x="0" y="0"/>
+          <a:chExt cx="0" cy="0"/>
+        </a:xfrm>
+      </p:grpSpPr>
+      <p:cxnSp>
+        <p:nvCxnSpPr>
+          <p:cNvPr id="14" name="Straight Arrow Connector 13">
+            <a:extLst>
+              <a:ext uri="{FF2B5EF4-FFF2-40B4-BE49-F238E27FC236}">
+                <a16:creationId xmlns:a16="http://schemas.microsoft.com/office/drawing/2014/main" id="{57087A8D-DCC6-C240-9B7D-6C0847135B72}"/>
+              </a:ext>
+            </a:extLst>
+          </p:cNvPr>
+          <p:cNvCxnSpPr>
+            <a:cxnSpLocks/>
+          </p:cNvCxnSpPr>
+          <p:nvPr/>
+        </p:nvCxnSpPr>
+        <p:spPr>
+          <a:xfrm>
+            <a:off x="4308265" y="2894131"/>
+            <a:ext cx="2108033" cy="0"/>
+          </a:xfrm>
+          <a:prstGeom prst="straightConnector1">
+            <a:avLst/>
+          </a:prstGeom>
+          <a:ln w="28575">
+            <a:solidFill>
+              <a:schemeClr val="tx1">
+                <a:lumMod val="85000"/>
+                <a:lumOff val="15000"/>
+              </a:schemeClr>
+            </a:solidFill>
+            <a:tailEnd type="stealth" w="lg" len="lg"/>
+          </a:ln>
+        </p:spPr>
+        <p:style>
+          <a:lnRef idx="1">
+            <a:schemeClr val="accent1"/>
+          </a:lnRef>
+          <a:fillRef idx="0">
+            <a:schemeClr val="accent1"/>
+          </a:fillRef>
+          <a:effectRef idx="0">
+            <a:schemeClr val="accent1"/>
+          </a:effectRef>
+          <a:fontRef idx="minor">
+            <a:schemeClr val="tx1"/>
+          </a:fontRef>
+        </p:style>
+      </p:cxnSp>
+      <p:sp>
+        <p:nvSpPr>
+          <p:cNvPr id="3" name="TextBox 2">
+            <a:extLst>
+              <a:ext uri="{FF2B5EF4-FFF2-40B4-BE49-F238E27FC236}">
+                <a16:creationId xmlns:a16="http://schemas.microsoft.com/office/drawing/2014/main" id="{EC8B51CE-CC80-4948-9B0B-325C1371DBEC}"/>
+              </a:ext>
+            </a:extLst>
+          </p:cNvPr>
+          <p:cNvSpPr txBox="1"/>
+          <p:nvPr/>
+        </p:nvSpPr>
+        <p:spPr>
+          <a:xfrm>
+            <a:off x="4614128" y="2470066"/>
+            <a:ext cx="708508" cy="769441"/>
+          </a:xfrm>
+          <a:prstGeom prst="rect">
+            <a:avLst/>
+          </a:prstGeom>
+          <a:noFill/>
+        </p:spPr>
+        <p:txBody>
+          <a:bodyPr wrap="square" rtlCol="0">
+            <a:spAutoFit/>
+          </a:bodyPr>
+          <a:lstStyle/>
+          <a:p>
+            <a:r>
+              <a:rPr lang="en-US" sz="4400" dirty="0">
+                <a:solidFill>
+                  <a:schemeClr val="accent6">
+                    <a:lumMod val="75000"/>
+                    <a:alpha val="70000"/>
+                  </a:schemeClr>
+                </a:solidFill>
+              </a:rPr>
+              <a:t>]</a:t>
+            </a:r>
+          </a:p>
+        </p:txBody>
+      </p:sp>
+      <p:cxnSp>
+        <p:nvCxnSpPr>
+          <p:cNvPr id="5" name="Straight Arrow Connector 4">
+            <a:extLst>
+              <a:ext uri="{FF2B5EF4-FFF2-40B4-BE49-F238E27FC236}">
+                <a16:creationId xmlns:a16="http://schemas.microsoft.com/office/drawing/2014/main" id="{7B53E856-41DE-5B4A-BF2C-EA75A6F1FB7C}"/>
+              </a:ext>
+            </a:extLst>
+          </p:cNvPr>
+          <p:cNvCxnSpPr>
+            <a:cxnSpLocks/>
+          </p:cNvCxnSpPr>
+          <p:nvPr/>
+        </p:nvCxnSpPr>
+        <p:spPr>
+          <a:xfrm flipH="1">
+            <a:off x="3766088" y="2895090"/>
+            <a:ext cx="1032395" cy="0"/>
+          </a:xfrm>
+          <a:prstGeom prst="straightConnector1">
+            <a:avLst/>
+          </a:prstGeom>
+          <a:ln w="111125">
+            <a:solidFill>
+              <a:schemeClr val="accent6">
+                <a:lumMod val="75000"/>
+                <a:alpha val="70203"/>
+              </a:schemeClr>
+            </a:solidFill>
+            <a:tailEnd type="triangle"/>
+          </a:ln>
+        </p:spPr>
+        <p:style>
+          <a:lnRef idx="1">
+            <a:schemeClr val="accent1"/>
+          </a:lnRef>
+          <a:fillRef idx="0">
+            <a:schemeClr val="accent1"/>
+          </a:fillRef>
+          <a:effectRef idx="0">
+            <a:schemeClr val="accent1"/>
+          </a:effectRef>
+          <a:fontRef idx="minor">
+            <a:schemeClr val="tx1"/>
+          </a:fontRef>
+        </p:style>
+      </p:cxnSp>
+      <p:pic>
+        <p:nvPicPr>
+          <p:cNvPr id="13" name="Picture 12">
+            <a:extLst>
+              <a:ext uri="{FF2B5EF4-FFF2-40B4-BE49-F238E27FC236}">
+                <a16:creationId xmlns:a16="http://schemas.microsoft.com/office/drawing/2014/main" id="{6A29E732-9E7C-8F40-8612-C590E801462C}"/>
+              </a:ext>
+            </a:extLst>
+          </p:cNvPr>
+          <p:cNvPicPr>
+            <a:picLocks noChangeAspect="1"/>
+          </p:cNvPicPr>
+          <p:nvPr/>
+        </p:nvPicPr>
+        <p:blipFill>
+          <a:blip r:embed="rId2"/>
+          <a:stretch>
+            <a:fillRect/>
+          </a:stretch>
+        </p:blipFill>
+        <p:spPr>
+          <a:xfrm>
+            <a:off x="3865394" y="2015588"/>
+            <a:ext cx="1257300" cy="381000"/>
+          </a:xfrm>
+          <a:prstGeom prst="rect">
+            <a:avLst/>
+          </a:prstGeom>
+        </p:spPr>
+      </p:pic>
+      <p:pic>
+        <p:nvPicPr>
+          <p:cNvPr id="15" name="Picture 14">
+            <a:extLst>
+              <a:ext uri="{FF2B5EF4-FFF2-40B4-BE49-F238E27FC236}">
+                <a16:creationId xmlns:a16="http://schemas.microsoft.com/office/drawing/2014/main" id="{4A1D8EE1-130E-1742-B2D9-B17BAD3BC662}"/>
+              </a:ext>
+            </a:extLst>
+          </p:cNvPr>
+          <p:cNvPicPr>
+            <a:picLocks noChangeAspect="1"/>
+          </p:cNvPicPr>
+          <p:nvPr/>
+        </p:nvPicPr>
+        <p:blipFill>
+          <a:blip r:embed="rId3"/>
+          <a:stretch>
+            <a:fillRect/>
+          </a:stretch>
+        </p:blipFill>
+        <p:spPr>
+          <a:xfrm>
+            <a:off x="4693331" y="3260998"/>
+            <a:ext cx="241300" cy="215900"/>
+          </a:xfrm>
+          <a:prstGeom prst="rect">
+            <a:avLst/>
+          </a:prstGeom>
+        </p:spPr>
+      </p:pic>
+      <p:pic>
+        <p:nvPicPr>
+          <p:cNvPr id="7" name="Picture 6">
+            <a:extLst>
+              <a:ext uri="{FF2B5EF4-FFF2-40B4-BE49-F238E27FC236}">
+                <a16:creationId xmlns:a16="http://schemas.microsoft.com/office/drawing/2014/main" id="{879E9195-E6A5-FF41-A476-EEC8534EE0E9}"/>
+              </a:ext>
+            </a:extLst>
+          </p:cNvPr>
+          <p:cNvPicPr>
+            <a:picLocks noChangeAspect="1"/>
+          </p:cNvPicPr>
+          <p:nvPr/>
+        </p:nvPicPr>
+        <p:blipFill>
+          <a:blip r:embed="rId4"/>
+          <a:stretch>
+            <a:fillRect/>
+          </a:stretch>
+        </p:blipFill>
+        <p:spPr>
+          <a:xfrm>
+            <a:off x="6329230" y="3000697"/>
+            <a:ext cx="381000" cy="317500"/>
+          </a:xfrm>
+          <a:prstGeom prst="rect">
+            <a:avLst/>
+          </a:prstGeom>
+        </p:spPr>
+      </p:pic>
+    </p:spTree>
+    <p:extLst>
+      <p:ext uri="{BB962C8B-B14F-4D97-AF65-F5344CB8AC3E}">
+        <p14:creationId xmlns:p14="http://schemas.microsoft.com/office/powerpoint/2010/main" val="2326996870"/>
       </p:ext>
     </p:extLst>
   </p:cSld>

--- a/08-random-variables/figs/binary-rv1.pptx
+++ b/08-random-variables/figs/binary-rv1.pptx
@@ -15004,38 +15004,6 @@
           </a:fontRef>
         </p:style>
       </p:cxnSp>
-      <p:sp>
-        <p:nvSpPr>
-          <p:cNvPr id="22" name="TextBox 21">
-            <a:extLst>
-              <a:ext uri="{FF2B5EF4-FFF2-40B4-BE49-F238E27FC236}">
-                <a16:creationId xmlns:a16="http://schemas.microsoft.com/office/drawing/2014/main" id="{1146A7F9-E37C-0742-ADFE-015A73AAC073}"/>
-              </a:ext>
-            </a:extLst>
-          </p:cNvPr>
-          <p:cNvSpPr txBox="1"/>
-          <p:nvPr/>
-        </p:nvSpPr>
-        <p:spPr>
-          <a:xfrm>
-            <a:off x="9167149" y="4386805"/>
-            <a:ext cx="184731" cy="369332"/>
-          </a:xfrm>
-          <a:prstGeom prst="rect">
-            <a:avLst/>
-          </a:prstGeom>
-          <a:noFill/>
-        </p:spPr>
-        <p:txBody>
-          <a:bodyPr wrap="none" rtlCol="0">
-            <a:spAutoFit/>
-          </a:bodyPr>
-          <a:lstStyle/>
-          <a:p>
-            <a:endParaRPr lang="en-US" dirty="0"/>
-          </a:p>
-        </p:txBody>
-      </p:sp>
     </p:spTree>
     <p:extLst>
       <p:ext uri="{BB962C8B-B14F-4D97-AF65-F5344CB8AC3E}">
